--- a/Doku/externalFiles/SchaltplanEnergieversorgung_VorstellungWeiss.pptx
+++ b/Doku/externalFiles/SchaltplanEnergieversorgung_VorstellungWeiss.pptx
@@ -5,23 +5,25 @@
     <p:sldMasterId id="2147483648" r:id="rId1"/>
   </p:sldMasterIdLst>
   <p:notesMasterIdLst>
-    <p:notesMasterId r:id="rId3"/>
+    <p:notesMasterId r:id="rId5"/>
   </p:notesMasterIdLst>
   <p:handoutMasterIdLst>
-    <p:handoutMasterId r:id="rId4"/>
+    <p:handoutMasterId r:id="rId6"/>
   </p:handoutMasterIdLst>
   <p:sldIdLst>
     <p:sldId id="256" r:id="rId2"/>
+    <p:sldId id="258" r:id="rId3"/>
+    <p:sldId id="257" r:id="rId4"/>
   </p:sldIdLst>
   <p:sldSz cx="12192000" cy="6858000"/>
   <p:notesSz cx="9940925" cy="6808788"/>
   <p:embeddedFontLst>
     <p:embeddedFont>
       <p:font typeface="Open Sans" panose="020B0606030504020204" pitchFamily="34" charset="0"/>
-      <p:regular r:id="rId5"/>
-      <p:bold r:id="rId6"/>
-      <p:italic r:id="rId7"/>
-      <p:boldItalic r:id="rId8"/>
+      <p:regular r:id="rId7"/>
+      <p:bold r:id="rId8"/>
+      <p:italic r:id="rId9"/>
+      <p:boldItalic r:id="rId10"/>
     </p:embeddedFont>
   </p:embeddedFontLst>
   <p:defaultTextStyle>
@@ -125,10 +127,13 @@
         <p14:section name="SICK" id="{77C3B0B4-240A-47F7-87D9-1A15FEBC9669}">
           <p14:sldIdLst>
             <p14:sldId id="256"/>
+            <p14:sldId id="258"/>
           </p14:sldIdLst>
         </p14:section>
         <p14:section name="Information" id="{C99C9A4B-26FF-4EB2-A52A-D2E7BB9F5EAF}">
-          <p14:sldIdLst/>
+          <p14:sldIdLst>
+            <p14:sldId id="257"/>
+          </p14:sldIdLst>
         </p14:section>
       </p14:sectionLst>
     </p:ext>
@@ -236,7 +241,7 @@
           <a:p>
             <a:fld id="{ACA0CCB3-15BC-4C05-A575-2DCFEA290779}" type="datetimeFigureOut">
               <a:rPr lang="en-US" smtClean="0"/>
-              <a:t>1/17/2022</a:t>
+              <a:t>1/24/2022</a:t>
             </a:fld>
             <a:endParaRPr lang="en-US"/>
           </a:p>
@@ -453,7 +458,7 @@
             <a:fld id="{ACA0CCB3-15BC-4C05-A575-2DCFEA290779}" type="datetimeFigureOut">
               <a:rPr lang="en-US" noProof="0" smtClean="0"/>
               <a:pPr/>
-              <a:t>1/17/2022</a:t>
+              <a:t>1/24/2022</a:t>
             </a:fld>
             <a:endParaRPr lang="en-US" noProof="0"/>
           </a:p>
@@ -1254,6 +1259,95 @@
 </p:notes>
 </file>
 
+<file path=ppt/notesSlides/notesSlide2.xml><?xml version="1.0" encoding="utf-8"?>
+<p:notes xmlns:a="http://schemas.openxmlformats.org/drawingml/2006/main" xmlns:r="http://schemas.openxmlformats.org/officeDocument/2006/relationships" xmlns:p="http://schemas.openxmlformats.org/presentationml/2006/main">
+  <p:cSld>
+    <p:spTree>
+      <p:nvGrpSpPr>
+        <p:cNvPr id="1" name=""/>
+        <p:cNvGrpSpPr/>
+        <p:nvPr/>
+      </p:nvGrpSpPr>
+      <p:grpSpPr>
+        <a:xfrm>
+          <a:off x="0" y="0"/>
+          <a:ext cx="0" cy="0"/>
+          <a:chOff x="0" y="0"/>
+          <a:chExt cx="0" cy="0"/>
+        </a:xfrm>
+      </p:grpSpPr>
+      <p:sp>
+        <p:nvSpPr>
+          <p:cNvPr id="2" name="Folienbildplatzhalter 1"/>
+          <p:cNvSpPr>
+            <a:spLocks noGrp="1" noRot="1" noChangeAspect="1"/>
+          </p:cNvSpPr>
+          <p:nvPr>
+            <p:ph type="sldImg"/>
+          </p:nvPr>
+        </p:nvSpPr>
+        <p:spPr bwMode="gray">
+          <a:xfrm>
+            <a:off x="479425" y="900113"/>
+            <a:ext cx="6208713" cy="3492500"/>
+          </a:xfrm>
+        </p:spPr>
+      </p:sp>
+      <p:sp>
+        <p:nvSpPr>
+          <p:cNvPr id="3" name="Notizenplatzhalter 2"/>
+          <p:cNvSpPr>
+            <a:spLocks noGrp="1"/>
+          </p:cNvSpPr>
+          <p:nvPr>
+            <p:ph type="body" idx="1"/>
+          </p:nvPr>
+        </p:nvSpPr>
+        <p:spPr bwMode="gray"/>
+        <p:txBody>
+          <a:bodyPr/>
+          <a:lstStyle/>
+          <a:p>
+            <a:endParaRPr lang="en-US"/>
+          </a:p>
+        </p:txBody>
+      </p:sp>
+      <p:sp>
+        <p:nvSpPr>
+          <p:cNvPr id="4" name="Foliennummernplatzhalter 3"/>
+          <p:cNvSpPr>
+            <a:spLocks noGrp="1"/>
+          </p:cNvSpPr>
+          <p:nvPr>
+            <p:ph type="sldNum" sz="quarter" idx="5"/>
+          </p:nvPr>
+        </p:nvSpPr>
+        <p:spPr bwMode="gray"/>
+        <p:txBody>
+          <a:bodyPr/>
+          <a:lstStyle/>
+          <a:p>
+            <a:fld id="{ECA1526B-7E83-42A4-A26A-60EA22746209}" type="slidenum">
+              <a:rPr lang="en-US" smtClean="0"/>
+              <a:t>2</a:t>
+            </a:fld>
+            <a:endParaRPr lang="en-US"/>
+          </a:p>
+        </p:txBody>
+      </p:sp>
+    </p:spTree>
+    <p:extLst>
+      <p:ext uri="{BB962C8B-B14F-4D97-AF65-F5344CB8AC3E}">
+        <p14:creationId xmlns:p14="http://schemas.microsoft.com/office/powerpoint/2010/main" val="3281949842"/>
+      </p:ext>
+    </p:extLst>
+  </p:cSld>
+  <p:clrMapOvr>
+    <a:masterClrMapping/>
+  </p:clrMapOvr>
+</p:notes>
+</file>
+
 <file path=ppt/slideLayouts/slideLayout1.xml><?xml version="1.0" encoding="utf-8"?>
 <p:sldLayout xmlns:a="http://schemas.openxmlformats.org/drawingml/2006/main" xmlns:r="http://schemas.openxmlformats.org/officeDocument/2006/relationships" xmlns:p="http://schemas.openxmlformats.org/presentationml/2006/main" preserve="1" userDrawn="1">
   <p:cSld name="Title slide with picture">
@@ -1601,7 +1695,7 @@
           <a:p>
             <a:fld id="{1F7D62A1-1022-45FC-8F4C-401AA1E60FB2}" type="datetime1">
               <a:rPr lang="en-US" noProof="0" smtClean="0"/>
-              <a:t>1/17/2022</a:t>
+              <a:t>1/24/2022</a:t>
             </a:fld>
             <a:endParaRPr lang="en-US" noProof="0"/>
           </a:p>
@@ -1746,7 +1840,7 @@
           <a:p>
             <a:fld id="{DA69DA01-1F37-4081-BD2F-192C13199E1D}" type="datetime1">
               <a:rPr lang="en-US" noProof="0" smtClean="0"/>
-              <a:t>1/17/2022</a:t>
+              <a:t>1/24/2022</a:t>
             </a:fld>
             <a:endParaRPr lang="en-US" noProof="0"/>
           </a:p>
@@ -2201,7 +2295,7 @@
           <a:p>
             <a:fld id="{DA69DA01-1F37-4081-BD2F-192C13199E1D}" type="datetime1">
               <a:rPr lang="en-US" noProof="0" smtClean="0"/>
-              <a:t>1/17/2022</a:t>
+              <a:t>1/24/2022</a:t>
             </a:fld>
             <a:endParaRPr lang="en-US" noProof="0"/>
           </a:p>
@@ -2696,7 +2790,7 @@
           <a:p>
             <a:fld id="{3B171B55-A9F0-4352-B4F6-063BC8274E8D}" type="datetime1">
               <a:rPr lang="en-US" noProof="0" smtClean="0"/>
-              <a:t>1/17/2022</a:t>
+              <a:t>1/24/2022</a:t>
             </a:fld>
             <a:endParaRPr lang="en-US" noProof="0"/>
           </a:p>
@@ -3228,7 +3322,7 @@
           <a:p>
             <a:fld id="{88958738-E210-4CBF-B313-79F19D651CFC}" type="datetime1">
               <a:rPr lang="en-US" noProof="0" smtClean="0"/>
-              <a:t>1/17/2022</a:t>
+              <a:t>1/24/2022</a:t>
             </a:fld>
             <a:endParaRPr lang="en-US" noProof="0"/>
           </a:p>
@@ -3837,7 +3931,7 @@
           <a:p>
             <a:fld id="{E909C3CB-F559-4548-8DB2-B16CBFBE1B35}" type="datetime1">
               <a:rPr lang="en-US" noProof="0" smtClean="0"/>
-              <a:t>1/17/2022</a:t>
+              <a:t>1/24/2022</a:t>
             </a:fld>
             <a:endParaRPr lang="en-US" noProof="0"/>
           </a:p>
@@ -4600,7 +4694,7 @@
           <a:p>
             <a:fld id="{88958738-E210-4CBF-B313-79F19D651CFC}" type="datetime1">
               <a:rPr lang="en-US" noProof="0" smtClean="0"/>
-              <a:t>1/17/2022</a:t>
+              <a:t>1/24/2022</a:t>
             </a:fld>
             <a:endParaRPr lang="en-US" noProof="0"/>
           </a:p>
@@ -5709,7 +5803,7 @@
           <a:p>
             <a:fld id="{4C6707E2-6AED-4BDE-9798-21D74701382F}" type="datetime1">
               <a:rPr lang="en-US" noProof="0" smtClean="0"/>
-              <a:t>1/17/2022</a:t>
+              <a:t>1/24/2022</a:t>
             </a:fld>
             <a:endParaRPr lang="en-US" noProof="0"/>
           </a:p>
@@ -6049,7 +6143,7 @@
           <a:p>
             <a:fld id="{D67A8C11-0CB9-4E68-A82B-2689FA16F007}" type="datetime1">
               <a:rPr lang="en-US" noProof="0" smtClean="0"/>
-              <a:t>1/17/2022</a:t>
+              <a:t>1/24/2022</a:t>
             </a:fld>
             <a:endParaRPr lang="en-US" noProof="0"/>
           </a:p>
@@ -6296,7 +6390,7 @@
           <a:p>
             <a:fld id="{D67A8C11-0CB9-4E68-A82B-2689FA16F007}" type="datetime1">
               <a:rPr lang="en-US" noProof="0" smtClean="0"/>
-              <a:t>1/17/2022</a:t>
+              <a:t>1/24/2022</a:t>
             </a:fld>
             <a:endParaRPr lang="en-US" noProof="0"/>
           </a:p>
@@ -6500,7 +6594,7 @@
           <a:p>
             <a:fld id="{896C533A-22BC-450A-9894-80CD50BD34D1}" type="datetime1">
               <a:rPr lang="en-US" noProof="0" smtClean="0"/>
-              <a:t>1/17/2022</a:t>
+              <a:t>1/24/2022</a:t>
             </a:fld>
             <a:endParaRPr lang="en-US" noProof="0"/>
           </a:p>
@@ -7176,7 +7270,7 @@
           <a:p>
             <a:fld id="{66E7D378-6DE5-4D5B-B62D-4EA5C8C63254}" type="datetime1">
               <a:rPr lang="en-US" noProof="0" smtClean="0"/>
-              <a:t>1/17/2022</a:t>
+              <a:t>1/24/2022</a:t>
             </a:fld>
             <a:endParaRPr lang="en-US" noProof="0"/>
           </a:p>
@@ -7321,7 +7415,7 @@
           <a:p>
             <a:fld id="{3D1A3D56-8D4F-4D1B-BAB4-732D8B286584}" type="datetime1">
               <a:rPr lang="en-US" noProof="0" smtClean="0"/>
-              <a:t>1/17/2022</a:t>
+              <a:t>1/24/2022</a:t>
             </a:fld>
             <a:endParaRPr lang="en-US" noProof="0"/>
           </a:p>
@@ -8017,7 +8111,7 @@
           <a:p>
             <a:fld id="{99AE3937-712A-4072-A259-118EDAC19726}" type="datetime1">
               <a:rPr lang="en-US" noProof="0" smtClean="0"/>
-              <a:t>1/17/2022</a:t>
+              <a:t>1/24/2022</a:t>
             </a:fld>
             <a:endParaRPr lang="en-US" noProof="0"/>
           </a:p>
@@ -8226,7 +8320,7 @@
           <a:p>
             <a:fld id="{312EA755-E45C-4268-B479-98BC6F2A4060}" type="datetime1">
               <a:rPr lang="en-US" noProof="0" smtClean="0"/>
-              <a:t>1/17/2022</a:t>
+              <a:t>1/24/2022</a:t>
             </a:fld>
             <a:endParaRPr lang="en-US" noProof="0"/>
           </a:p>
@@ -8650,7 +8744,7 @@
           <a:p>
             <a:fld id="{896C533A-22BC-450A-9894-80CD50BD34D1}" type="datetime1">
               <a:rPr lang="en-US" noProof="0" smtClean="0"/>
-              <a:t>1/17/2022</a:t>
+              <a:t>1/24/2022</a:t>
             </a:fld>
             <a:endParaRPr lang="en-US" noProof="0"/>
           </a:p>
@@ -8989,7 +9083,7 @@
           <a:p>
             <a:fld id="{60C5CD5E-89A6-44F3-8B82-118736FA2921}" type="datetime1">
               <a:rPr lang="en-US" noProof="0" smtClean="0"/>
-              <a:t>1/17/2022</a:t>
+              <a:t>1/24/2022</a:t>
             </a:fld>
             <a:endParaRPr lang="en-US" noProof="0"/>
           </a:p>
@@ -9367,7 +9461,7 @@
           <a:p>
             <a:fld id="{470CBAC5-DBF8-4593-AA00-62DBAF18880A}" type="datetime1">
               <a:rPr lang="en-US" noProof="0" smtClean="0"/>
-              <a:t>1/17/2022</a:t>
+              <a:t>1/24/2022</a:t>
             </a:fld>
             <a:endParaRPr lang="en-US" noProof="0"/>
           </a:p>
@@ -9745,7 +9839,7 @@
           <a:p>
             <a:fld id="{EFA014BB-C5BD-4055-AF3B-E32DCCB61496}" type="datetime1">
               <a:rPr lang="en-US" noProof="0" smtClean="0"/>
-              <a:t>1/17/2022</a:t>
+              <a:t>1/24/2022</a:t>
             </a:fld>
             <a:endParaRPr lang="en-US" noProof="0"/>
           </a:p>
@@ -10162,7 +10256,7 @@
           <a:p>
             <a:fld id="{DA69DA01-1F37-4081-BD2F-192C13199E1D}" type="datetime1">
               <a:rPr lang="en-US" noProof="0" smtClean="0"/>
-              <a:t>1/17/2022</a:t>
+              <a:t>1/24/2022</a:t>
             </a:fld>
             <a:endParaRPr lang="en-US" noProof="0"/>
           </a:p>
@@ -13245,7 +13339,7 @@
           <a:p>
             <a:fld id="{D67A8C11-0CB9-4E68-A82B-2689FA16F007}" type="datetime1">
               <a:rPr lang="en-US" noProof="0" smtClean="0"/>
-              <a:t>1/17/2022</a:t>
+              <a:t>1/24/2022</a:t>
             </a:fld>
             <a:endParaRPr lang="en-US" noProof="0"/>
           </a:p>
@@ -14356,8 +14450,8 @@
         </p:nvCxnSpPr>
         <p:spPr bwMode="gray">
           <a:xfrm>
-            <a:off x="267776" y="2252673"/>
-            <a:ext cx="1080120" cy="0"/>
+            <a:off x="2317868" y="2248364"/>
+            <a:ext cx="609780" cy="607"/>
           </a:xfrm>
           <a:prstGeom prst="line">
             <a:avLst/>
@@ -14399,8 +14493,8 @@
         </p:nvCxnSpPr>
         <p:spPr bwMode="gray">
           <a:xfrm>
-            <a:off x="483800" y="2468697"/>
-            <a:ext cx="576064" cy="0"/>
+            <a:off x="2473297" y="2468695"/>
+            <a:ext cx="349478" cy="0"/>
           </a:xfrm>
           <a:prstGeom prst="line">
             <a:avLst/>
@@ -14442,7 +14536,7 @@
         </p:nvCxnSpPr>
         <p:spPr bwMode="gray">
           <a:xfrm flipV="1">
-            <a:off x="771832" y="1964641"/>
+            <a:off x="2639616" y="1964639"/>
             <a:ext cx="0" cy="288032"/>
           </a:xfrm>
           <a:prstGeom prst="line">
@@ -14483,7 +14577,7 @@
         </p:nvSpPr>
         <p:spPr bwMode="gray">
           <a:xfrm>
-            <a:off x="2284000" y="1772818"/>
+            <a:off x="4151784" y="1772816"/>
             <a:ext cx="2160237" cy="1152128"/>
           </a:xfrm>
           <a:prstGeom prst="roundRect">
@@ -14552,50 +14646,7 @@
         </p:nvCxnSpPr>
         <p:spPr bwMode="gray">
           <a:xfrm flipH="1">
-            <a:off x="771832" y="1964641"/>
-            <a:ext cx="1512168" cy="0"/>
-          </a:xfrm>
-          <a:prstGeom prst="line">
-            <a:avLst/>
-          </a:prstGeom>
-          <a:ln w="19050">
-            <a:solidFill>
-              <a:schemeClr val="accent1"/>
-            </a:solidFill>
-          </a:ln>
-        </p:spPr>
-        <p:style>
-          <a:lnRef idx="1">
-            <a:schemeClr val="accent1"/>
-          </a:lnRef>
-          <a:fillRef idx="0">
-            <a:schemeClr val="accent1"/>
-          </a:fillRef>
-          <a:effectRef idx="0">
-            <a:schemeClr val="accent1"/>
-          </a:effectRef>
-          <a:fontRef idx="minor">
-            <a:schemeClr val="tx1"/>
-          </a:fontRef>
-        </p:style>
-      </p:cxnSp>
-      <p:cxnSp>
-        <p:nvCxnSpPr>
-          <p:cNvPr id="36" name="Gerader Verbinder 35">
-            <a:extLst>
-              <a:ext uri="{FF2B5EF4-FFF2-40B4-BE49-F238E27FC236}">
-                <a16:creationId xmlns:a16="http://schemas.microsoft.com/office/drawing/2014/main" id="{602DDDED-5381-40E6-84EA-69EE5C995B74}"/>
-              </a:ext>
-            </a:extLst>
-          </p:cNvPr>
-          <p:cNvCxnSpPr>
-            <a:cxnSpLocks/>
-          </p:cNvCxnSpPr>
-          <p:nvPr/>
-        </p:nvCxnSpPr>
-        <p:spPr bwMode="gray">
-          <a:xfrm flipH="1">
-            <a:off x="771832" y="2612713"/>
+            <a:off x="2639616" y="1964639"/>
             <a:ext cx="1512168" cy="0"/>
           </a:xfrm>
           <a:prstGeom prst="line">
@@ -14638,94 +14689,8 @@
         </p:nvCxnSpPr>
         <p:spPr bwMode="gray">
           <a:xfrm flipV="1">
-            <a:off x="771832" y="2468697"/>
-            <a:ext cx="0" cy="144016"/>
-          </a:xfrm>
-          <a:prstGeom prst="line">
-            <a:avLst/>
-          </a:prstGeom>
-          <a:ln w="19050">
-            <a:solidFill>
-              <a:schemeClr val="accent1"/>
-            </a:solidFill>
-          </a:ln>
-        </p:spPr>
-        <p:style>
-          <a:lnRef idx="1">
-            <a:schemeClr val="accent1"/>
-          </a:lnRef>
-          <a:fillRef idx="0">
-            <a:schemeClr val="accent1"/>
-          </a:fillRef>
-          <a:effectRef idx="0">
-            <a:schemeClr val="accent1"/>
-          </a:effectRef>
-          <a:fontRef idx="minor">
-            <a:schemeClr val="tx1"/>
-          </a:fontRef>
-        </p:style>
-      </p:cxnSp>
-      <p:cxnSp>
-        <p:nvCxnSpPr>
-          <p:cNvPr id="49" name="Gerader Verbinder 48">
-            <a:extLst>
-              <a:ext uri="{FF2B5EF4-FFF2-40B4-BE49-F238E27FC236}">
-                <a16:creationId xmlns:a16="http://schemas.microsoft.com/office/drawing/2014/main" id="{ED47EAD0-7307-401A-B5CF-AA876841738D}"/>
-              </a:ext>
-            </a:extLst>
-          </p:cNvPr>
-          <p:cNvCxnSpPr>
-            <a:cxnSpLocks/>
-          </p:cNvCxnSpPr>
-          <p:nvPr/>
-        </p:nvCxnSpPr>
-        <p:spPr bwMode="gray">
-          <a:xfrm>
-            <a:off x="267776" y="4052872"/>
-            <a:ext cx="1080120" cy="0"/>
-          </a:xfrm>
-          <a:prstGeom prst="line">
-            <a:avLst/>
-          </a:prstGeom>
-          <a:ln w="19050">
-            <a:solidFill>
-              <a:schemeClr val="accent1"/>
-            </a:solidFill>
-          </a:ln>
-        </p:spPr>
-        <p:style>
-          <a:lnRef idx="1">
-            <a:schemeClr val="accent1"/>
-          </a:lnRef>
-          <a:fillRef idx="0">
-            <a:schemeClr val="accent1"/>
-          </a:fillRef>
-          <a:effectRef idx="0">
-            <a:schemeClr val="accent1"/>
-          </a:effectRef>
-          <a:fontRef idx="minor">
-            <a:schemeClr val="tx1"/>
-          </a:fontRef>
-        </p:style>
-      </p:cxnSp>
-      <p:cxnSp>
-        <p:nvCxnSpPr>
-          <p:cNvPr id="50" name="Gerader Verbinder 49">
-            <a:extLst>
-              <a:ext uri="{FF2B5EF4-FFF2-40B4-BE49-F238E27FC236}">
-                <a16:creationId xmlns:a16="http://schemas.microsoft.com/office/drawing/2014/main" id="{BB3D86F3-4123-4DAE-8B60-1A1AF34C9567}"/>
-              </a:ext>
-            </a:extLst>
-          </p:cNvPr>
-          <p:cNvCxnSpPr>
-            <a:cxnSpLocks/>
-          </p:cNvCxnSpPr>
-          <p:nvPr/>
-        </p:nvCxnSpPr>
-        <p:spPr bwMode="gray">
-          <a:xfrm>
-            <a:off x="483800" y="4268896"/>
-            <a:ext cx="576064" cy="0"/>
+            <a:off x="2639616" y="2468695"/>
+            <a:ext cx="0" cy="1307376"/>
           </a:xfrm>
           <a:prstGeom prst="line">
             <a:avLst/>
@@ -14767,7 +14732,7 @@
         </p:nvCxnSpPr>
         <p:spPr bwMode="gray">
           <a:xfrm flipV="1">
-            <a:off x="771832" y="3764840"/>
+            <a:off x="2639616" y="3764838"/>
             <a:ext cx="0" cy="288032"/>
           </a:xfrm>
           <a:prstGeom prst="line">
@@ -14808,7 +14773,7 @@
         </p:nvSpPr>
         <p:spPr bwMode="gray">
           <a:xfrm>
-            <a:off x="2284000" y="3573017"/>
+            <a:off x="4151784" y="3573015"/>
             <a:ext cx="2160237" cy="1152128"/>
           </a:xfrm>
           <a:prstGeom prst="roundRect">
@@ -14863,10 +14828,10 @@
       </p:sp>
       <p:cxnSp>
         <p:nvCxnSpPr>
-          <p:cNvPr id="53" name="Gerader Verbinder 52">
-            <a:extLst>
-              <a:ext uri="{FF2B5EF4-FFF2-40B4-BE49-F238E27FC236}">
-                <a16:creationId xmlns:a16="http://schemas.microsoft.com/office/drawing/2014/main" id="{7469D2F7-1414-45EB-9084-83F37A4CE41E}"/>
+          <p:cNvPr id="54" name="Gerader Verbinder 53">
+            <a:extLst>
+              <a:ext uri="{FF2B5EF4-FFF2-40B4-BE49-F238E27FC236}">
+                <a16:creationId xmlns:a16="http://schemas.microsoft.com/office/drawing/2014/main" id="{74D84A1D-AD93-4BCB-BAE2-62FA5A54BB2A}"/>
               </a:ext>
             </a:extLst>
           </p:cNvPr>
@@ -14877,8 +14842,2276 @@
         </p:nvCxnSpPr>
         <p:spPr bwMode="gray">
           <a:xfrm flipH="1">
-            <a:off x="771832" y="3764840"/>
+            <a:off x="2639616" y="4412910"/>
             <a:ext cx="1512168" cy="0"/>
+          </a:xfrm>
+          <a:prstGeom prst="line">
+            <a:avLst/>
+          </a:prstGeom>
+          <a:ln w="19050">
+            <a:solidFill>
+              <a:schemeClr val="accent1"/>
+            </a:solidFill>
+          </a:ln>
+        </p:spPr>
+        <p:style>
+          <a:lnRef idx="1">
+            <a:schemeClr val="accent1"/>
+          </a:lnRef>
+          <a:fillRef idx="0">
+            <a:schemeClr val="accent1"/>
+          </a:fillRef>
+          <a:effectRef idx="0">
+            <a:schemeClr val="accent1"/>
+          </a:effectRef>
+          <a:fontRef idx="minor">
+            <a:schemeClr val="tx1"/>
+          </a:fontRef>
+        </p:style>
+      </p:cxnSp>
+      <p:cxnSp>
+        <p:nvCxnSpPr>
+          <p:cNvPr id="55" name="Gerader Verbinder 54">
+            <a:extLst>
+              <a:ext uri="{FF2B5EF4-FFF2-40B4-BE49-F238E27FC236}">
+                <a16:creationId xmlns:a16="http://schemas.microsoft.com/office/drawing/2014/main" id="{8C073DC5-A434-46FD-B26D-CAD49D63177C}"/>
+              </a:ext>
+            </a:extLst>
+          </p:cNvPr>
+          <p:cNvCxnSpPr>
+            <a:cxnSpLocks/>
+          </p:cNvCxnSpPr>
+          <p:nvPr/>
+        </p:nvCxnSpPr>
+        <p:spPr bwMode="gray">
+          <a:xfrm flipV="1">
+            <a:off x="2639616" y="4268894"/>
+            <a:ext cx="0" cy="144016"/>
+          </a:xfrm>
+          <a:prstGeom prst="line">
+            <a:avLst/>
+          </a:prstGeom>
+          <a:ln w="19050">
+            <a:solidFill>
+              <a:schemeClr val="accent1"/>
+            </a:solidFill>
+          </a:ln>
+        </p:spPr>
+        <p:style>
+          <a:lnRef idx="1">
+            <a:schemeClr val="accent1"/>
+          </a:lnRef>
+          <a:fillRef idx="0">
+            <a:schemeClr val="accent1"/>
+          </a:fillRef>
+          <a:effectRef idx="0">
+            <a:schemeClr val="accent1"/>
+          </a:effectRef>
+          <a:fontRef idx="minor">
+            <a:schemeClr val="tx1"/>
+          </a:fontRef>
+        </p:style>
+      </p:cxnSp>
+      <p:cxnSp>
+        <p:nvCxnSpPr>
+          <p:cNvPr id="56" name="Gerader Verbinder 55">
+            <a:extLst>
+              <a:ext uri="{FF2B5EF4-FFF2-40B4-BE49-F238E27FC236}">
+                <a16:creationId xmlns:a16="http://schemas.microsoft.com/office/drawing/2014/main" id="{12247FAD-A616-4C7A-83F2-D6B41E5EC994}"/>
+              </a:ext>
+            </a:extLst>
+          </p:cNvPr>
+          <p:cNvCxnSpPr>
+            <a:cxnSpLocks/>
+            <a:stCxn id="52" idx="0"/>
+            <a:endCxn id="31" idx="2"/>
+          </p:cNvCxnSpPr>
+          <p:nvPr/>
+        </p:nvCxnSpPr>
+        <p:spPr bwMode="gray">
+          <a:xfrm flipV="1">
+            <a:off x="5231903" y="2924944"/>
+            <a:ext cx="0" cy="648071"/>
+          </a:xfrm>
+          <a:prstGeom prst="line">
+            <a:avLst/>
+          </a:prstGeom>
+          <a:ln w="19050">
+            <a:solidFill>
+              <a:schemeClr val="accent1"/>
+            </a:solidFill>
+          </a:ln>
+        </p:spPr>
+        <p:style>
+          <a:lnRef idx="1">
+            <a:schemeClr val="accent1"/>
+          </a:lnRef>
+          <a:fillRef idx="0">
+            <a:schemeClr val="accent1"/>
+          </a:fillRef>
+          <a:effectRef idx="0">
+            <a:schemeClr val="accent1"/>
+          </a:effectRef>
+          <a:fontRef idx="minor">
+            <a:schemeClr val="tx1"/>
+          </a:fontRef>
+        </p:style>
+      </p:cxnSp>
+      <p:cxnSp>
+        <p:nvCxnSpPr>
+          <p:cNvPr id="59" name="Gerader Verbinder 58">
+            <a:extLst>
+              <a:ext uri="{FF2B5EF4-FFF2-40B4-BE49-F238E27FC236}">
+                <a16:creationId xmlns:a16="http://schemas.microsoft.com/office/drawing/2014/main" id="{9470B68C-ED51-4094-8B15-4A8C301F7804}"/>
+              </a:ext>
+            </a:extLst>
+          </p:cNvPr>
+          <p:cNvCxnSpPr>
+            <a:cxnSpLocks/>
+          </p:cNvCxnSpPr>
+          <p:nvPr/>
+        </p:nvCxnSpPr>
+        <p:spPr bwMode="gray">
+          <a:xfrm flipV="1">
+            <a:off x="5227480" y="1124745"/>
+            <a:ext cx="0" cy="648071"/>
+          </a:xfrm>
+          <a:prstGeom prst="line">
+            <a:avLst/>
+          </a:prstGeom>
+          <a:ln w="19050">
+            <a:solidFill>
+              <a:schemeClr val="accent1"/>
+            </a:solidFill>
+          </a:ln>
+        </p:spPr>
+        <p:style>
+          <a:lnRef idx="1">
+            <a:schemeClr val="accent1"/>
+          </a:lnRef>
+          <a:fillRef idx="0">
+            <a:schemeClr val="accent1"/>
+          </a:fillRef>
+          <a:effectRef idx="0">
+            <a:schemeClr val="accent1"/>
+          </a:effectRef>
+          <a:fontRef idx="minor">
+            <a:schemeClr val="tx1"/>
+          </a:fontRef>
+        </p:style>
+      </p:cxnSp>
+      <p:cxnSp>
+        <p:nvCxnSpPr>
+          <p:cNvPr id="60" name="Gerader Verbinder 59">
+            <a:extLst>
+              <a:ext uri="{FF2B5EF4-FFF2-40B4-BE49-F238E27FC236}">
+                <a16:creationId xmlns:a16="http://schemas.microsoft.com/office/drawing/2014/main" id="{AE91D74E-639D-4ACE-B7A4-50E33A3B5CB2}"/>
+              </a:ext>
+            </a:extLst>
+          </p:cNvPr>
+          <p:cNvCxnSpPr>
+            <a:cxnSpLocks/>
+          </p:cNvCxnSpPr>
+          <p:nvPr/>
+        </p:nvCxnSpPr>
+        <p:spPr bwMode="gray">
+          <a:xfrm flipV="1">
+            <a:off x="5227480" y="4725143"/>
+            <a:ext cx="0" cy="648071"/>
+          </a:xfrm>
+          <a:prstGeom prst="line">
+            <a:avLst/>
+          </a:prstGeom>
+          <a:ln w="19050">
+            <a:solidFill>
+              <a:schemeClr val="accent1"/>
+            </a:solidFill>
+          </a:ln>
+        </p:spPr>
+        <p:style>
+          <a:lnRef idx="1">
+            <a:schemeClr val="accent1"/>
+          </a:lnRef>
+          <a:fillRef idx="0">
+            <a:schemeClr val="accent1"/>
+          </a:fillRef>
+          <a:effectRef idx="0">
+            <a:schemeClr val="accent1"/>
+          </a:effectRef>
+          <a:fontRef idx="minor">
+            <a:schemeClr val="tx1"/>
+          </a:fontRef>
+        </p:style>
+      </p:cxnSp>
+      <p:sp>
+        <p:nvSpPr>
+          <p:cNvPr id="63" name="Textfeld 62">
+            <a:extLst>
+              <a:ext uri="{FF2B5EF4-FFF2-40B4-BE49-F238E27FC236}">
+                <a16:creationId xmlns:a16="http://schemas.microsoft.com/office/drawing/2014/main" id="{19B26847-D75C-4300-8FE2-D90B6E776E8A}"/>
+              </a:ext>
+            </a:extLst>
+          </p:cNvPr>
+          <p:cNvSpPr txBox="1"/>
+          <p:nvPr/>
+        </p:nvSpPr>
+        <p:spPr bwMode="gray">
+          <a:xfrm>
+            <a:off x="5312551" y="2924944"/>
+            <a:ext cx="914400" cy="914400"/>
+          </a:xfrm>
+          <a:prstGeom prst="rect">
+            <a:avLst/>
+          </a:prstGeom>
+          <a:noFill/>
+        </p:spPr>
+        <p:txBody>
+          <a:bodyPr wrap="none" lIns="0" tIns="0" rIns="0" bIns="0" rtlCol="0">
+            <a:noAutofit/>
+          </a:bodyPr>
+          <a:lstStyle/>
+          <a:p>
+            <a:pPr algn="l">
+              <a:buClr>
+                <a:schemeClr val="bg2"/>
+              </a:buClr>
+            </a:pPr>
+            <a:r>
+              <a:rPr lang="de-DE" sz="1600" b="1" dirty="0">
+                <a:solidFill>
+                  <a:schemeClr val="bg2">
+                    <a:lumMod val="50000"/>
+                  </a:schemeClr>
+                </a:solidFill>
+              </a:rPr>
+              <a:t>-</a:t>
+            </a:r>
+          </a:p>
+        </p:txBody>
+      </p:sp>
+      <p:sp>
+        <p:nvSpPr>
+          <p:cNvPr id="65" name="Textfeld 64">
+            <a:extLst>
+              <a:ext uri="{FF2B5EF4-FFF2-40B4-BE49-F238E27FC236}">
+                <a16:creationId xmlns:a16="http://schemas.microsoft.com/office/drawing/2014/main" id="{5B7EBA99-00B7-42AF-88D6-E7FC3DAEBDD4}"/>
+              </a:ext>
+            </a:extLst>
+          </p:cNvPr>
+          <p:cNvSpPr txBox="1"/>
+          <p:nvPr/>
+        </p:nvSpPr>
+        <p:spPr bwMode="gray">
+          <a:xfrm>
+            <a:off x="5312551" y="4725143"/>
+            <a:ext cx="914400" cy="914400"/>
+          </a:xfrm>
+          <a:prstGeom prst="rect">
+            <a:avLst/>
+          </a:prstGeom>
+          <a:noFill/>
+        </p:spPr>
+        <p:txBody>
+          <a:bodyPr wrap="none" lIns="0" tIns="0" rIns="0" bIns="0" rtlCol="0">
+            <a:noAutofit/>
+          </a:bodyPr>
+          <a:lstStyle/>
+          <a:p>
+            <a:pPr algn="l">
+              <a:buClr>
+                <a:schemeClr val="bg2"/>
+              </a:buClr>
+            </a:pPr>
+            <a:r>
+              <a:rPr lang="de-DE" sz="1600" b="1" dirty="0">
+                <a:solidFill>
+                  <a:schemeClr val="bg2">
+                    <a:lumMod val="50000"/>
+                  </a:schemeClr>
+                </a:solidFill>
+              </a:rPr>
+              <a:t>-</a:t>
+            </a:r>
+          </a:p>
+        </p:txBody>
+      </p:sp>
+      <p:sp>
+        <p:nvSpPr>
+          <p:cNvPr id="66" name="Textfeld 65">
+            <a:extLst>
+              <a:ext uri="{FF2B5EF4-FFF2-40B4-BE49-F238E27FC236}">
+                <a16:creationId xmlns:a16="http://schemas.microsoft.com/office/drawing/2014/main" id="{894054B7-3467-4EF1-A503-CD682CD731BA}"/>
+              </a:ext>
+            </a:extLst>
+          </p:cNvPr>
+          <p:cNvSpPr txBox="1"/>
+          <p:nvPr/>
+        </p:nvSpPr>
+        <p:spPr bwMode="gray">
+          <a:xfrm>
+            <a:off x="1879859" y="2370581"/>
+            <a:ext cx="564871" cy="914400"/>
+          </a:xfrm>
+          <a:prstGeom prst="rect">
+            <a:avLst/>
+          </a:prstGeom>
+          <a:noFill/>
+        </p:spPr>
+        <p:txBody>
+          <a:bodyPr wrap="none" lIns="0" tIns="0" rIns="0" bIns="0" rtlCol="0">
+            <a:noAutofit/>
+          </a:bodyPr>
+          <a:lstStyle/>
+          <a:p>
+            <a:pPr algn="l">
+              <a:buClr>
+                <a:schemeClr val="bg2"/>
+              </a:buClr>
+            </a:pPr>
+            <a:r>
+              <a:rPr lang="de-DE" sz="1200" b="1" dirty="0">
+                <a:solidFill>
+                  <a:srgbClr val="FF0000"/>
+                </a:solidFill>
+              </a:rPr>
+              <a:t>+3,3V</a:t>
+            </a:r>
+          </a:p>
+        </p:txBody>
+      </p:sp>
+      <p:sp>
+        <p:nvSpPr>
+          <p:cNvPr id="67" name="Textfeld 66">
+            <a:extLst>
+              <a:ext uri="{FF2B5EF4-FFF2-40B4-BE49-F238E27FC236}">
+                <a16:creationId xmlns:a16="http://schemas.microsoft.com/office/drawing/2014/main" id="{32251671-2455-4C13-8BDA-C0450D778D65}"/>
+              </a:ext>
+            </a:extLst>
+          </p:cNvPr>
+          <p:cNvSpPr txBox="1"/>
+          <p:nvPr/>
+        </p:nvSpPr>
+        <p:spPr bwMode="gray">
+          <a:xfrm>
+            <a:off x="2764713" y="2525770"/>
+            <a:ext cx="914400" cy="914400"/>
+          </a:xfrm>
+          <a:prstGeom prst="rect">
+            <a:avLst/>
+          </a:prstGeom>
+          <a:noFill/>
+        </p:spPr>
+        <p:txBody>
+          <a:bodyPr wrap="none" lIns="0" tIns="0" rIns="0" bIns="0" rtlCol="0">
+            <a:noAutofit/>
+          </a:bodyPr>
+          <a:lstStyle/>
+          <a:p>
+            <a:pPr algn="l">
+              <a:buClr>
+                <a:schemeClr val="bg2"/>
+              </a:buClr>
+            </a:pPr>
+            <a:r>
+              <a:rPr lang="de-DE" sz="1600" b="1" dirty="0">
+                <a:solidFill>
+                  <a:schemeClr val="bg2">
+                    <a:lumMod val="50000"/>
+                  </a:schemeClr>
+                </a:solidFill>
+              </a:rPr>
+              <a:t>-</a:t>
+            </a:r>
+          </a:p>
+        </p:txBody>
+      </p:sp>
+      <p:sp>
+        <p:nvSpPr>
+          <p:cNvPr id="68" name="Textfeld 67">
+            <a:extLst>
+              <a:ext uri="{FF2B5EF4-FFF2-40B4-BE49-F238E27FC236}">
+                <a16:creationId xmlns:a16="http://schemas.microsoft.com/office/drawing/2014/main" id="{CB0D89C4-C11B-4002-9378-BBA678649907}"/>
+              </a:ext>
+            </a:extLst>
+          </p:cNvPr>
+          <p:cNvSpPr txBox="1"/>
+          <p:nvPr/>
+        </p:nvSpPr>
+        <p:spPr bwMode="gray">
+          <a:xfrm>
+            <a:off x="2740192" y="3778219"/>
+            <a:ext cx="914400" cy="914400"/>
+          </a:xfrm>
+          <a:prstGeom prst="rect">
+            <a:avLst/>
+          </a:prstGeom>
+          <a:noFill/>
+        </p:spPr>
+        <p:txBody>
+          <a:bodyPr wrap="none" lIns="0" tIns="0" rIns="0" bIns="0" rtlCol="0">
+            <a:noAutofit/>
+          </a:bodyPr>
+          <a:lstStyle/>
+          <a:p>
+            <a:pPr algn="l">
+              <a:buClr>
+                <a:schemeClr val="bg2"/>
+              </a:buClr>
+            </a:pPr>
+            <a:endParaRPr lang="de-DE" sz="1600" b="1" dirty="0">
+              <a:solidFill>
+                <a:srgbClr val="FF0000"/>
+              </a:solidFill>
+            </a:endParaRPr>
+          </a:p>
+        </p:txBody>
+      </p:sp>
+      <p:sp>
+        <p:nvSpPr>
+          <p:cNvPr id="69" name="Textfeld 68">
+            <a:extLst>
+              <a:ext uri="{FF2B5EF4-FFF2-40B4-BE49-F238E27FC236}">
+                <a16:creationId xmlns:a16="http://schemas.microsoft.com/office/drawing/2014/main" id="{7E87A92F-385F-4126-B389-D6536EBCD33D}"/>
+              </a:ext>
+            </a:extLst>
+          </p:cNvPr>
+          <p:cNvSpPr txBox="1"/>
+          <p:nvPr/>
+        </p:nvSpPr>
+        <p:spPr bwMode="gray">
+          <a:xfrm>
+            <a:off x="2747581" y="4218040"/>
+            <a:ext cx="914400" cy="914400"/>
+          </a:xfrm>
+          <a:prstGeom prst="rect">
+            <a:avLst/>
+          </a:prstGeom>
+          <a:noFill/>
+        </p:spPr>
+        <p:txBody>
+          <a:bodyPr wrap="none" lIns="0" tIns="0" rIns="0" bIns="0" rtlCol="0">
+            <a:noAutofit/>
+          </a:bodyPr>
+          <a:lstStyle/>
+          <a:p>
+            <a:pPr algn="l">
+              <a:buClr>
+                <a:schemeClr val="bg2"/>
+              </a:buClr>
+            </a:pPr>
+            <a:r>
+              <a:rPr lang="de-DE" sz="1600" b="1" dirty="0">
+                <a:solidFill>
+                  <a:schemeClr val="bg2">
+                    <a:lumMod val="50000"/>
+                  </a:schemeClr>
+                </a:solidFill>
+              </a:rPr>
+              <a:t>-</a:t>
+            </a:r>
+          </a:p>
+        </p:txBody>
+      </p:sp>
+      <p:cxnSp>
+        <p:nvCxnSpPr>
+          <p:cNvPr id="73" name="Gerader Verbinder 72">
+            <a:extLst>
+              <a:ext uri="{FF2B5EF4-FFF2-40B4-BE49-F238E27FC236}">
+                <a16:creationId xmlns:a16="http://schemas.microsoft.com/office/drawing/2014/main" id="{A3CE4EA0-4828-42BE-B5D9-4EB3F772922F}"/>
+              </a:ext>
+            </a:extLst>
+          </p:cNvPr>
+          <p:cNvCxnSpPr>
+            <a:cxnSpLocks/>
+          </p:cNvCxnSpPr>
+          <p:nvPr/>
+        </p:nvCxnSpPr>
+        <p:spPr bwMode="gray">
+          <a:xfrm flipH="1" flipV="1">
+            <a:off x="5227480" y="1124745"/>
+            <a:ext cx="4171890" cy="5979"/>
+          </a:xfrm>
+          <a:prstGeom prst="line">
+            <a:avLst/>
+          </a:prstGeom>
+          <a:ln w="19050">
+            <a:solidFill>
+              <a:schemeClr val="accent1"/>
+            </a:solidFill>
+          </a:ln>
+        </p:spPr>
+        <p:style>
+          <a:lnRef idx="1">
+            <a:schemeClr val="accent1"/>
+          </a:lnRef>
+          <a:fillRef idx="0">
+            <a:schemeClr val="accent1"/>
+          </a:fillRef>
+          <a:effectRef idx="0">
+            <a:schemeClr val="accent1"/>
+          </a:effectRef>
+          <a:fontRef idx="minor">
+            <a:schemeClr val="tx1"/>
+          </a:fontRef>
+        </p:style>
+      </p:cxnSp>
+      <p:cxnSp>
+        <p:nvCxnSpPr>
+          <p:cNvPr id="74" name="Gerader Verbinder 73">
+            <a:extLst>
+              <a:ext uri="{FF2B5EF4-FFF2-40B4-BE49-F238E27FC236}">
+                <a16:creationId xmlns:a16="http://schemas.microsoft.com/office/drawing/2014/main" id="{8FC691AB-5F12-49DB-BD16-8B3469151002}"/>
+              </a:ext>
+            </a:extLst>
+          </p:cNvPr>
+          <p:cNvCxnSpPr>
+            <a:cxnSpLocks/>
+          </p:cNvCxnSpPr>
+          <p:nvPr/>
+        </p:nvCxnSpPr>
+        <p:spPr bwMode="gray">
+          <a:xfrm flipH="1">
+            <a:off x="5227480" y="5373214"/>
+            <a:ext cx="4176464" cy="0"/>
+          </a:xfrm>
+          <a:prstGeom prst="line">
+            <a:avLst/>
+          </a:prstGeom>
+          <a:ln w="19050">
+            <a:solidFill>
+              <a:schemeClr val="accent1"/>
+            </a:solidFill>
+          </a:ln>
+        </p:spPr>
+        <p:style>
+          <a:lnRef idx="1">
+            <a:schemeClr val="accent1"/>
+          </a:lnRef>
+          <a:fillRef idx="0">
+            <a:schemeClr val="accent1"/>
+          </a:fillRef>
+          <a:effectRef idx="0">
+            <a:schemeClr val="accent1"/>
+          </a:effectRef>
+          <a:fontRef idx="minor">
+            <a:schemeClr val="tx1"/>
+          </a:fontRef>
+        </p:style>
+      </p:cxnSp>
+      <p:cxnSp>
+        <p:nvCxnSpPr>
+          <p:cNvPr id="77" name="Gerader Verbinder 76">
+            <a:extLst>
+              <a:ext uri="{FF2B5EF4-FFF2-40B4-BE49-F238E27FC236}">
+                <a16:creationId xmlns:a16="http://schemas.microsoft.com/office/drawing/2014/main" id="{C250C6AA-1540-400C-8E8E-65179F2E3866}"/>
+              </a:ext>
+            </a:extLst>
+          </p:cNvPr>
+          <p:cNvCxnSpPr>
+            <a:cxnSpLocks/>
+            <a:stCxn id="80" idx="0"/>
+          </p:cNvCxnSpPr>
+          <p:nvPr/>
+        </p:nvCxnSpPr>
+        <p:spPr bwMode="gray">
+          <a:xfrm flipV="1">
+            <a:off x="9399370" y="1124160"/>
+            <a:ext cx="0" cy="2505936"/>
+          </a:xfrm>
+          <a:prstGeom prst="line">
+            <a:avLst/>
+          </a:prstGeom>
+          <a:ln w="19050">
+            <a:solidFill>
+              <a:schemeClr val="accent1"/>
+            </a:solidFill>
+          </a:ln>
+        </p:spPr>
+        <p:style>
+          <a:lnRef idx="1">
+            <a:schemeClr val="accent1"/>
+          </a:lnRef>
+          <a:fillRef idx="0">
+            <a:schemeClr val="accent1"/>
+          </a:fillRef>
+          <a:effectRef idx="0">
+            <a:schemeClr val="accent1"/>
+          </a:effectRef>
+          <a:fontRef idx="minor">
+            <a:schemeClr val="tx1"/>
+          </a:fontRef>
+        </p:style>
+      </p:cxnSp>
+      <p:cxnSp>
+        <p:nvCxnSpPr>
+          <p:cNvPr id="79" name="Gerader Verbinder 78">
+            <a:extLst>
+              <a:ext uri="{FF2B5EF4-FFF2-40B4-BE49-F238E27FC236}">
+                <a16:creationId xmlns:a16="http://schemas.microsoft.com/office/drawing/2014/main" id="{47E5B3F1-0659-42A7-9931-4989D4479196}"/>
+              </a:ext>
+            </a:extLst>
+          </p:cNvPr>
+          <p:cNvCxnSpPr>
+            <a:cxnSpLocks/>
+            <a:endCxn id="80" idx="2"/>
+          </p:cNvCxnSpPr>
+          <p:nvPr/>
+        </p:nvCxnSpPr>
+        <p:spPr bwMode="gray">
+          <a:xfrm flipV="1">
+            <a:off x="9399370" y="4472490"/>
+            <a:ext cx="0" cy="900724"/>
+          </a:xfrm>
+          <a:prstGeom prst="line">
+            <a:avLst/>
+          </a:prstGeom>
+          <a:ln w="19050">
+            <a:solidFill>
+              <a:schemeClr val="accent1"/>
+            </a:solidFill>
+          </a:ln>
+        </p:spPr>
+        <p:style>
+          <a:lnRef idx="1">
+            <a:schemeClr val="accent1"/>
+          </a:lnRef>
+          <a:fillRef idx="0">
+            <a:schemeClr val="accent1"/>
+          </a:fillRef>
+          <a:effectRef idx="0">
+            <a:schemeClr val="accent1"/>
+          </a:effectRef>
+          <a:fontRef idx="minor">
+            <a:schemeClr val="tx1"/>
+          </a:fontRef>
+        </p:style>
+      </p:cxnSp>
+      <p:sp>
+        <p:nvSpPr>
+          <p:cNvPr id="80" name="Rechteck: abgerundete Ecken 79">
+            <a:extLst>
+              <a:ext uri="{FF2B5EF4-FFF2-40B4-BE49-F238E27FC236}">
+                <a16:creationId xmlns:a16="http://schemas.microsoft.com/office/drawing/2014/main" id="{6FE1D802-8F37-49BE-B095-F7E8E1DAFF1F}"/>
+              </a:ext>
+            </a:extLst>
+          </p:cNvPr>
+          <p:cNvSpPr/>
+          <p:nvPr/>
+        </p:nvSpPr>
+        <p:spPr bwMode="gray">
+          <a:xfrm>
+            <a:off x="8535274" y="3630096"/>
+            <a:ext cx="1728192" cy="842394"/>
+          </a:xfrm>
+          <a:prstGeom prst="roundRect">
+            <a:avLst/>
+          </a:prstGeom>
+          <a:solidFill>
+            <a:schemeClr val="accent2"/>
+          </a:solidFill>
+          <a:ln>
+            <a:noFill/>
+          </a:ln>
+        </p:spPr>
+        <p:style>
+          <a:lnRef idx="2">
+            <a:schemeClr val="accent1">
+              <a:shade val="50000"/>
+            </a:schemeClr>
+          </a:lnRef>
+          <a:fillRef idx="1">
+            <a:schemeClr val="accent1"/>
+          </a:fillRef>
+          <a:effectRef idx="0">
+            <a:schemeClr val="accent1"/>
+          </a:effectRef>
+          <a:fontRef idx="minor">
+            <a:schemeClr val="lt1"/>
+          </a:fontRef>
+        </p:style>
+        <p:txBody>
+          <a:bodyPr lIns="72000" tIns="72000" rIns="72000" bIns="72000" rtlCol="0" anchor="ctr"/>
+          <a:lstStyle/>
+          <a:p>
+            <a:pPr algn="ctr"/>
+            <a:r>
+              <a:rPr lang="de-DE" sz="1600" dirty="0">
+                <a:solidFill>
+                  <a:schemeClr val="bg1"/>
+                </a:solidFill>
+              </a:rPr>
+              <a:t>Schrittmotor-Treiber</a:t>
+            </a:r>
+          </a:p>
+        </p:txBody>
+      </p:sp>
+      <p:cxnSp>
+        <p:nvCxnSpPr>
+          <p:cNvPr id="87" name="Gerader Verbinder 86">
+            <a:extLst>
+              <a:ext uri="{FF2B5EF4-FFF2-40B4-BE49-F238E27FC236}">
+                <a16:creationId xmlns:a16="http://schemas.microsoft.com/office/drawing/2014/main" id="{822D2D34-51AB-4303-B562-1B8AA47A446B}"/>
+              </a:ext>
+            </a:extLst>
+          </p:cNvPr>
+          <p:cNvCxnSpPr>
+            <a:cxnSpLocks/>
+          </p:cNvCxnSpPr>
+          <p:nvPr/>
+        </p:nvCxnSpPr>
+        <p:spPr bwMode="gray">
+          <a:xfrm flipH="1">
+            <a:off x="10263466" y="3937848"/>
+            <a:ext cx="1368152" cy="1"/>
+          </a:xfrm>
+          <a:prstGeom prst="line">
+            <a:avLst/>
+          </a:prstGeom>
+          <a:ln w="19050">
+            <a:solidFill>
+              <a:schemeClr val="accent1"/>
+            </a:solidFill>
+          </a:ln>
+        </p:spPr>
+        <p:style>
+          <a:lnRef idx="1">
+            <a:schemeClr val="accent1"/>
+          </a:lnRef>
+          <a:fillRef idx="0">
+            <a:schemeClr val="accent1"/>
+          </a:fillRef>
+          <a:effectRef idx="0">
+            <a:schemeClr val="accent1"/>
+          </a:effectRef>
+          <a:fontRef idx="minor">
+            <a:schemeClr val="tx1"/>
+          </a:fontRef>
+        </p:style>
+      </p:cxnSp>
+      <p:cxnSp>
+        <p:nvCxnSpPr>
+          <p:cNvPr id="89" name="Gerader Verbinder 88">
+            <a:extLst>
+              <a:ext uri="{FF2B5EF4-FFF2-40B4-BE49-F238E27FC236}">
+                <a16:creationId xmlns:a16="http://schemas.microsoft.com/office/drawing/2014/main" id="{8428C1A3-C424-4969-84DE-AA0C155F0C5C}"/>
+              </a:ext>
+            </a:extLst>
+          </p:cNvPr>
+          <p:cNvCxnSpPr>
+            <a:cxnSpLocks/>
+          </p:cNvCxnSpPr>
+          <p:nvPr/>
+        </p:nvCxnSpPr>
+        <p:spPr bwMode="gray">
+          <a:xfrm flipH="1">
+            <a:off x="10263466" y="4149703"/>
+            <a:ext cx="1368152" cy="1"/>
+          </a:xfrm>
+          <a:prstGeom prst="line">
+            <a:avLst/>
+          </a:prstGeom>
+          <a:ln w="19050">
+            <a:solidFill>
+              <a:schemeClr val="accent1"/>
+            </a:solidFill>
+          </a:ln>
+        </p:spPr>
+        <p:style>
+          <a:lnRef idx="1">
+            <a:schemeClr val="accent1"/>
+          </a:lnRef>
+          <a:fillRef idx="0">
+            <a:schemeClr val="accent1"/>
+          </a:fillRef>
+          <a:effectRef idx="0">
+            <a:schemeClr val="accent1"/>
+          </a:effectRef>
+          <a:fontRef idx="minor">
+            <a:schemeClr val="tx1"/>
+          </a:fontRef>
+        </p:style>
+      </p:cxnSp>
+      <p:sp>
+        <p:nvSpPr>
+          <p:cNvPr id="90" name="Textfeld 89">
+            <a:extLst>
+              <a:ext uri="{FF2B5EF4-FFF2-40B4-BE49-F238E27FC236}">
+                <a16:creationId xmlns:a16="http://schemas.microsoft.com/office/drawing/2014/main" id="{C8EFB635-63FB-420E-AFAD-300DB053A165}"/>
+              </a:ext>
+            </a:extLst>
+          </p:cNvPr>
+          <p:cNvSpPr txBox="1"/>
+          <p:nvPr/>
+        </p:nvSpPr>
+        <p:spPr bwMode="gray">
+          <a:xfrm>
+            <a:off x="10280982" y="3751163"/>
+            <a:ext cx="914400" cy="914400"/>
+          </a:xfrm>
+          <a:prstGeom prst="rect">
+            <a:avLst/>
+          </a:prstGeom>
+          <a:noFill/>
+        </p:spPr>
+        <p:txBody>
+          <a:bodyPr wrap="none" lIns="0" tIns="0" rIns="0" bIns="0" rtlCol="0">
+            <a:noAutofit/>
+          </a:bodyPr>
+          <a:lstStyle/>
+          <a:p>
+            <a:pPr algn="l">
+              <a:buClr>
+                <a:schemeClr val="bg2"/>
+              </a:buClr>
+            </a:pPr>
+            <a:r>
+              <a:rPr lang="de-DE" sz="1600" b="1" dirty="0">
+                <a:solidFill>
+                  <a:srgbClr val="FF0000"/>
+                </a:solidFill>
+              </a:rPr>
+              <a:t>+</a:t>
+            </a:r>
+          </a:p>
+        </p:txBody>
+      </p:sp>
+      <p:sp>
+        <p:nvSpPr>
+          <p:cNvPr id="91" name="Textfeld 90">
+            <a:extLst>
+              <a:ext uri="{FF2B5EF4-FFF2-40B4-BE49-F238E27FC236}">
+                <a16:creationId xmlns:a16="http://schemas.microsoft.com/office/drawing/2014/main" id="{A0F9BEAA-3FED-45E1-947F-C4F3ED91A418}"/>
+              </a:ext>
+            </a:extLst>
+          </p:cNvPr>
+          <p:cNvSpPr txBox="1"/>
+          <p:nvPr/>
+        </p:nvSpPr>
+        <p:spPr bwMode="gray">
+          <a:xfrm>
+            <a:off x="10340048" y="4132174"/>
+            <a:ext cx="914400" cy="914400"/>
+          </a:xfrm>
+          <a:prstGeom prst="rect">
+            <a:avLst/>
+          </a:prstGeom>
+          <a:noFill/>
+        </p:spPr>
+        <p:txBody>
+          <a:bodyPr wrap="none" lIns="0" tIns="0" rIns="0" bIns="0" rtlCol="0">
+            <a:noAutofit/>
+          </a:bodyPr>
+          <a:lstStyle/>
+          <a:p>
+            <a:pPr algn="l">
+              <a:buClr>
+                <a:schemeClr val="bg2"/>
+              </a:buClr>
+            </a:pPr>
+            <a:r>
+              <a:rPr lang="de-DE" sz="1600" b="1" dirty="0">
+                <a:solidFill>
+                  <a:schemeClr val="bg2">
+                    <a:lumMod val="50000"/>
+                  </a:schemeClr>
+                </a:solidFill>
+              </a:rPr>
+              <a:t>-</a:t>
+            </a:r>
+          </a:p>
+        </p:txBody>
+      </p:sp>
+      <p:sp>
+        <p:nvSpPr>
+          <p:cNvPr id="92" name="Rechteck: abgerundete Ecken 91">
+            <a:extLst>
+              <a:ext uri="{FF2B5EF4-FFF2-40B4-BE49-F238E27FC236}">
+                <a16:creationId xmlns:a16="http://schemas.microsoft.com/office/drawing/2014/main" id="{2B4C08C1-7BB2-4D6C-A174-8984201D4708}"/>
+              </a:ext>
+            </a:extLst>
+          </p:cNvPr>
+          <p:cNvSpPr/>
+          <p:nvPr/>
+        </p:nvSpPr>
+        <p:spPr bwMode="gray">
+          <a:xfrm>
+            <a:off x="6684781" y="3716722"/>
+            <a:ext cx="1224126" cy="748071"/>
+          </a:xfrm>
+          <a:prstGeom prst="roundRect">
+            <a:avLst/>
+          </a:prstGeom>
+          <a:solidFill>
+            <a:schemeClr val="accent2"/>
+          </a:solidFill>
+          <a:ln>
+            <a:noFill/>
+          </a:ln>
+        </p:spPr>
+        <p:style>
+          <a:lnRef idx="2">
+            <a:schemeClr val="accent1">
+              <a:shade val="50000"/>
+            </a:schemeClr>
+          </a:lnRef>
+          <a:fillRef idx="1">
+            <a:schemeClr val="accent1"/>
+          </a:fillRef>
+          <a:effectRef idx="0">
+            <a:schemeClr val="accent1"/>
+          </a:effectRef>
+          <a:fontRef idx="minor">
+            <a:schemeClr val="lt1"/>
+          </a:fontRef>
+        </p:style>
+        <p:txBody>
+          <a:bodyPr lIns="72000" tIns="72000" rIns="72000" bIns="72000" rtlCol="0" anchor="ctr"/>
+          <a:lstStyle/>
+          <a:p>
+            <a:pPr algn="ctr"/>
+            <a:r>
+              <a:rPr lang="de-DE" sz="1600" dirty="0">
+                <a:solidFill>
+                  <a:schemeClr val="bg1"/>
+                </a:solidFill>
+              </a:rPr>
+              <a:t>Arduino</a:t>
+            </a:r>
+          </a:p>
+        </p:txBody>
+      </p:sp>
+      <p:cxnSp>
+        <p:nvCxnSpPr>
+          <p:cNvPr id="93" name="Gerader Verbinder 92">
+            <a:extLst>
+              <a:ext uri="{FF2B5EF4-FFF2-40B4-BE49-F238E27FC236}">
+                <a16:creationId xmlns:a16="http://schemas.microsoft.com/office/drawing/2014/main" id="{5E475A18-394B-44C8-9426-4125A4619813}"/>
+              </a:ext>
+            </a:extLst>
+          </p:cNvPr>
+          <p:cNvCxnSpPr>
+            <a:cxnSpLocks/>
+          </p:cNvCxnSpPr>
+          <p:nvPr/>
+        </p:nvCxnSpPr>
+        <p:spPr bwMode="gray">
+          <a:xfrm flipH="1">
+            <a:off x="5227480" y="3284981"/>
+            <a:ext cx="2088232" cy="1"/>
+          </a:xfrm>
+          <a:prstGeom prst="line">
+            <a:avLst/>
+          </a:prstGeom>
+          <a:ln w="19050">
+            <a:solidFill>
+              <a:schemeClr val="accent1"/>
+            </a:solidFill>
+          </a:ln>
+        </p:spPr>
+        <p:style>
+          <a:lnRef idx="1">
+            <a:schemeClr val="accent1"/>
+          </a:lnRef>
+          <a:fillRef idx="0">
+            <a:schemeClr val="accent1"/>
+          </a:fillRef>
+          <a:effectRef idx="0">
+            <a:schemeClr val="accent1"/>
+          </a:effectRef>
+          <a:fontRef idx="minor">
+            <a:schemeClr val="tx1"/>
+          </a:fontRef>
+        </p:style>
+      </p:cxnSp>
+      <p:cxnSp>
+        <p:nvCxnSpPr>
+          <p:cNvPr id="96" name="Gerader Verbinder 95">
+            <a:extLst>
+              <a:ext uri="{FF2B5EF4-FFF2-40B4-BE49-F238E27FC236}">
+                <a16:creationId xmlns:a16="http://schemas.microsoft.com/office/drawing/2014/main" id="{6EFCBBA8-6AAD-4621-9508-74486853D74C}"/>
+              </a:ext>
+            </a:extLst>
+          </p:cNvPr>
+          <p:cNvCxnSpPr>
+            <a:cxnSpLocks/>
+          </p:cNvCxnSpPr>
+          <p:nvPr/>
+        </p:nvCxnSpPr>
+        <p:spPr bwMode="gray">
+          <a:xfrm flipH="1">
+            <a:off x="5231331" y="5106885"/>
+            <a:ext cx="2088232" cy="1"/>
+          </a:xfrm>
+          <a:prstGeom prst="line">
+            <a:avLst/>
+          </a:prstGeom>
+          <a:ln w="19050">
+            <a:solidFill>
+              <a:schemeClr val="accent1"/>
+            </a:solidFill>
+          </a:ln>
+        </p:spPr>
+        <p:style>
+          <a:lnRef idx="1">
+            <a:schemeClr val="accent1"/>
+          </a:lnRef>
+          <a:fillRef idx="0">
+            <a:schemeClr val="accent1"/>
+          </a:fillRef>
+          <a:effectRef idx="0">
+            <a:schemeClr val="accent1"/>
+          </a:effectRef>
+          <a:fontRef idx="minor">
+            <a:schemeClr val="tx1"/>
+          </a:fontRef>
+        </p:style>
+      </p:cxnSp>
+      <p:cxnSp>
+        <p:nvCxnSpPr>
+          <p:cNvPr id="97" name="Gerader Verbinder 96">
+            <a:extLst>
+              <a:ext uri="{FF2B5EF4-FFF2-40B4-BE49-F238E27FC236}">
+                <a16:creationId xmlns:a16="http://schemas.microsoft.com/office/drawing/2014/main" id="{444D2C10-8F73-4C33-A0D2-1D127477C935}"/>
+              </a:ext>
+            </a:extLst>
+          </p:cNvPr>
+          <p:cNvCxnSpPr>
+            <a:cxnSpLocks/>
+          </p:cNvCxnSpPr>
+          <p:nvPr/>
+        </p:nvCxnSpPr>
+        <p:spPr bwMode="gray">
+          <a:xfrm flipV="1">
+            <a:off x="7315712" y="3273521"/>
+            <a:ext cx="0" cy="457200"/>
+          </a:xfrm>
+          <a:prstGeom prst="line">
+            <a:avLst/>
+          </a:prstGeom>
+          <a:ln w="19050">
+            <a:solidFill>
+              <a:schemeClr val="accent1"/>
+            </a:solidFill>
+          </a:ln>
+        </p:spPr>
+        <p:style>
+          <a:lnRef idx="1">
+            <a:schemeClr val="accent1"/>
+          </a:lnRef>
+          <a:fillRef idx="0">
+            <a:schemeClr val="accent1"/>
+          </a:fillRef>
+          <a:effectRef idx="0">
+            <a:schemeClr val="accent1"/>
+          </a:effectRef>
+          <a:fontRef idx="minor">
+            <a:schemeClr val="tx1"/>
+          </a:fontRef>
+        </p:style>
+      </p:cxnSp>
+      <p:cxnSp>
+        <p:nvCxnSpPr>
+          <p:cNvPr id="99" name="Gerader Verbinder 98">
+            <a:extLst>
+              <a:ext uri="{FF2B5EF4-FFF2-40B4-BE49-F238E27FC236}">
+                <a16:creationId xmlns:a16="http://schemas.microsoft.com/office/drawing/2014/main" id="{ECA50150-535D-471F-8C13-0F378BB75790}"/>
+              </a:ext>
+            </a:extLst>
+          </p:cNvPr>
+          <p:cNvCxnSpPr>
+            <a:cxnSpLocks/>
+          </p:cNvCxnSpPr>
+          <p:nvPr/>
+        </p:nvCxnSpPr>
+        <p:spPr bwMode="gray">
+          <a:xfrm flipV="1">
+            <a:off x="7296844" y="4464019"/>
+            <a:ext cx="0" cy="642866"/>
+          </a:xfrm>
+          <a:prstGeom prst="line">
+            <a:avLst/>
+          </a:prstGeom>
+          <a:ln w="19050">
+            <a:solidFill>
+              <a:schemeClr val="accent1"/>
+            </a:solidFill>
+          </a:ln>
+        </p:spPr>
+        <p:style>
+          <a:lnRef idx="1">
+            <a:schemeClr val="accent1"/>
+          </a:lnRef>
+          <a:fillRef idx="0">
+            <a:schemeClr val="accent1"/>
+          </a:fillRef>
+          <a:effectRef idx="0">
+            <a:schemeClr val="accent1"/>
+          </a:effectRef>
+          <a:fontRef idx="minor">
+            <a:schemeClr val="tx1"/>
+          </a:fontRef>
+        </p:style>
+      </p:cxnSp>
+      <p:cxnSp>
+        <p:nvCxnSpPr>
+          <p:cNvPr id="102" name="Gerader Verbinder 101">
+            <a:extLst>
+              <a:ext uri="{FF2B5EF4-FFF2-40B4-BE49-F238E27FC236}">
+                <a16:creationId xmlns:a16="http://schemas.microsoft.com/office/drawing/2014/main" id="{717670B0-B351-41B3-8659-61A8F4AC168D}"/>
+              </a:ext>
+            </a:extLst>
+          </p:cNvPr>
+          <p:cNvCxnSpPr>
+            <a:cxnSpLocks/>
+          </p:cNvCxnSpPr>
+          <p:nvPr/>
+        </p:nvCxnSpPr>
+        <p:spPr bwMode="gray">
+          <a:xfrm>
+            <a:off x="3499288" y="3323053"/>
+            <a:ext cx="0" cy="453018"/>
+          </a:xfrm>
+          <a:prstGeom prst="line">
+            <a:avLst/>
+          </a:prstGeom>
+          <a:ln w="19050">
+            <a:solidFill>
+              <a:schemeClr val="accent4">
+                <a:lumMod val="75000"/>
+              </a:schemeClr>
+            </a:solidFill>
+            <a:prstDash val="dashDot"/>
+          </a:ln>
+        </p:spPr>
+        <p:style>
+          <a:lnRef idx="1">
+            <a:schemeClr val="accent6"/>
+          </a:lnRef>
+          <a:fillRef idx="0">
+            <a:schemeClr val="accent6"/>
+          </a:fillRef>
+          <a:effectRef idx="0">
+            <a:schemeClr val="accent6"/>
+          </a:effectRef>
+          <a:fontRef idx="minor">
+            <a:schemeClr val="tx1"/>
+          </a:fontRef>
+        </p:style>
+      </p:cxnSp>
+      <p:cxnSp>
+        <p:nvCxnSpPr>
+          <p:cNvPr id="105" name="Gerader Verbinder 104">
+            <a:extLst>
+              <a:ext uri="{FF2B5EF4-FFF2-40B4-BE49-F238E27FC236}">
+                <a16:creationId xmlns:a16="http://schemas.microsoft.com/office/drawing/2014/main" id="{4B9BB7D7-6949-4D74-A9C9-72F73F6C847E}"/>
+              </a:ext>
+            </a:extLst>
+          </p:cNvPr>
+          <p:cNvCxnSpPr>
+            <a:cxnSpLocks/>
+          </p:cNvCxnSpPr>
+          <p:nvPr/>
+        </p:nvCxnSpPr>
+        <p:spPr bwMode="gray">
+          <a:xfrm>
+            <a:off x="3499288" y="3331568"/>
+            <a:ext cx="3473901" cy="4919"/>
+          </a:xfrm>
+          <a:prstGeom prst="line">
+            <a:avLst/>
+          </a:prstGeom>
+          <a:ln w="19050">
+            <a:solidFill>
+              <a:schemeClr val="accent4">
+                <a:lumMod val="75000"/>
+              </a:schemeClr>
+            </a:solidFill>
+            <a:prstDash val="dashDot"/>
+          </a:ln>
+        </p:spPr>
+        <p:style>
+          <a:lnRef idx="1">
+            <a:schemeClr val="accent6"/>
+          </a:lnRef>
+          <a:fillRef idx="0">
+            <a:schemeClr val="accent6"/>
+          </a:fillRef>
+          <a:effectRef idx="0">
+            <a:schemeClr val="accent6"/>
+          </a:effectRef>
+          <a:fontRef idx="minor">
+            <a:schemeClr val="tx1"/>
+          </a:fontRef>
+        </p:style>
+      </p:cxnSp>
+      <p:cxnSp>
+        <p:nvCxnSpPr>
+          <p:cNvPr id="109" name="Gerade Verbindung mit Pfeil 108">
+            <a:extLst>
+              <a:ext uri="{FF2B5EF4-FFF2-40B4-BE49-F238E27FC236}">
+                <a16:creationId xmlns:a16="http://schemas.microsoft.com/office/drawing/2014/main" id="{5F4DDCE7-9B94-4C72-8ECC-8862395DE890}"/>
+              </a:ext>
+            </a:extLst>
+          </p:cNvPr>
+          <p:cNvCxnSpPr/>
+          <p:nvPr/>
+        </p:nvCxnSpPr>
+        <p:spPr bwMode="gray">
+          <a:xfrm>
+            <a:off x="6955672" y="3348251"/>
+            <a:ext cx="0" cy="368471"/>
+          </a:xfrm>
+          <a:prstGeom prst="straightConnector1">
+            <a:avLst/>
+          </a:prstGeom>
+          <a:ln w="19050">
+            <a:solidFill>
+              <a:schemeClr val="accent4">
+                <a:lumMod val="75000"/>
+              </a:schemeClr>
+            </a:solidFill>
+            <a:prstDash val="dashDot"/>
+            <a:headEnd type="none" w="med" len="med"/>
+            <a:tailEnd type="triangle" w="med" len="med"/>
+          </a:ln>
+        </p:spPr>
+        <p:style>
+          <a:lnRef idx="1">
+            <a:schemeClr val="accent6"/>
+          </a:lnRef>
+          <a:fillRef idx="0">
+            <a:schemeClr val="accent6"/>
+          </a:fillRef>
+          <a:effectRef idx="0">
+            <a:schemeClr val="accent6"/>
+          </a:effectRef>
+          <a:fontRef idx="minor">
+            <a:schemeClr val="tx1"/>
+          </a:fontRef>
+        </p:style>
+      </p:cxnSp>
+      <p:sp>
+        <p:nvSpPr>
+          <p:cNvPr id="112" name="Textfeld 111">
+            <a:extLst>
+              <a:ext uri="{FF2B5EF4-FFF2-40B4-BE49-F238E27FC236}">
+                <a16:creationId xmlns:a16="http://schemas.microsoft.com/office/drawing/2014/main" id="{BA6A03B9-5C3B-4A97-9BC7-05F3243C7EBC}"/>
+              </a:ext>
+            </a:extLst>
+          </p:cNvPr>
+          <p:cNvSpPr txBox="1"/>
+          <p:nvPr/>
+        </p:nvSpPr>
+        <p:spPr bwMode="gray">
+          <a:xfrm>
+            <a:off x="7401402" y="3558090"/>
+            <a:ext cx="914400" cy="914400"/>
+          </a:xfrm>
+          <a:prstGeom prst="rect">
+            <a:avLst/>
+          </a:prstGeom>
+          <a:noFill/>
+        </p:spPr>
+        <p:txBody>
+          <a:bodyPr wrap="none" lIns="0" tIns="0" rIns="0" bIns="0" rtlCol="0">
+            <a:noAutofit/>
+          </a:bodyPr>
+          <a:lstStyle/>
+          <a:p>
+            <a:pPr algn="l">
+              <a:buClr>
+                <a:schemeClr val="bg2"/>
+              </a:buClr>
+            </a:pPr>
+            <a:r>
+              <a:rPr lang="de-DE" sz="1200" b="1" dirty="0">
+                <a:solidFill>
+                  <a:srgbClr val="FF0000"/>
+                </a:solidFill>
+              </a:rPr>
+              <a:t>+5V</a:t>
+            </a:r>
+          </a:p>
+        </p:txBody>
+      </p:sp>
+      <p:sp>
+        <p:nvSpPr>
+          <p:cNvPr id="113" name="Textfeld 112">
+            <a:extLst>
+              <a:ext uri="{FF2B5EF4-FFF2-40B4-BE49-F238E27FC236}">
+                <a16:creationId xmlns:a16="http://schemas.microsoft.com/office/drawing/2014/main" id="{D03F5F76-4535-4075-B6AA-F635927C1D58}"/>
+              </a:ext>
+            </a:extLst>
+          </p:cNvPr>
+          <p:cNvSpPr txBox="1"/>
+          <p:nvPr/>
+        </p:nvSpPr>
+        <p:spPr bwMode="gray">
+          <a:xfrm>
+            <a:off x="7381914" y="4509118"/>
+            <a:ext cx="914400" cy="914400"/>
+          </a:xfrm>
+          <a:prstGeom prst="rect">
+            <a:avLst/>
+          </a:prstGeom>
+          <a:noFill/>
+        </p:spPr>
+        <p:txBody>
+          <a:bodyPr wrap="none" lIns="0" tIns="0" rIns="0" bIns="0" rtlCol="0">
+            <a:noAutofit/>
+          </a:bodyPr>
+          <a:lstStyle/>
+          <a:p>
+            <a:pPr algn="l">
+              <a:buClr>
+                <a:schemeClr val="bg2"/>
+              </a:buClr>
+            </a:pPr>
+            <a:r>
+              <a:rPr lang="de-DE" sz="1200" b="1" dirty="0">
+                <a:solidFill>
+                  <a:schemeClr val="bg2">
+                    <a:lumMod val="50000"/>
+                  </a:schemeClr>
+                </a:solidFill>
+              </a:rPr>
+              <a:t>GND</a:t>
+            </a:r>
+          </a:p>
+        </p:txBody>
+      </p:sp>
+      <p:sp>
+        <p:nvSpPr>
+          <p:cNvPr id="114" name="Textfeld 113">
+            <a:extLst>
+              <a:ext uri="{FF2B5EF4-FFF2-40B4-BE49-F238E27FC236}">
+                <a16:creationId xmlns:a16="http://schemas.microsoft.com/office/drawing/2014/main" id="{2BCEE0CA-E467-4EAF-A5CE-91491890C2E9}"/>
+              </a:ext>
+            </a:extLst>
+          </p:cNvPr>
+          <p:cNvSpPr txBox="1"/>
+          <p:nvPr/>
+        </p:nvSpPr>
+        <p:spPr bwMode="gray">
+          <a:xfrm>
+            <a:off x="8041835" y="3828851"/>
+            <a:ext cx="914400" cy="914400"/>
+          </a:xfrm>
+          <a:prstGeom prst="rect">
+            <a:avLst/>
+          </a:prstGeom>
+          <a:noFill/>
+        </p:spPr>
+        <p:txBody>
+          <a:bodyPr wrap="none" lIns="0" tIns="0" rIns="0" bIns="0" rtlCol="0">
+            <a:noAutofit/>
+          </a:bodyPr>
+          <a:lstStyle/>
+          <a:p>
+            <a:pPr algn="l">
+              <a:buClr>
+                <a:schemeClr val="bg2"/>
+              </a:buClr>
+            </a:pPr>
+            <a:r>
+              <a:rPr lang="de-DE" sz="1200" b="1" dirty="0" err="1">
+                <a:solidFill>
+                  <a:srgbClr val="C00000"/>
+                </a:solidFill>
+              </a:rPr>
+              <a:t>Step</a:t>
+            </a:r>
+            <a:endParaRPr lang="de-DE" sz="1200" b="1" dirty="0">
+              <a:solidFill>
+                <a:srgbClr val="C00000"/>
+              </a:solidFill>
+            </a:endParaRPr>
+          </a:p>
+        </p:txBody>
+      </p:sp>
+      <p:sp>
+        <p:nvSpPr>
+          <p:cNvPr id="115" name="Textfeld 114">
+            <a:extLst>
+              <a:ext uri="{FF2B5EF4-FFF2-40B4-BE49-F238E27FC236}">
+                <a16:creationId xmlns:a16="http://schemas.microsoft.com/office/drawing/2014/main" id="{0368F2AA-C770-47D1-BD36-306A97395317}"/>
+              </a:ext>
+            </a:extLst>
+          </p:cNvPr>
+          <p:cNvSpPr txBox="1"/>
+          <p:nvPr/>
+        </p:nvSpPr>
+        <p:spPr bwMode="gray">
+          <a:xfrm>
+            <a:off x="5319084" y="3394564"/>
+            <a:ext cx="914400" cy="914400"/>
+          </a:xfrm>
+          <a:prstGeom prst="rect">
+            <a:avLst/>
+          </a:prstGeom>
+          <a:noFill/>
+        </p:spPr>
+        <p:txBody>
+          <a:bodyPr wrap="none" lIns="0" tIns="0" rIns="0" bIns="0" rtlCol="0">
+            <a:noAutofit/>
+          </a:bodyPr>
+          <a:lstStyle/>
+          <a:p>
+            <a:pPr algn="l">
+              <a:buClr>
+                <a:schemeClr val="bg2"/>
+              </a:buClr>
+            </a:pPr>
+            <a:r>
+              <a:rPr lang="de-DE" sz="1200" b="1" dirty="0">
+                <a:solidFill>
+                  <a:srgbClr val="FF0000"/>
+                </a:solidFill>
+              </a:rPr>
+              <a:t>+5V</a:t>
+            </a:r>
+          </a:p>
+        </p:txBody>
+      </p:sp>
+      <p:sp>
+        <p:nvSpPr>
+          <p:cNvPr id="116" name="Textfeld 115">
+            <a:extLst>
+              <a:ext uri="{FF2B5EF4-FFF2-40B4-BE49-F238E27FC236}">
+                <a16:creationId xmlns:a16="http://schemas.microsoft.com/office/drawing/2014/main" id="{75D9F089-84B8-46B8-B422-35DEE5AA5F9C}"/>
+              </a:ext>
+            </a:extLst>
+          </p:cNvPr>
+          <p:cNvSpPr txBox="1"/>
+          <p:nvPr/>
+        </p:nvSpPr>
+        <p:spPr bwMode="gray">
+          <a:xfrm>
+            <a:off x="5289611" y="1561170"/>
+            <a:ext cx="914400" cy="914400"/>
+          </a:xfrm>
+          <a:prstGeom prst="rect">
+            <a:avLst/>
+          </a:prstGeom>
+          <a:noFill/>
+        </p:spPr>
+        <p:txBody>
+          <a:bodyPr wrap="none" lIns="0" tIns="0" rIns="0" bIns="0" rtlCol="0">
+            <a:noAutofit/>
+          </a:bodyPr>
+          <a:lstStyle/>
+          <a:p>
+            <a:pPr algn="l">
+              <a:buClr>
+                <a:schemeClr val="bg2"/>
+              </a:buClr>
+            </a:pPr>
+            <a:r>
+              <a:rPr lang="de-DE" sz="1200" b="1" dirty="0">
+                <a:solidFill>
+                  <a:srgbClr val="FF0000"/>
+                </a:solidFill>
+              </a:rPr>
+              <a:t>+5V</a:t>
+            </a:r>
+          </a:p>
+        </p:txBody>
+      </p:sp>
+      <p:sp>
+        <p:nvSpPr>
+          <p:cNvPr id="118" name="Textfeld 117">
+            <a:extLst>
+              <a:ext uri="{FF2B5EF4-FFF2-40B4-BE49-F238E27FC236}">
+                <a16:creationId xmlns:a16="http://schemas.microsoft.com/office/drawing/2014/main" id="{B1B546EF-83BB-4E9B-A6F5-CDB5CD896ACF}"/>
+              </a:ext>
+            </a:extLst>
+          </p:cNvPr>
+          <p:cNvSpPr txBox="1"/>
+          <p:nvPr/>
+        </p:nvSpPr>
+        <p:spPr bwMode="gray">
+          <a:xfrm>
+            <a:off x="4961487" y="4369861"/>
+            <a:ext cx="914400" cy="914400"/>
+          </a:xfrm>
+          <a:prstGeom prst="rect">
+            <a:avLst/>
+          </a:prstGeom>
+          <a:noFill/>
+        </p:spPr>
+        <p:txBody>
+          <a:bodyPr wrap="none" lIns="0" tIns="0" rIns="0" bIns="0" rtlCol="0">
+            <a:noAutofit/>
+          </a:bodyPr>
+          <a:lstStyle/>
+          <a:p>
+            <a:pPr algn="l">
+              <a:buClr>
+                <a:schemeClr val="bg2"/>
+              </a:buClr>
+            </a:pPr>
+            <a:r>
+              <a:rPr lang="de-DE" sz="1200" dirty="0"/>
+              <a:t>max. 4A</a:t>
+            </a:r>
+          </a:p>
+        </p:txBody>
+      </p:sp>
+      <p:sp>
+        <p:nvSpPr>
+          <p:cNvPr id="120" name="Textfeld 119">
+            <a:extLst>
+              <a:ext uri="{FF2B5EF4-FFF2-40B4-BE49-F238E27FC236}">
+                <a16:creationId xmlns:a16="http://schemas.microsoft.com/office/drawing/2014/main" id="{4C12CA60-B7BA-43CB-97D0-F533003D53B1}"/>
+              </a:ext>
+            </a:extLst>
+          </p:cNvPr>
+          <p:cNvSpPr txBox="1"/>
+          <p:nvPr/>
+        </p:nvSpPr>
+        <p:spPr bwMode="gray">
+          <a:xfrm>
+            <a:off x="3423834" y="4154965"/>
+            <a:ext cx="914400" cy="914400"/>
+          </a:xfrm>
+          <a:prstGeom prst="rect">
+            <a:avLst/>
+          </a:prstGeom>
+          <a:noFill/>
+        </p:spPr>
+        <p:txBody>
+          <a:bodyPr wrap="none" lIns="0" tIns="0" rIns="0" bIns="0" rtlCol="0">
+            <a:noAutofit/>
+          </a:bodyPr>
+          <a:lstStyle/>
+          <a:p>
+            <a:pPr algn="l">
+              <a:buClr>
+                <a:schemeClr val="bg2"/>
+              </a:buClr>
+            </a:pPr>
+            <a:r>
+              <a:rPr lang="de-DE" sz="1200" b="1" dirty="0"/>
+              <a:t>@3,4A</a:t>
+            </a:r>
+          </a:p>
+        </p:txBody>
+      </p:sp>
+      <p:sp>
+        <p:nvSpPr>
+          <p:cNvPr id="122" name="Textfeld 121">
+            <a:extLst>
+              <a:ext uri="{FF2B5EF4-FFF2-40B4-BE49-F238E27FC236}">
+                <a16:creationId xmlns:a16="http://schemas.microsoft.com/office/drawing/2014/main" id="{801F09FE-C194-4A18-8FE4-68535772C662}"/>
+              </a:ext>
+            </a:extLst>
+          </p:cNvPr>
+          <p:cNvSpPr txBox="1"/>
+          <p:nvPr/>
+        </p:nvSpPr>
+        <p:spPr bwMode="gray">
+          <a:xfrm>
+            <a:off x="5017767" y="2686047"/>
+            <a:ext cx="914400" cy="914400"/>
+          </a:xfrm>
+          <a:prstGeom prst="rect">
+            <a:avLst/>
+          </a:prstGeom>
+          <a:noFill/>
+        </p:spPr>
+        <p:txBody>
+          <a:bodyPr wrap="none" lIns="0" tIns="0" rIns="0" bIns="0" rtlCol="0">
+            <a:noAutofit/>
+          </a:bodyPr>
+          <a:lstStyle/>
+          <a:p>
+            <a:pPr algn="l">
+              <a:buClr>
+                <a:schemeClr val="bg2"/>
+              </a:buClr>
+            </a:pPr>
+            <a:r>
+              <a:rPr lang="de-DE" sz="1200" dirty="0"/>
+              <a:t>max. 4A</a:t>
+            </a:r>
+          </a:p>
+        </p:txBody>
+      </p:sp>
+      <p:sp>
+        <p:nvSpPr>
+          <p:cNvPr id="123" name="Ellipse 122">
+            <a:extLst>
+              <a:ext uri="{FF2B5EF4-FFF2-40B4-BE49-F238E27FC236}">
+                <a16:creationId xmlns:a16="http://schemas.microsoft.com/office/drawing/2014/main" id="{54953857-28F7-4CA0-97B0-900D0B1E8771}"/>
+              </a:ext>
+            </a:extLst>
+          </p:cNvPr>
+          <p:cNvSpPr/>
+          <p:nvPr/>
+        </p:nvSpPr>
+        <p:spPr bwMode="gray">
+          <a:xfrm>
+            <a:off x="11603369" y="3605020"/>
+            <a:ext cx="842396" cy="864866"/>
+          </a:xfrm>
+          <a:prstGeom prst="ellipse">
+            <a:avLst/>
+          </a:prstGeom>
+          <a:noFill/>
+          <a:ln w="19050">
+            <a:solidFill>
+              <a:schemeClr val="tx1"/>
+            </a:solidFill>
+          </a:ln>
+        </p:spPr>
+        <p:style>
+          <a:lnRef idx="2">
+            <a:schemeClr val="accent1">
+              <a:shade val="50000"/>
+            </a:schemeClr>
+          </a:lnRef>
+          <a:fillRef idx="1">
+            <a:schemeClr val="accent1"/>
+          </a:fillRef>
+          <a:effectRef idx="0">
+            <a:schemeClr val="accent1"/>
+          </a:effectRef>
+          <a:fontRef idx="minor">
+            <a:schemeClr val="lt1"/>
+          </a:fontRef>
+        </p:style>
+        <p:txBody>
+          <a:bodyPr lIns="72000" tIns="72000" rIns="72000" bIns="72000" rtlCol="0" anchor="ctr"/>
+          <a:lstStyle/>
+          <a:p>
+            <a:pPr algn="ctr"/>
+            <a:r>
+              <a:rPr lang="de-DE" b="1" dirty="0">
+                <a:solidFill>
+                  <a:schemeClr val="tx1"/>
+                </a:solidFill>
+              </a:rPr>
+              <a:t>M</a:t>
+            </a:r>
+            <a:endParaRPr lang="de-DE" sz="1200" b="1" dirty="0">
+              <a:solidFill>
+                <a:schemeClr val="tx1"/>
+              </a:solidFill>
+            </a:endParaRPr>
+          </a:p>
+        </p:txBody>
+      </p:sp>
+      <p:cxnSp>
+        <p:nvCxnSpPr>
+          <p:cNvPr id="127" name="Verbinder: gewinkelt 126">
+            <a:extLst>
+              <a:ext uri="{FF2B5EF4-FFF2-40B4-BE49-F238E27FC236}">
+                <a16:creationId xmlns:a16="http://schemas.microsoft.com/office/drawing/2014/main" id="{A3AF57BB-8660-4688-A666-AA1ED102585B}"/>
+              </a:ext>
+            </a:extLst>
+          </p:cNvPr>
+          <p:cNvCxnSpPr>
+            <a:cxnSpLocks/>
+            <a:endCxn id="80" idx="1"/>
+          </p:cNvCxnSpPr>
+          <p:nvPr/>
+        </p:nvCxnSpPr>
+        <p:spPr bwMode="gray">
+          <a:xfrm flipV="1">
+            <a:off x="7880068" y="4051293"/>
+            <a:ext cx="655206" cy="7859"/>
+          </a:xfrm>
+          <a:prstGeom prst="bentConnector3">
+            <a:avLst>
+              <a:gd name="adj1" fmla="val 50000"/>
+            </a:avLst>
+          </a:prstGeom>
+          <a:ln w="19050">
+            <a:solidFill>
+              <a:schemeClr val="accent6">
+                <a:lumMod val="75000"/>
+              </a:schemeClr>
+            </a:solidFill>
+            <a:prstDash val="dashDot"/>
+            <a:headEnd type="none" w="med" len="med"/>
+            <a:tailEnd type="arrow" w="med" len="med"/>
+          </a:ln>
+        </p:spPr>
+        <p:style>
+          <a:lnRef idx="1">
+            <a:schemeClr val="accent6"/>
+          </a:lnRef>
+          <a:fillRef idx="0">
+            <a:schemeClr val="accent6"/>
+          </a:fillRef>
+          <a:effectRef idx="0">
+            <a:schemeClr val="accent6"/>
+          </a:effectRef>
+          <a:fontRef idx="minor">
+            <a:schemeClr val="tx1"/>
+          </a:fontRef>
+        </p:style>
+      </p:cxnSp>
+      <p:sp>
+        <p:nvSpPr>
+          <p:cNvPr id="141" name="Textfeld 140">
+            <a:extLst>
+              <a:ext uri="{FF2B5EF4-FFF2-40B4-BE49-F238E27FC236}">
+                <a16:creationId xmlns:a16="http://schemas.microsoft.com/office/drawing/2014/main" id="{E37F73F3-CDC6-4663-9F64-204E7DED7D3C}"/>
+              </a:ext>
+            </a:extLst>
+          </p:cNvPr>
+          <p:cNvSpPr txBox="1"/>
+          <p:nvPr/>
+        </p:nvSpPr>
+        <p:spPr bwMode="gray">
+          <a:xfrm>
+            <a:off x="6841745" y="3669812"/>
+            <a:ext cx="914400" cy="914400"/>
+          </a:xfrm>
+          <a:prstGeom prst="rect">
+            <a:avLst/>
+          </a:prstGeom>
+          <a:noFill/>
+        </p:spPr>
+        <p:txBody>
+          <a:bodyPr wrap="none" lIns="0" tIns="0" rIns="0" bIns="0" rtlCol="0">
+            <a:noAutofit/>
+          </a:bodyPr>
+          <a:lstStyle/>
+          <a:p>
+            <a:pPr algn="l">
+              <a:buClr>
+                <a:schemeClr val="bg2"/>
+              </a:buClr>
+            </a:pPr>
+            <a:r>
+              <a:rPr lang="de-DE" sz="1200" b="1" dirty="0">
+                <a:solidFill>
+                  <a:srgbClr val="00B050"/>
+                </a:solidFill>
+              </a:rPr>
+              <a:t>A0</a:t>
+            </a:r>
+          </a:p>
+        </p:txBody>
+      </p:sp>
+      <p:sp>
+        <p:nvSpPr>
+          <p:cNvPr id="81" name="Textfeld 80">
+            <a:extLst>
+              <a:ext uri="{FF2B5EF4-FFF2-40B4-BE49-F238E27FC236}">
+                <a16:creationId xmlns:a16="http://schemas.microsoft.com/office/drawing/2014/main" id="{32C5CE37-E39E-4BF8-B1B2-F959B09345A7}"/>
+              </a:ext>
+            </a:extLst>
+          </p:cNvPr>
+          <p:cNvSpPr txBox="1"/>
+          <p:nvPr/>
+        </p:nvSpPr>
+        <p:spPr bwMode="gray">
+          <a:xfrm>
+            <a:off x="2243862" y="4903767"/>
+            <a:ext cx="914400" cy="914400"/>
+          </a:xfrm>
+          <a:prstGeom prst="rect">
+            <a:avLst/>
+          </a:prstGeom>
+          <a:noFill/>
+        </p:spPr>
+        <p:txBody>
+          <a:bodyPr wrap="none" lIns="0" tIns="0" rIns="0" bIns="0" rtlCol="0">
+            <a:noAutofit/>
+          </a:bodyPr>
+          <a:lstStyle/>
+          <a:p>
+            <a:pPr algn="l">
+              <a:buClr>
+                <a:schemeClr val="bg2"/>
+              </a:buClr>
+            </a:pPr>
+            <a:r>
+              <a:rPr lang="de-DE" sz="1200" b="1" dirty="0">
+                <a:solidFill>
+                  <a:srgbClr val="FF0000"/>
+                </a:solidFill>
+              </a:rPr>
+              <a:t>0V</a:t>
+            </a:r>
+          </a:p>
+        </p:txBody>
+      </p:sp>
+      <p:sp>
+        <p:nvSpPr>
+          <p:cNvPr id="101" name="Textfeld 100">
+            <a:extLst>
+              <a:ext uri="{FF2B5EF4-FFF2-40B4-BE49-F238E27FC236}">
+                <a16:creationId xmlns:a16="http://schemas.microsoft.com/office/drawing/2014/main" id="{21D1441E-DC5C-48F9-91E8-143C485036EE}"/>
+              </a:ext>
+            </a:extLst>
+          </p:cNvPr>
+          <p:cNvSpPr txBox="1"/>
+          <p:nvPr/>
+        </p:nvSpPr>
+        <p:spPr bwMode="gray">
+          <a:xfrm>
+            <a:off x="1865970" y="3708224"/>
+            <a:ext cx="564871" cy="914400"/>
+          </a:xfrm>
+          <a:prstGeom prst="rect">
+            <a:avLst/>
+          </a:prstGeom>
+          <a:noFill/>
+        </p:spPr>
+        <p:txBody>
+          <a:bodyPr wrap="none" lIns="0" tIns="0" rIns="0" bIns="0" rtlCol="0">
+            <a:noAutofit/>
+          </a:bodyPr>
+          <a:lstStyle/>
+          <a:p>
+            <a:pPr algn="l">
+              <a:buClr>
+                <a:schemeClr val="bg2"/>
+              </a:buClr>
+            </a:pPr>
+            <a:r>
+              <a:rPr lang="de-DE" sz="1200" b="1" dirty="0">
+                <a:solidFill>
+                  <a:srgbClr val="FF0000"/>
+                </a:solidFill>
+              </a:rPr>
+              <a:t>+3,3V</a:t>
+            </a:r>
+          </a:p>
+        </p:txBody>
+      </p:sp>
+      <p:cxnSp>
+        <p:nvCxnSpPr>
+          <p:cNvPr id="107" name="Gerader Verbinder 106">
+            <a:extLst>
+              <a:ext uri="{FF2B5EF4-FFF2-40B4-BE49-F238E27FC236}">
+                <a16:creationId xmlns:a16="http://schemas.microsoft.com/office/drawing/2014/main" id="{BC63D83E-85E0-4F41-8ACE-B5E846299AC3}"/>
+              </a:ext>
+            </a:extLst>
+          </p:cNvPr>
+          <p:cNvCxnSpPr>
+            <a:cxnSpLocks/>
+          </p:cNvCxnSpPr>
+          <p:nvPr/>
+        </p:nvCxnSpPr>
+        <p:spPr bwMode="gray">
+          <a:xfrm>
+            <a:off x="2338132" y="4046300"/>
+            <a:ext cx="609780" cy="607"/>
+          </a:xfrm>
+          <a:prstGeom prst="line">
+            <a:avLst/>
+          </a:prstGeom>
+          <a:ln w="19050">
+            <a:solidFill>
+              <a:schemeClr val="accent1"/>
+            </a:solidFill>
+          </a:ln>
+        </p:spPr>
+        <p:style>
+          <a:lnRef idx="1">
+            <a:schemeClr val="accent1"/>
+          </a:lnRef>
+          <a:fillRef idx="0">
+            <a:schemeClr val="accent1"/>
+          </a:fillRef>
+          <a:effectRef idx="0">
+            <a:schemeClr val="accent1"/>
+          </a:effectRef>
+          <a:fontRef idx="minor">
+            <a:schemeClr val="tx1"/>
+          </a:fontRef>
+        </p:style>
+      </p:cxnSp>
+      <p:cxnSp>
+        <p:nvCxnSpPr>
+          <p:cNvPr id="108" name="Gerader Verbinder 107">
+            <a:extLst>
+              <a:ext uri="{FF2B5EF4-FFF2-40B4-BE49-F238E27FC236}">
+                <a16:creationId xmlns:a16="http://schemas.microsoft.com/office/drawing/2014/main" id="{11D0B5BE-37B3-4529-B1CF-48B75FA82DAB}"/>
+              </a:ext>
+            </a:extLst>
+          </p:cNvPr>
+          <p:cNvCxnSpPr>
+            <a:cxnSpLocks/>
+          </p:cNvCxnSpPr>
+          <p:nvPr/>
+        </p:nvCxnSpPr>
+        <p:spPr bwMode="gray">
+          <a:xfrm>
+            <a:off x="2493561" y="4266631"/>
+            <a:ext cx="349478" cy="0"/>
+          </a:xfrm>
+          <a:prstGeom prst="line">
+            <a:avLst/>
+          </a:prstGeom>
+          <a:ln w="19050">
+            <a:solidFill>
+              <a:schemeClr val="accent1"/>
+            </a:solidFill>
+          </a:ln>
+        </p:spPr>
+        <p:style>
+          <a:lnRef idx="1">
+            <a:schemeClr val="accent1"/>
+          </a:lnRef>
+          <a:fillRef idx="0">
+            <a:schemeClr val="accent1"/>
+          </a:fillRef>
+          <a:effectRef idx="0">
+            <a:schemeClr val="accent1"/>
+          </a:effectRef>
+          <a:fontRef idx="minor">
+            <a:schemeClr val="tx1"/>
+          </a:fontRef>
+        </p:style>
+      </p:cxnSp>
+    </p:spTree>
+    <p:extLst>
+      <p:ext uri="{BB962C8B-B14F-4D97-AF65-F5344CB8AC3E}">
+        <p14:creationId xmlns:p14="http://schemas.microsoft.com/office/powerpoint/2010/main" val="2878349194"/>
+      </p:ext>
+    </p:extLst>
+  </p:cSld>
+  <p:clrMapOvr>
+    <a:masterClrMapping/>
+  </p:clrMapOvr>
+  <mc:AlternateContent xmlns:mc="http://schemas.openxmlformats.org/markup-compatibility/2006" xmlns:p14="http://schemas.microsoft.com/office/powerpoint/2010/main">
+    <mc:Choice Requires="p14">
+      <p:transition spd="med" p14:dur="700">
+        <p:fade/>
+      </p:transition>
+    </mc:Choice>
+    <mc:Fallback xmlns="">
+      <p:transition spd="med">
+        <p:fade/>
+      </p:transition>
+    </mc:Fallback>
+  </mc:AlternateContent>
+</p:sld>
+</file>
+
+<file path=ppt/slides/slide2.xml><?xml version="1.0" encoding="utf-8"?>
+<p:sld xmlns:a="http://schemas.openxmlformats.org/drawingml/2006/main" xmlns:r="http://schemas.openxmlformats.org/officeDocument/2006/relationships" xmlns:p="http://schemas.openxmlformats.org/presentationml/2006/main">
+  <p:cSld>
+    <p:spTree>
+      <p:nvGrpSpPr>
+        <p:cNvPr id="1" name=""/>
+        <p:cNvGrpSpPr/>
+        <p:nvPr/>
+      </p:nvGrpSpPr>
+      <p:grpSpPr>
+        <a:xfrm>
+          <a:off x="0" y="0"/>
+          <a:ext cx="0" cy="0"/>
+          <a:chOff x="0" y="0"/>
+          <a:chExt cx="0" cy="0"/>
+        </a:xfrm>
+      </p:grpSpPr>
+      <p:cxnSp>
+        <p:nvCxnSpPr>
+          <p:cNvPr id="13" name="Gerader Verbinder 12">
+            <a:extLst>
+              <a:ext uri="{FF2B5EF4-FFF2-40B4-BE49-F238E27FC236}">
+                <a16:creationId xmlns:a16="http://schemas.microsoft.com/office/drawing/2014/main" id="{E70CDC03-AC79-4A88-8AC9-74D91A2D103A}"/>
+              </a:ext>
+            </a:extLst>
+          </p:cNvPr>
+          <p:cNvCxnSpPr>
+            <a:cxnSpLocks/>
+          </p:cNvCxnSpPr>
+          <p:nvPr/>
+        </p:nvCxnSpPr>
+        <p:spPr bwMode="gray">
+          <a:xfrm>
+            <a:off x="4497027" y="2237194"/>
+            <a:ext cx="609780" cy="607"/>
+          </a:xfrm>
+          <a:prstGeom prst="line">
+            <a:avLst/>
+          </a:prstGeom>
+          <a:ln w="19050">
+            <a:solidFill>
+              <a:schemeClr val="accent1"/>
+            </a:solidFill>
+          </a:ln>
+        </p:spPr>
+        <p:style>
+          <a:lnRef idx="1">
+            <a:schemeClr val="accent1"/>
+          </a:lnRef>
+          <a:fillRef idx="0">
+            <a:schemeClr val="accent1"/>
+          </a:fillRef>
+          <a:effectRef idx="0">
+            <a:schemeClr val="accent1"/>
+          </a:effectRef>
+          <a:fontRef idx="minor">
+            <a:schemeClr val="tx1"/>
+          </a:fontRef>
+        </p:style>
+      </p:cxnSp>
+      <p:cxnSp>
+        <p:nvCxnSpPr>
+          <p:cNvPr id="14" name="Gerader Verbinder 13">
+            <a:extLst>
+              <a:ext uri="{FF2B5EF4-FFF2-40B4-BE49-F238E27FC236}">
+                <a16:creationId xmlns:a16="http://schemas.microsoft.com/office/drawing/2014/main" id="{927CBBF3-55C2-48AB-802A-4E7BA73816A2}"/>
+              </a:ext>
+            </a:extLst>
+          </p:cNvPr>
+          <p:cNvCxnSpPr>
+            <a:cxnSpLocks/>
+          </p:cNvCxnSpPr>
+          <p:nvPr/>
+        </p:nvCxnSpPr>
+        <p:spPr bwMode="gray">
+          <a:xfrm>
+            <a:off x="4652456" y="2457525"/>
+            <a:ext cx="349478" cy="0"/>
+          </a:xfrm>
+          <a:prstGeom prst="line">
+            <a:avLst/>
+          </a:prstGeom>
+          <a:ln w="19050">
+            <a:solidFill>
+              <a:schemeClr val="accent1"/>
+            </a:solidFill>
+          </a:ln>
+        </p:spPr>
+        <p:style>
+          <a:lnRef idx="1">
+            <a:schemeClr val="accent1"/>
+          </a:lnRef>
+          <a:fillRef idx="0">
+            <a:schemeClr val="accent1"/>
+          </a:fillRef>
+          <a:effectRef idx="0">
+            <a:schemeClr val="accent1"/>
+          </a:effectRef>
+          <a:fontRef idx="minor">
+            <a:schemeClr val="tx1"/>
+          </a:fontRef>
+        </p:style>
+      </p:cxnSp>
+      <p:cxnSp>
+        <p:nvCxnSpPr>
+          <p:cNvPr id="20" name="Gerader Verbinder 19">
+            <a:extLst>
+              <a:ext uri="{FF2B5EF4-FFF2-40B4-BE49-F238E27FC236}">
+                <a16:creationId xmlns:a16="http://schemas.microsoft.com/office/drawing/2014/main" id="{61B00352-1E7F-4353-ACC9-A6D0F71E9A43}"/>
+              </a:ext>
+            </a:extLst>
+          </p:cNvPr>
+          <p:cNvCxnSpPr>
+            <a:cxnSpLocks/>
+          </p:cNvCxnSpPr>
+          <p:nvPr/>
+        </p:nvCxnSpPr>
+        <p:spPr bwMode="gray">
+          <a:xfrm flipV="1">
+            <a:off x="4818775" y="1953469"/>
+            <a:ext cx="0" cy="288032"/>
+          </a:xfrm>
+          <a:prstGeom prst="line">
+            <a:avLst/>
+          </a:prstGeom>
+          <a:ln w="19050">
+            <a:solidFill>
+              <a:schemeClr val="accent1"/>
+            </a:solidFill>
+          </a:ln>
+        </p:spPr>
+        <p:style>
+          <a:lnRef idx="1">
+            <a:schemeClr val="accent1"/>
+          </a:lnRef>
+          <a:fillRef idx="0">
+            <a:schemeClr val="accent1"/>
+          </a:fillRef>
+          <a:effectRef idx="0">
+            <a:schemeClr val="accent1"/>
+          </a:effectRef>
+          <a:fontRef idx="minor">
+            <a:schemeClr val="tx1"/>
+          </a:fontRef>
+        </p:style>
+      </p:cxnSp>
+      <p:sp>
+        <p:nvSpPr>
+          <p:cNvPr id="31" name="Rechteck: abgerundete Ecken 30">
+            <a:extLst>
+              <a:ext uri="{FF2B5EF4-FFF2-40B4-BE49-F238E27FC236}">
+                <a16:creationId xmlns:a16="http://schemas.microsoft.com/office/drawing/2014/main" id="{75F0D7C6-800C-42EF-9761-54AF150B4AB8}"/>
+              </a:ext>
+            </a:extLst>
+          </p:cNvPr>
+          <p:cNvSpPr/>
+          <p:nvPr/>
+        </p:nvSpPr>
+        <p:spPr bwMode="gray">
+          <a:xfrm>
+            <a:off x="6297360" y="2523615"/>
+            <a:ext cx="2160237" cy="1152128"/>
+          </a:xfrm>
+          <a:prstGeom prst="roundRect">
+            <a:avLst/>
+          </a:prstGeom>
+          <a:solidFill>
+            <a:schemeClr val="accent2"/>
+          </a:solidFill>
+          <a:ln>
+            <a:noFill/>
+          </a:ln>
+        </p:spPr>
+        <p:style>
+          <a:lnRef idx="2">
+            <a:schemeClr val="accent1">
+              <a:shade val="50000"/>
+            </a:schemeClr>
+          </a:lnRef>
+          <a:fillRef idx="1">
+            <a:schemeClr val="accent1"/>
+          </a:fillRef>
+          <a:effectRef idx="0">
+            <a:schemeClr val="accent1"/>
+          </a:effectRef>
+          <a:fontRef idx="minor">
+            <a:schemeClr val="lt1"/>
+          </a:fontRef>
+        </p:style>
+        <p:txBody>
+          <a:bodyPr lIns="72000" tIns="72000" rIns="72000" bIns="72000" rtlCol="0" anchor="ctr"/>
+          <a:lstStyle/>
+          <a:p>
+            <a:pPr algn="ctr"/>
+            <a:r>
+              <a:rPr lang="de-DE" sz="1600" b="1" dirty="0" err="1">
+                <a:solidFill>
+                  <a:schemeClr val="bg1"/>
+                </a:solidFill>
+              </a:rPr>
+              <a:t>Step</a:t>
+            </a:r>
+            <a:r>
+              <a:rPr lang="de-DE" sz="1600" b="1" dirty="0">
+                <a:solidFill>
+                  <a:schemeClr val="bg1"/>
+                </a:solidFill>
+              </a:rPr>
+              <a:t>-Up Converter</a:t>
+            </a:r>
+          </a:p>
+        </p:txBody>
+      </p:sp>
+      <p:cxnSp>
+        <p:nvCxnSpPr>
+          <p:cNvPr id="32" name="Gerader Verbinder 31">
+            <a:extLst>
+              <a:ext uri="{FF2B5EF4-FFF2-40B4-BE49-F238E27FC236}">
+                <a16:creationId xmlns:a16="http://schemas.microsoft.com/office/drawing/2014/main" id="{4207DA94-844D-4D78-8075-C4FD39482F1E}"/>
+              </a:ext>
+            </a:extLst>
+          </p:cNvPr>
+          <p:cNvCxnSpPr>
+            <a:cxnSpLocks/>
+          </p:cNvCxnSpPr>
+          <p:nvPr/>
+        </p:nvCxnSpPr>
+        <p:spPr bwMode="gray">
+          <a:xfrm flipH="1">
+            <a:off x="4818602" y="1968600"/>
+            <a:ext cx="2540224" cy="0"/>
+          </a:xfrm>
+          <a:prstGeom prst="line">
+            <a:avLst/>
+          </a:prstGeom>
+          <a:ln w="19050">
+            <a:solidFill>
+              <a:schemeClr val="accent1"/>
+            </a:solidFill>
+          </a:ln>
+        </p:spPr>
+        <p:style>
+          <a:lnRef idx="1">
+            <a:schemeClr val="accent1"/>
+          </a:lnRef>
+          <a:fillRef idx="0">
+            <a:schemeClr val="accent1"/>
+          </a:fillRef>
+          <a:effectRef idx="0">
+            <a:schemeClr val="accent1"/>
+          </a:effectRef>
+          <a:fontRef idx="minor">
+            <a:schemeClr val="tx1"/>
+          </a:fontRef>
+        </p:style>
+      </p:cxnSp>
+      <p:cxnSp>
+        <p:nvCxnSpPr>
+          <p:cNvPr id="45" name="Gerader Verbinder 44">
+            <a:extLst>
+              <a:ext uri="{FF2B5EF4-FFF2-40B4-BE49-F238E27FC236}">
+                <a16:creationId xmlns:a16="http://schemas.microsoft.com/office/drawing/2014/main" id="{F113A0D5-1D17-414E-8621-5D8D01C66CEE}"/>
+              </a:ext>
+            </a:extLst>
+          </p:cNvPr>
+          <p:cNvCxnSpPr>
+            <a:cxnSpLocks/>
+          </p:cNvCxnSpPr>
+          <p:nvPr/>
+        </p:nvCxnSpPr>
+        <p:spPr bwMode="gray">
+          <a:xfrm flipV="1">
+            <a:off x="4818775" y="2457525"/>
+            <a:ext cx="0" cy="1307376"/>
+          </a:xfrm>
+          <a:prstGeom prst="line">
+            <a:avLst/>
+          </a:prstGeom>
+          <a:ln w="19050">
+            <a:solidFill>
+              <a:schemeClr val="accent1"/>
+            </a:solidFill>
+          </a:ln>
+        </p:spPr>
+        <p:style>
+          <a:lnRef idx="1">
+            <a:schemeClr val="accent1"/>
+          </a:lnRef>
+          <a:fillRef idx="0">
+            <a:schemeClr val="accent1"/>
+          </a:fillRef>
+          <a:effectRef idx="0">
+            <a:schemeClr val="accent1"/>
+          </a:effectRef>
+          <a:fontRef idx="minor">
+            <a:schemeClr val="tx1"/>
+          </a:fontRef>
+        </p:style>
+      </p:cxnSp>
+      <p:cxnSp>
+        <p:nvCxnSpPr>
+          <p:cNvPr id="51" name="Gerader Verbinder 50">
+            <a:extLst>
+              <a:ext uri="{FF2B5EF4-FFF2-40B4-BE49-F238E27FC236}">
+                <a16:creationId xmlns:a16="http://schemas.microsoft.com/office/drawing/2014/main" id="{31267337-C620-4031-9BEB-E1E8BD407F9F}"/>
+              </a:ext>
+            </a:extLst>
+          </p:cNvPr>
+          <p:cNvCxnSpPr>
+            <a:cxnSpLocks/>
+          </p:cNvCxnSpPr>
+          <p:nvPr/>
+        </p:nvCxnSpPr>
+        <p:spPr bwMode="gray">
+          <a:xfrm flipV="1">
+            <a:off x="4818775" y="3753668"/>
+            <a:ext cx="0" cy="288032"/>
           </a:xfrm>
           <a:prstGeom prst="line">
             <a:avLst/>
@@ -14920,8 +17153,8 @@
         </p:nvCxnSpPr>
         <p:spPr bwMode="gray">
           <a:xfrm flipH="1">
-            <a:off x="771832" y="4412912"/>
-            <a:ext cx="1512168" cy="0"/>
+            <a:off x="4818776" y="4401740"/>
+            <a:ext cx="2649994" cy="0"/>
           </a:xfrm>
           <a:prstGeom prst="line">
             <a:avLst/>
@@ -14963,7 +17196,7 @@
         </p:nvCxnSpPr>
         <p:spPr bwMode="gray">
           <a:xfrm flipV="1">
-            <a:off x="771832" y="4268896"/>
+            <a:off x="4818775" y="4257724"/>
             <a:ext cx="0" cy="144016"/>
           </a:xfrm>
           <a:prstGeom prst="line">
@@ -15001,14 +17234,13 @@
           </p:cNvPr>
           <p:cNvCxnSpPr>
             <a:cxnSpLocks/>
-            <a:stCxn id="52" idx="0"/>
             <a:endCxn id="31" idx="2"/>
           </p:cNvCxnSpPr>
           <p:nvPr/>
         </p:nvCxnSpPr>
         <p:spPr bwMode="gray">
           <a:xfrm flipV="1">
-            <a:off x="3364119" y="2924946"/>
+            <a:off x="7377479" y="3675743"/>
             <a:ext cx="0" cy="648071"/>
           </a:xfrm>
           <a:prstGeom prst="line">
@@ -15051,7 +17283,7 @@
         </p:nvCxnSpPr>
         <p:spPr bwMode="gray">
           <a:xfrm flipV="1">
-            <a:off x="3359696" y="1124747"/>
+            <a:off x="7406639" y="1113575"/>
             <a:ext cx="0" cy="648071"/>
           </a:xfrm>
           <a:prstGeom prst="line">
@@ -15094,7 +17326,7 @@
         </p:nvCxnSpPr>
         <p:spPr bwMode="gray">
           <a:xfrm flipV="1">
-            <a:off x="3359696" y="4725145"/>
+            <a:off x="7406639" y="4713973"/>
             <a:ext cx="0" cy="648071"/>
           </a:xfrm>
           <a:prstGeom prst="line">
@@ -15135,7 +17367,7 @@
         </p:nvSpPr>
         <p:spPr bwMode="gray">
           <a:xfrm>
-            <a:off x="3444767" y="2924946"/>
+            <a:off x="7491710" y="2913774"/>
             <a:ext cx="914400" cy="914400"/>
           </a:xfrm>
           <a:prstGeom prst="rect">
@@ -15181,7 +17413,7 @@
         </p:nvSpPr>
         <p:spPr bwMode="gray">
           <a:xfrm>
-            <a:off x="3444767" y="4725145"/>
+            <a:off x="7491710" y="4713973"/>
             <a:ext cx="914400" cy="914400"/>
           </a:xfrm>
           <a:prstGeom prst="rect">
@@ -15227,8 +17459,8 @@
         </p:nvSpPr>
         <p:spPr bwMode="gray">
           <a:xfrm>
-            <a:off x="901547" y="1985572"/>
-            <a:ext cx="914400" cy="914400"/>
+            <a:off x="4128579" y="2539796"/>
+            <a:ext cx="564871" cy="914400"/>
           </a:xfrm>
           <a:prstGeom prst="rect">
             <a:avLst/>
@@ -15271,7 +17503,7 @@
         </p:nvSpPr>
         <p:spPr bwMode="gray">
           <a:xfrm>
-            <a:off x="901547" y="2408655"/>
+            <a:off x="4943872" y="2514600"/>
             <a:ext cx="914400" cy="914400"/>
           </a:xfrm>
           <a:prstGeom prst="rect">
@@ -15317,7 +17549,7 @@
         </p:nvSpPr>
         <p:spPr bwMode="gray">
           <a:xfrm>
-            <a:off x="872408" y="3778221"/>
+            <a:off x="4919351" y="3767049"/>
             <a:ext cx="914400" cy="914400"/>
           </a:xfrm>
           <a:prstGeom prst="rect">
@@ -15358,7 +17590,7 @@
         </p:nvSpPr>
         <p:spPr bwMode="gray">
           <a:xfrm>
-            <a:off x="879797" y="4218042"/>
+            <a:off x="4926740" y="4206870"/>
             <a:ext cx="914400" cy="914400"/>
           </a:xfrm>
           <a:prstGeom prst="rect">
@@ -15406,7 +17638,7 @@
         </p:nvCxnSpPr>
         <p:spPr bwMode="gray">
           <a:xfrm flipH="1" flipV="1">
-            <a:off x="3359696" y="1124747"/>
+            <a:off x="7406639" y="1113575"/>
             <a:ext cx="4171890" cy="5979"/>
           </a:xfrm>
           <a:prstGeom prst="line">
@@ -15449,7 +17681,7 @@
         </p:nvCxnSpPr>
         <p:spPr bwMode="gray">
           <a:xfrm flipH="1">
-            <a:off x="3359696" y="5373216"/>
+            <a:off x="7406639" y="5362044"/>
             <a:ext cx="4176464" cy="0"/>
           </a:xfrm>
           <a:prstGeom prst="line">
@@ -15493,7 +17725,7 @@
         </p:nvCxnSpPr>
         <p:spPr bwMode="gray">
           <a:xfrm flipV="1">
-            <a:off x="7531586" y="1124162"/>
+            <a:off x="11578529" y="1112990"/>
             <a:ext cx="0" cy="2505936"/>
           </a:xfrm>
           <a:prstGeom prst="line">
@@ -15537,7 +17769,7 @@
         </p:nvCxnSpPr>
         <p:spPr bwMode="gray">
           <a:xfrm flipV="1">
-            <a:off x="7531586" y="4472492"/>
+            <a:off x="11578529" y="4461320"/>
             <a:ext cx="0" cy="900724"/>
           </a:xfrm>
           <a:prstGeom prst="line">
@@ -15578,7 +17810,7 @@
         </p:nvSpPr>
         <p:spPr bwMode="gray">
           <a:xfrm>
-            <a:off x="6667490" y="3630098"/>
+            <a:off x="10714433" y="3618926"/>
             <a:ext cx="1728192" cy="842394"/>
           </a:xfrm>
           <a:prstGeom prst="roundRect">
@@ -15639,7 +17871,7 @@
         </p:nvCxnSpPr>
         <p:spPr bwMode="gray">
           <a:xfrm flipH="1">
-            <a:off x="8395682" y="3937850"/>
+            <a:off x="12442625" y="3926678"/>
             <a:ext cx="1368152" cy="1"/>
           </a:xfrm>
           <a:prstGeom prst="line">
@@ -15682,7 +17914,7 @@
         </p:nvCxnSpPr>
         <p:spPr bwMode="gray">
           <a:xfrm flipH="1">
-            <a:off x="8395682" y="4149705"/>
+            <a:off x="12442625" y="4138533"/>
             <a:ext cx="1368152" cy="1"/>
           </a:xfrm>
           <a:prstGeom prst="line">
@@ -15723,7 +17955,7 @@
         </p:nvSpPr>
         <p:spPr bwMode="gray">
           <a:xfrm>
-            <a:off x="8413198" y="3751165"/>
+            <a:off x="12460141" y="3739993"/>
             <a:ext cx="914400" cy="914400"/>
           </a:xfrm>
           <a:prstGeom prst="rect">
@@ -15767,7 +17999,7 @@
         </p:nvSpPr>
         <p:spPr bwMode="gray">
           <a:xfrm>
-            <a:off x="8472264" y="4132176"/>
+            <a:off x="12519207" y="4121004"/>
             <a:ext cx="914400" cy="914400"/>
           </a:xfrm>
           <a:prstGeom prst="rect">
@@ -15813,7 +18045,7 @@
         </p:nvSpPr>
         <p:spPr bwMode="gray">
           <a:xfrm>
-            <a:off x="4816997" y="3716724"/>
+            <a:off x="2508790" y="3589277"/>
             <a:ext cx="1224126" cy="748071"/>
           </a:xfrm>
           <a:prstGeom prst="roundRect">
@@ -15860,10 +18092,10 @@
       </p:sp>
       <p:cxnSp>
         <p:nvCxnSpPr>
-          <p:cNvPr id="93" name="Gerader Verbinder 92">
-            <a:extLst>
-              <a:ext uri="{FF2B5EF4-FFF2-40B4-BE49-F238E27FC236}">
-                <a16:creationId xmlns:a16="http://schemas.microsoft.com/office/drawing/2014/main" id="{5E475A18-394B-44C8-9426-4125A4619813}"/>
+          <p:cNvPr id="102" name="Gerader Verbinder 101">
+            <a:extLst>
+              <a:ext uri="{FF2B5EF4-FFF2-40B4-BE49-F238E27FC236}">
+                <a16:creationId xmlns:a16="http://schemas.microsoft.com/office/drawing/2014/main" id="{717670B0-B351-41B3-8659-61A8F4AC168D}"/>
               </a:ext>
             </a:extLst>
           </p:cNvPr>
@@ -15873,9 +18105,427 @@
           <p:nvPr/>
         </p:nvCxnSpPr>
         <p:spPr bwMode="gray">
-          <a:xfrm flipH="1">
-            <a:off x="3359696" y="3284983"/>
-            <a:ext cx="2088232" cy="1"/>
+          <a:xfrm>
+            <a:off x="5678447" y="3311883"/>
+            <a:ext cx="0" cy="453018"/>
+          </a:xfrm>
+          <a:prstGeom prst="line">
+            <a:avLst/>
+          </a:prstGeom>
+          <a:ln w="19050">
+            <a:solidFill>
+              <a:schemeClr val="accent4">
+                <a:lumMod val="75000"/>
+              </a:schemeClr>
+            </a:solidFill>
+            <a:prstDash val="dashDot"/>
+          </a:ln>
+        </p:spPr>
+        <p:style>
+          <a:lnRef idx="1">
+            <a:schemeClr val="accent6"/>
+          </a:lnRef>
+          <a:fillRef idx="0">
+            <a:schemeClr val="accent6"/>
+          </a:fillRef>
+          <a:effectRef idx="0">
+            <a:schemeClr val="accent6"/>
+          </a:effectRef>
+          <a:fontRef idx="minor">
+            <a:schemeClr val="tx1"/>
+          </a:fontRef>
+        </p:style>
+      </p:cxnSp>
+      <p:sp>
+        <p:nvSpPr>
+          <p:cNvPr id="114" name="Textfeld 113">
+            <a:extLst>
+              <a:ext uri="{FF2B5EF4-FFF2-40B4-BE49-F238E27FC236}">
+                <a16:creationId xmlns:a16="http://schemas.microsoft.com/office/drawing/2014/main" id="{2BCEE0CA-E467-4EAF-A5CE-91491890C2E9}"/>
+              </a:ext>
+            </a:extLst>
+          </p:cNvPr>
+          <p:cNvSpPr txBox="1"/>
+          <p:nvPr/>
+        </p:nvSpPr>
+        <p:spPr bwMode="gray">
+          <a:xfrm>
+            <a:off x="10220994" y="3817681"/>
+            <a:ext cx="914400" cy="914400"/>
+          </a:xfrm>
+          <a:prstGeom prst="rect">
+            <a:avLst/>
+          </a:prstGeom>
+          <a:noFill/>
+        </p:spPr>
+        <p:txBody>
+          <a:bodyPr wrap="none" lIns="0" tIns="0" rIns="0" bIns="0" rtlCol="0">
+            <a:noAutofit/>
+          </a:bodyPr>
+          <a:lstStyle/>
+          <a:p>
+            <a:pPr algn="l">
+              <a:buClr>
+                <a:schemeClr val="bg2"/>
+              </a:buClr>
+            </a:pPr>
+            <a:r>
+              <a:rPr lang="de-DE" sz="1200" b="1" dirty="0" err="1">
+                <a:solidFill>
+                  <a:srgbClr val="C00000"/>
+                </a:solidFill>
+              </a:rPr>
+              <a:t>Step</a:t>
+            </a:r>
+            <a:endParaRPr lang="de-DE" sz="1200" b="1" dirty="0">
+              <a:solidFill>
+                <a:srgbClr val="C00000"/>
+              </a:solidFill>
+            </a:endParaRPr>
+          </a:p>
+        </p:txBody>
+      </p:sp>
+      <p:sp>
+        <p:nvSpPr>
+          <p:cNvPr id="118" name="Textfeld 117">
+            <a:extLst>
+              <a:ext uri="{FF2B5EF4-FFF2-40B4-BE49-F238E27FC236}">
+                <a16:creationId xmlns:a16="http://schemas.microsoft.com/office/drawing/2014/main" id="{B1B546EF-83BB-4E9B-A6F5-CDB5CD896ACF}"/>
+              </a:ext>
+            </a:extLst>
+          </p:cNvPr>
+          <p:cNvSpPr txBox="1"/>
+          <p:nvPr/>
+        </p:nvSpPr>
+        <p:spPr bwMode="gray">
+          <a:xfrm>
+            <a:off x="6096000" y="4892597"/>
+            <a:ext cx="914400" cy="914400"/>
+          </a:xfrm>
+          <a:prstGeom prst="rect">
+            <a:avLst/>
+          </a:prstGeom>
+          <a:noFill/>
+        </p:spPr>
+        <p:txBody>
+          <a:bodyPr wrap="none" lIns="0" tIns="0" rIns="0" bIns="0" rtlCol="0">
+            <a:noAutofit/>
+          </a:bodyPr>
+          <a:lstStyle/>
+          <a:p>
+            <a:pPr algn="l">
+              <a:buClr>
+                <a:schemeClr val="bg2"/>
+              </a:buClr>
+            </a:pPr>
+            <a:r>
+              <a:rPr lang="de-DE" sz="1200" dirty="0"/>
+              <a:t>max. 4A</a:t>
+            </a:r>
+          </a:p>
+        </p:txBody>
+      </p:sp>
+      <p:sp>
+        <p:nvSpPr>
+          <p:cNvPr id="120" name="Textfeld 119">
+            <a:extLst>
+              <a:ext uri="{FF2B5EF4-FFF2-40B4-BE49-F238E27FC236}">
+                <a16:creationId xmlns:a16="http://schemas.microsoft.com/office/drawing/2014/main" id="{4C12CA60-B7BA-43CB-97D0-F533003D53B1}"/>
+              </a:ext>
+            </a:extLst>
+          </p:cNvPr>
+          <p:cNvSpPr txBox="1"/>
+          <p:nvPr/>
+        </p:nvSpPr>
+        <p:spPr bwMode="gray">
+          <a:xfrm>
+            <a:off x="5602993" y="4143795"/>
+            <a:ext cx="550735" cy="180016"/>
+          </a:xfrm>
+          <a:prstGeom prst="rect">
+            <a:avLst/>
+          </a:prstGeom>
+          <a:noFill/>
+        </p:spPr>
+        <p:txBody>
+          <a:bodyPr wrap="none" lIns="0" tIns="0" rIns="0" bIns="0" rtlCol="0">
+            <a:noAutofit/>
+          </a:bodyPr>
+          <a:lstStyle/>
+          <a:p>
+            <a:pPr algn="l">
+              <a:buClr>
+                <a:schemeClr val="bg2"/>
+              </a:buClr>
+            </a:pPr>
+            <a:r>
+              <a:rPr lang="de-DE" sz="1200" b="1" dirty="0"/>
+              <a:t>@3,4A</a:t>
+            </a:r>
+          </a:p>
+        </p:txBody>
+      </p:sp>
+      <p:sp>
+        <p:nvSpPr>
+          <p:cNvPr id="122" name="Textfeld 121">
+            <a:extLst>
+              <a:ext uri="{FF2B5EF4-FFF2-40B4-BE49-F238E27FC236}">
+                <a16:creationId xmlns:a16="http://schemas.microsoft.com/office/drawing/2014/main" id="{801F09FE-C194-4A18-8FE4-68535772C662}"/>
+              </a:ext>
+            </a:extLst>
+          </p:cNvPr>
+          <p:cNvSpPr txBox="1"/>
+          <p:nvPr/>
+        </p:nvSpPr>
+        <p:spPr bwMode="gray">
+          <a:xfrm>
+            <a:off x="7196926" y="2674877"/>
+            <a:ext cx="914400" cy="914400"/>
+          </a:xfrm>
+          <a:prstGeom prst="rect">
+            <a:avLst/>
+          </a:prstGeom>
+          <a:noFill/>
+        </p:spPr>
+        <p:txBody>
+          <a:bodyPr wrap="none" lIns="0" tIns="0" rIns="0" bIns="0" rtlCol="0">
+            <a:noAutofit/>
+          </a:bodyPr>
+          <a:lstStyle/>
+          <a:p>
+            <a:pPr algn="l">
+              <a:buClr>
+                <a:schemeClr val="bg2"/>
+              </a:buClr>
+            </a:pPr>
+            <a:r>
+              <a:rPr lang="de-DE" sz="1200" dirty="0"/>
+              <a:t>max. 4A</a:t>
+            </a:r>
+          </a:p>
+        </p:txBody>
+      </p:sp>
+      <p:sp>
+        <p:nvSpPr>
+          <p:cNvPr id="123" name="Ellipse 122">
+            <a:extLst>
+              <a:ext uri="{FF2B5EF4-FFF2-40B4-BE49-F238E27FC236}">
+                <a16:creationId xmlns:a16="http://schemas.microsoft.com/office/drawing/2014/main" id="{54953857-28F7-4CA0-97B0-900D0B1E8771}"/>
+              </a:ext>
+            </a:extLst>
+          </p:cNvPr>
+          <p:cNvSpPr/>
+          <p:nvPr/>
+        </p:nvSpPr>
+        <p:spPr bwMode="gray">
+          <a:xfrm>
+            <a:off x="13782528" y="3593850"/>
+            <a:ext cx="842396" cy="864866"/>
+          </a:xfrm>
+          <a:prstGeom prst="ellipse">
+            <a:avLst/>
+          </a:prstGeom>
+          <a:noFill/>
+          <a:ln w="19050">
+            <a:solidFill>
+              <a:schemeClr val="tx1"/>
+            </a:solidFill>
+          </a:ln>
+        </p:spPr>
+        <p:style>
+          <a:lnRef idx="2">
+            <a:schemeClr val="accent1">
+              <a:shade val="50000"/>
+            </a:schemeClr>
+          </a:lnRef>
+          <a:fillRef idx="1">
+            <a:schemeClr val="accent1"/>
+          </a:fillRef>
+          <a:effectRef idx="0">
+            <a:schemeClr val="accent1"/>
+          </a:effectRef>
+          <a:fontRef idx="minor">
+            <a:schemeClr val="lt1"/>
+          </a:fontRef>
+        </p:style>
+        <p:txBody>
+          <a:bodyPr lIns="72000" tIns="72000" rIns="72000" bIns="72000" rtlCol="0" anchor="ctr"/>
+          <a:lstStyle/>
+          <a:p>
+            <a:pPr algn="ctr"/>
+            <a:r>
+              <a:rPr lang="de-DE" b="1" dirty="0">
+                <a:solidFill>
+                  <a:schemeClr val="tx1"/>
+                </a:solidFill>
+              </a:rPr>
+              <a:t>M</a:t>
+            </a:r>
+            <a:endParaRPr lang="de-DE" sz="1200" b="1" dirty="0">
+              <a:solidFill>
+                <a:schemeClr val="tx1"/>
+              </a:solidFill>
+            </a:endParaRPr>
+          </a:p>
+        </p:txBody>
+      </p:sp>
+      <p:cxnSp>
+        <p:nvCxnSpPr>
+          <p:cNvPr id="127" name="Verbinder: gewinkelt 126">
+            <a:extLst>
+              <a:ext uri="{FF2B5EF4-FFF2-40B4-BE49-F238E27FC236}">
+                <a16:creationId xmlns:a16="http://schemas.microsoft.com/office/drawing/2014/main" id="{A3AF57BB-8660-4688-A666-AA1ED102585B}"/>
+              </a:ext>
+            </a:extLst>
+          </p:cNvPr>
+          <p:cNvCxnSpPr>
+            <a:cxnSpLocks/>
+            <a:endCxn id="80" idx="1"/>
+          </p:cNvCxnSpPr>
+          <p:nvPr/>
+        </p:nvCxnSpPr>
+        <p:spPr bwMode="gray">
+          <a:xfrm flipV="1">
+            <a:off x="10059227" y="4040123"/>
+            <a:ext cx="655206" cy="7859"/>
+          </a:xfrm>
+          <a:prstGeom prst="bentConnector3">
+            <a:avLst>
+              <a:gd name="adj1" fmla="val 50000"/>
+            </a:avLst>
+          </a:prstGeom>
+          <a:ln w="19050">
+            <a:solidFill>
+              <a:schemeClr val="accent6">
+                <a:lumMod val="75000"/>
+              </a:schemeClr>
+            </a:solidFill>
+            <a:prstDash val="dashDot"/>
+            <a:headEnd type="none" w="med" len="med"/>
+            <a:tailEnd type="arrow" w="med" len="med"/>
+          </a:ln>
+        </p:spPr>
+        <p:style>
+          <a:lnRef idx="1">
+            <a:schemeClr val="accent6"/>
+          </a:lnRef>
+          <a:fillRef idx="0">
+            <a:schemeClr val="accent6"/>
+          </a:fillRef>
+          <a:effectRef idx="0">
+            <a:schemeClr val="accent6"/>
+          </a:effectRef>
+          <a:fontRef idx="minor">
+            <a:schemeClr val="tx1"/>
+          </a:fontRef>
+        </p:style>
+      </p:cxnSp>
+      <p:sp>
+        <p:nvSpPr>
+          <p:cNvPr id="81" name="Textfeld 80">
+            <a:extLst>
+              <a:ext uri="{FF2B5EF4-FFF2-40B4-BE49-F238E27FC236}">
+                <a16:creationId xmlns:a16="http://schemas.microsoft.com/office/drawing/2014/main" id="{32C5CE37-E39E-4BF8-B1B2-F959B09345A7}"/>
+              </a:ext>
+            </a:extLst>
+          </p:cNvPr>
+          <p:cNvSpPr txBox="1"/>
+          <p:nvPr/>
+        </p:nvSpPr>
+        <p:spPr bwMode="gray">
+          <a:xfrm>
+            <a:off x="4423021" y="4892597"/>
+            <a:ext cx="914400" cy="914400"/>
+          </a:xfrm>
+          <a:prstGeom prst="rect">
+            <a:avLst/>
+          </a:prstGeom>
+          <a:noFill/>
+        </p:spPr>
+        <p:txBody>
+          <a:bodyPr wrap="none" lIns="0" tIns="0" rIns="0" bIns="0" rtlCol="0">
+            <a:noAutofit/>
+          </a:bodyPr>
+          <a:lstStyle/>
+          <a:p>
+            <a:pPr algn="l">
+              <a:buClr>
+                <a:schemeClr val="bg2"/>
+              </a:buClr>
+            </a:pPr>
+            <a:r>
+              <a:rPr lang="de-DE" sz="1200" b="1" dirty="0">
+                <a:solidFill>
+                  <a:srgbClr val="FF0000"/>
+                </a:solidFill>
+              </a:rPr>
+              <a:t>0V</a:t>
+            </a:r>
+          </a:p>
+        </p:txBody>
+      </p:sp>
+      <p:sp>
+        <p:nvSpPr>
+          <p:cNvPr id="101" name="Textfeld 100">
+            <a:extLst>
+              <a:ext uri="{FF2B5EF4-FFF2-40B4-BE49-F238E27FC236}">
+                <a16:creationId xmlns:a16="http://schemas.microsoft.com/office/drawing/2014/main" id="{21D1441E-DC5C-48F9-91E8-143C485036EE}"/>
+              </a:ext>
+            </a:extLst>
+          </p:cNvPr>
+          <p:cNvSpPr txBox="1"/>
+          <p:nvPr/>
+        </p:nvSpPr>
+        <p:spPr bwMode="gray">
+          <a:xfrm>
+            <a:off x="4045129" y="3697054"/>
+            <a:ext cx="564871" cy="914400"/>
+          </a:xfrm>
+          <a:prstGeom prst="rect">
+            <a:avLst/>
+          </a:prstGeom>
+          <a:noFill/>
+        </p:spPr>
+        <p:txBody>
+          <a:bodyPr wrap="none" lIns="0" tIns="0" rIns="0" bIns="0" rtlCol="0">
+            <a:noAutofit/>
+          </a:bodyPr>
+          <a:lstStyle/>
+          <a:p>
+            <a:pPr algn="l">
+              <a:buClr>
+                <a:schemeClr val="bg2"/>
+              </a:buClr>
+            </a:pPr>
+            <a:r>
+              <a:rPr lang="de-DE" sz="1200" b="1" dirty="0">
+                <a:solidFill>
+                  <a:srgbClr val="FF0000"/>
+                </a:solidFill>
+              </a:rPr>
+              <a:t>+3,3V</a:t>
+            </a:r>
+          </a:p>
+        </p:txBody>
+      </p:sp>
+      <p:cxnSp>
+        <p:nvCxnSpPr>
+          <p:cNvPr id="107" name="Gerader Verbinder 106">
+            <a:extLst>
+              <a:ext uri="{FF2B5EF4-FFF2-40B4-BE49-F238E27FC236}">
+                <a16:creationId xmlns:a16="http://schemas.microsoft.com/office/drawing/2014/main" id="{BC63D83E-85E0-4F41-8ACE-B5E846299AC3}"/>
+              </a:ext>
+            </a:extLst>
+          </p:cNvPr>
+          <p:cNvCxnSpPr>
+            <a:cxnSpLocks/>
+          </p:cNvCxnSpPr>
+          <p:nvPr/>
+        </p:nvCxnSpPr>
+        <p:spPr bwMode="gray">
+          <a:xfrm>
+            <a:off x="4517291" y="4035130"/>
+            <a:ext cx="609780" cy="607"/>
           </a:xfrm>
           <a:prstGeom prst="line">
             <a:avLst/>
@@ -15903,10 +18553,10 @@
       </p:cxnSp>
       <p:cxnSp>
         <p:nvCxnSpPr>
-          <p:cNvPr id="96" name="Gerader Verbinder 95">
-            <a:extLst>
-              <a:ext uri="{FF2B5EF4-FFF2-40B4-BE49-F238E27FC236}">
-                <a16:creationId xmlns:a16="http://schemas.microsoft.com/office/drawing/2014/main" id="{6EFCBBA8-6AAD-4621-9508-74486853D74C}"/>
+          <p:cNvPr id="108" name="Gerader Verbinder 107">
+            <a:extLst>
+              <a:ext uri="{FF2B5EF4-FFF2-40B4-BE49-F238E27FC236}">
+                <a16:creationId xmlns:a16="http://schemas.microsoft.com/office/drawing/2014/main" id="{11D0B5BE-37B3-4529-B1CF-48B75FA82DAB}"/>
               </a:ext>
             </a:extLst>
           </p:cNvPr>
@@ -15916,9 +18566,9 @@
           <p:nvPr/>
         </p:nvCxnSpPr>
         <p:spPr bwMode="gray">
-          <a:xfrm flipH="1">
-            <a:off x="3363547" y="5106887"/>
-            <a:ext cx="2088232" cy="1"/>
+          <a:xfrm>
+            <a:off x="4672720" y="4255461"/>
+            <a:ext cx="349478" cy="0"/>
           </a:xfrm>
           <a:prstGeom prst="line">
             <a:avLst/>
@@ -15946,10 +18596,10 @@
       </p:cxnSp>
       <p:cxnSp>
         <p:nvCxnSpPr>
-          <p:cNvPr id="97" name="Gerader Verbinder 96">
-            <a:extLst>
-              <a:ext uri="{FF2B5EF4-FFF2-40B4-BE49-F238E27FC236}">
-                <a16:creationId xmlns:a16="http://schemas.microsoft.com/office/drawing/2014/main" id="{444D2C10-8F73-4C33-A0D2-1D127477C935}"/>
+          <p:cNvPr id="53" name="Gerader Verbinder 52">
+            <a:extLst>
+              <a:ext uri="{FF2B5EF4-FFF2-40B4-BE49-F238E27FC236}">
+                <a16:creationId xmlns:a16="http://schemas.microsoft.com/office/drawing/2014/main" id="{387A3EE0-7771-43E2-8035-8D51D57EB99D}"/>
               </a:ext>
             </a:extLst>
           </p:cNvPr>
@@ -15960,8 +18610,8 @@
         </p:nvCxnSpPr>
         <p:spPr bwMode="gray">
           <a:xfrm flipV="1">
-            <a:off x="5447928" y="3273523"/>
-            <a:ext cx="0" cy="457200"/>
+            <a:off x="7377479" y="1866529"/>
+            <a:ext cx="0" cy="648071"/>
           </a:xfrm>
           <a:prstGeom prst="line">
             <a:avLst/>
@@ -15989,10 +18639,10 @@
       </p:cxnSp>
       <p:cxnSp>
         <p:nvCxnSpPr>
-          <p:cNvPr id="99" name="Gerader Verbinder 98">
-            <a:extLst>
-              <a:ext uri="{FF2B5EF4-FFF2-40B4-BE49-F238E27FC236}">
-                <a16:creationId xmlns:a16="http://schemas.microsoft.com/office/drawing/2014/main" id="{ECA50150-535D-471F-8C13-0F378BB75790}"/>
+          <p:cNvPr id="58" name="Gerader Verbinder 57">
+            <a:extLst>
+              <a:ext uri="{FF2B5EF4-FFF2-40B4-BE49-F238E27FC236}">
+                <a16:creationId xmlns:a16="http://schemas.microsoft.com/office/drawing/2014/main" id="{13FEA081-BD49-4C82-978B-8DA6FFD62543}"/>
               </a:ext>
             </a:extLst>
           </p:cNvPr>
@@ -16002,17 +18652,18 @@
           <p:nvPr/>
         </p:nvCxnSpPr>
         <p:spPr bwMode="gray">
-          <a:xfrm flipV="1">
-            <a:off x="5429060" y="4464021"/>
-            <a:ext cx="0" cy="642866"/>
+          <a:xfrm flipH="1">
+            <a:off x="3404940" y="3476721"/>
+            <a:ext cx="1415755" cy="0"/>
           </a:xfrm>
           <a:prstGeom prst="line">
             <a:avLst/>
           </a:prstGeom>
           <a:ln w="19050">
             <a:solidFill>
-              <a:schemeClr val="accent1"/>
+              <a:schemeClr val="accent4"/>
             </a:solidFill>
+            <a:prstDash val="dashDot"/>
           </a:ln>
         </p:spPr>
         <p:style>
@@ -16032,10 +18683,10 @@
       </p:cxnSp>
       <p:cxnSp>
         <p:nvCxnSpPr>
-          <p:cNvPr id="102" name="Gerader Verbinder 101">
-            <a:extLst>
-              <a:ext uri="{FF2B5EF4-FFF2-40B4-BE49-F238E27FC236}">
-                <a16:creationId xmlns:a16="http://schemas.microsoft.com/office/drawing/2014/main" id="{717670B0-B351-41B3-8659-61A8F4AC168D}"/>
+          <p:cNvPr id="62" name="Gerader Verbinder 61">
+            <a:extLst>
+              <a:ext uri="{FF2B5EF4-FFF2-40B4-BE49-F238E27FC236}">
+                <a16:creationId xmlns:a16="http://schemas.microsoft.com/office/drawing/2014/main" id="{665C530E-16A1-4B51-A11E-6B2D73408A71}"/>
               </a:ext>
             </a:extLst>
           </p:cNvPr>
@@ -16045,31 +18696,29 @@
           <p:nvPr/>
         </p:nvCxnSpPr>
         <p:spPr bwMode="gray">
-          <a:xfrm>
-            <a:off x="1631504" y="3323055"/>
-            <a:ext cx="0" cy="453018"/>
+          <a:xfrm flipH="1">
+            <a:off x="3413359" y="3499247"/>
+            <a:ext cx="1" cy="90030"/>
           </a:xfrm>
           <a:prstGeom prst="line">
             <a:avLst/>
           </a:prstGeom>
           <a:ln w="19050">
             <a:solidFill>
-              <a:schemeClr val="accent4">
-                <a:lumMod val="75000"/>
-              </a:schemeClr>
+              <a:schemeClr val="accent4"/>
             </a:solidFill>
             <a:prstDash val="dashDot"/>
           </a:ln>
         </p:spPr>
         <p:style>
           <a:lnRef idx="1">
-            <a:schemeClr val="accent6"/>
+            <a:schemeClr val="accent1"/>
           </a:lnRef>
           <a:fillRef idx="0">
-            <a:schemeClr val="accent6"/>
+            <a:schemeClr val="accent1"/>
           </a:fillRef>
           <a:effectRef idx="0">
-            <a:schemeClr val="accent6"/>
+            <a:schemeClr val="accent1"/>
           </a:effectRef>
           <a:fontRef idx="minor">
             <a:schemeClr val="tx1"/>
@@ -16078,10 +18727,10 @@
       </p:cxnSp>
       <p:cxnSp>
         <p:nvCxnSpPr>
-          <p:cNvPr id="105" name="Gerader Verbinder 104">
-            <a:extLst>
-              <a:ext uri="{FF2B5EF4-FFF2-40B4-BE49-F238E27FC236}">
-                <a16:creationId xmlns:a16="http://schemas.microsoft.com/office/drawing/2014/main" id="{4B9BB7D7-6949-4D74-A9C9-72F73F6C847E}"/>
+          <p:cNvPr id="64" name="Gerader Verbinder 63">
+            <a:extLst>
+              <a:ext uri="{FF2B5EF4-FFF2-40B4-BE49-F238E27FC236}">
+                <a16:creationId xmlns:a16="http://schemas.microsoft.com/office/drawing/2014/main" id="{598F2050-9FDC-4FBA-BD35-081916FE8B17}"/>
               </a:ext>
             </a:extLst>
           </p:cNvPr>
@@ -16091,31 +18740,28 @@
           <p:nvPr/>
         </p:nvCxnSpPr>
         <p:spPr bwMode="gray">
-          <a:xfrm>
-            <a:off x="1631504" y="3331570"/>
-            <a:ext cx="3473901" cy="4919"/>
+          <a:xfrm flipH="1">
+            <a:off x="3070596" y="1968600"/>
+            <a:ext cx="1731322" cy="0"/>
           </a:xfrm>
           <a:prstGeom prst="line">
             <a:avLst/>
           </a:prstGeom>
           <a:ln w="19050">
             <a:solidFill>
-              <a:schemeClr val="accent4">
-                <a:lumMod val="75000"/>
-              </a:schemeClr>
+              <a:schemeClr val="accent1"/>
             </a:solidFill>
-            <a:prstDash val="dashDot"/>
           </a:ln>
         </p:spPr>
         <p:style>
           <a:lnRef idx="1">
-            <a:schemeClr val="accent6"/>
+            <a:schemeClr val="accent1"/>
           </a:lnRef>
           <a:fillRef idx="0">
-            <a:schemeClr val="accent6"/>
+            <a:schemeClr val="accent1"/>
           </a:fillRef>
           <a:effectRef idx="0">
-            <a:schemeClr val="accent6"/>
+            <a:schemeClr val="accent1"/>
           </a:effectRef>
           <a:fontRef idx="minor">
             <a:schemeClr val="tx1"/>
@@ -16124,44 +18770,41 @@
       </p:cxnSp>
       <p:cxnSp>
         <p:nvCxnSpPr>
-          <p:cNvPr id="109" name="Gerade Verbindung mit Pfeil 108">
-            <a:extLst>
-              <a:ext uri="{FF2B5EF4-FFF2-40B4-BE49-F238E27FC236}">
-                <a16:creationId xmlns:a16="http://schemas.microsoft.com/office/drawing/2014/main" id="{5F4DDCE7-9B94-4C72-8ECC-8862395DE890}"/>
-              </a:ext>
-            </a:extLst>
-          </p:cNvPr>
-          <p:cNvCxnSpPr/>
+          <p:cNvPr id="70" name="Gerader Verbinder 69">
+            <a:extLst>
+              <a:ext uri="{FF2B5EF4-FFF2-40B4-BE49-F238E27FC236}">
+                <a16:creationId xmlns:a16="http://schemas.microsoft.com/office/drawing/2014/main" id="{2D27886A-9A7F-49EF-BA3D-AE8E1E0CD989}"/>
+              </a:ext>
+            </a:extLst>
+          </p:cNvPr>
+          <p:cNvCxnSpPr>
+            <a:cxnSpLocks/>
+          </p:cNvCxnSpPr>
           <p:nvPr/>
         </p:nvCxnSpPr>
         <p:spPr bwMode="gray">
           <a:xfrm>
-            <a:off x="5087888" y="3348253"/>
-            <a:ext cx="0" cy="368471"/>
-          </a:xfrm>
-          <a:prstGeom prst="straightConnector1">
+            <a:off x="3070596" y="1968600"/>
+            <a:ext cx="1068" cy="397358"/>
+          </a:xfrm>
+          <a:prstGeom prst="line">
             <a:avLst/>
           </a:prstGeom>
           <a:ln w="19050">
             <a:solidFill>
-              <a:schemeClr val="accent4">
-                <a:lumMod val="75000"/>
-              </a:schemeClr>
+              <a:schemeClr val="accent1"/>
             </a:solidFill>
-            <a:prstDash val="dashDot"/>
-            <a:headEnd type="none" w="med" len="med"/>
-            <a:tailEnd type="triangle" w="med" len="med"/>
           </a:ln>
         </p:spPr>
         <p:style>
           <a:lnRef idx="1">
-            <a:schemeClr val="accent6"/>
+            <a:schemeClr val="accent1"/>
           </a:lnRef>
           <a:fillRef idx="0">
-            <a:schemeClr val="accent6"/>
+            <a:schemeClr val="accent1"/>
           </a:fillRef>
           <a:effectRef idx="0">
-            <a:schemeClr val="accent6"/>
+            <a:schemeClr val="accent1"/>
           </a:effectRef>
           <a:fontRef idx="minor">
             <a:schemeClr val="tx1"/>
@@ -16170,476 +18813,42 @@
       </p:cxnSp>
       <p:sp>
         <p:nvSpPr>
-          <p:cNvPr id="112" name="Textfeld 111">
-            <a:extLst>
-              <a:ext uri="{FF2B5EF4-FFF2-40B4-BE49-F238E27FC236}">
-                <a16:creationId xmlns:a16="http://schemas.microsoft.com/office/drawing/2014/main" id="{BA6A03B9-5C3B-4A97-9BC7-05F3243C7EBC}"/>
-              </a:ext>
-            </a:extLst>
-          </p:cNvPr>
-          <p:cNvSpPr txBox="1"/>
+          <p:cNvPr id="10" name="Rechteck 9">
+            <a:extLst>
+              <a:ext uri="{FF2B5EF4-FFF2-40B4-BE49-F238E27FC236}">
+                <a16:creationId xmlns:a16="http://schemas.microsoft.com/office/drawing/2014/main" id="{AC9EA020-A9EF-4005-9D59-7114B5C0B231}"/>
+              </a:ext>
+            </a:extLst>
+          </p:cNvPr>
+          <p:cNvSpPr/>
           <p:nvPr/>
         </p:nvSpPr>
         <p:spPr bwMode="gray">
           <a:xfrm>
-            <a:off x="5533618" y="3558092"/>
-            <a:ext cx="914400" cy="914400"/>
+            <a:off x="2998592" y="2357419"/>
+            <a:ext cx="144009" cy="216020"/>
           </a:xfrm>
           <a:prstGeom prst="rect">
             <a:avLst/>
           </a:prstGeom>
-          <a:noFill/>
-        </p:spPr>
-        <p:txBody>
-          <a:bodyPr wrap="none" lIns="0" tIns="0" rIns="0" bIns="0" rtlCol="0">
-            <a:noAutofit/>
-          </a:bodyPr>
-          <a:lstStyle/>
-          <a:p>
-            <a:pPr algn="l">
-              <a:buClr>
-                <a:schemeClr val="bg2"/>
-              </a:buClr>
-            </a:pPr>
-            <a:r>
-              <a:rPr lang="de-DE" sz="1200" b="1" dirty="0">
-                <a:solidFill>
-                  <a:srgbClr val="FF0000"/>
-                </a:solidFill>
-              </a:rPr>
-              <a:t>+5V</a:t>
-            </a:r>
-          </a:p>
-        </p:txBody>
-      </p:sp>
-      <p:sp>
-        <p:nvSpPr>
-          <p:cNvPr id="113" name="Textfeld 112">
-            <a:extLst>
-              <a:ext uri="{FF2B5EF4-FFF2-40B4-BE49-F238E27FC236}">
-                <a16:creationId xmlns:a16="http://schemas.microsoft.com/office/drawing/2014/main" id="{D03F5F76-4535-4075-B6AA-F635927C1D58}"/>
-              </a:ext>
-            </a:extLst>
-          </p:cNvPr>
-          <p:cNvSpPr txBox="1"/>
-          <p:nvPr/>
-        </p:nvSpPr>
-        <p:spPr bwMode="gray">
-          <a:xfrm>
-            <a:off x="5514130" y="4509120"/>
-            <a:ext cx="914400" cy="914400"/>
-          </a:xfrm>
-          <a:prstGeom prst="rect">
-            <a:avLst/>
-          </a:prstGeom>
-          <a:noFill/>
-        </p:spPr>
-        <p:txBody>
-          <a:bodyPr wrap="none" lIns="0" tIns="0" rIns="0" bIns="0" rtlCol="0">
-            <a:noAutofit/>
-          </a:bodyPr>
-          <a:lstStyle/>
-          <a:p>
-            <a:pPr algn="l">
-              <a:buClr>
-                <a:schemeClr val="bg2"/>
-              </a:buClr>
-            </a:pPr>
-            <a:r>
-              <a:rPr lang="de-DE" sz="1200" b="1" dirty="0">
-                <a:solidFill>
-                  <a:schemeClr val="bg2">
-                    <a:lumMod val="50000"/>
-                  </a:schemeClr>
-                </a:solidFill>
-              </a:rPr>
-              <a:t>GND</a:t>
-            </a:r>
-          </a:p>
-        </p:txBody>
-      </p:sp>
-      <p:sp>
-        <p:nvSpPr>
-          <p:cNvPr id="114" name="Textfeld 113">
-            <a:extLst>
-              <a:ext uri="{FF2B5EF4-FFF2-40B4-BE49-F238E27FC236}">
-                <a16:creationId xmlns:a16="http://schemas.microsoft.com/office/drawing/2014/main" id="{2BCEE0CA-E467-4EAF-A5CE-91491890C2E9}"/>
-              </a:ext>
-            </a:extLst>
-          </p:cNvPr>
-          <p:cNvSpPr txBox="1"/>
-          <p:nvPr/>
-        </p:nvSpPr>
-        <p:spPr bwMode="gray">
-          <a:xfrm>
-            <a:off x="6174051" y="3828853"/>
-            <a:ext cx="914400" cy="914400"/>
-          </a:xfrm>
-          <a:prstGeom prst="rect">
-            <a:avLst/>
-          </a:prstGeom>
-          <a:noFill/>
-        </p:spPr>
-        <p:txBody>
-          <a:bodyPr wrap="none" lIns="0" tIns="0" rIns="0" bIns="0" rtlCol="0">
-            <a:noAutofit/>
-          </a:bodyPr>
-          <a:lstStyle/>
-          <a:p>
-            <a:pPr algn="l">
-              <a:buClr>
-                <a:schemeClr val="bg2"/>
-              </a:buClr>
-            </a:pPr>
-            <a:r>
-              <a:rPr lang="de-DE" sz="1200" b="1" dirty="0" err="1">
-                <a:solidFill>
-                  <a:srgbClr val="C00000"/>
-                </a:solidFill>
-              </a:rPr>
-              <a:t>Step</a:t>
-            </a:r>
-            <a:endParaRPr lang="de-DE" sz="1200" b="1" dirty="0">
-              <a:solidFill>
-                <a:srgbClr val="C00000"/>
-              </a:solidFill>
-            </a:endParaRPr>
-          </a:p>
-        </p:txBody>
-      </p:sp>
-      <p:sp>
-        <p:nvSpPr>
-          <p:cNvPr id="115" name="Textfeld 114">
-            <a:extLst>
-              <a:ext uri="{FF2B5EF4-FFF2-40B4-BE49-F238E27FC236}">
-                <a16:creationId xmlns:a16="http://schemas.microsoft.com/office/drawing/2014/main" id="{0368F2AA-C770-47D1-BD36-306A97395317}"/>
-              </a:ext>
-            </a:extLst>
-          </p:cNvPr>
-          <p:cNvSpPr txBox="1"/>
-          <p:nvPr/>
-        </p:nvSpPr>
-        <p:spPr bwMode="gray">
-          <a:xfrm>
-            <a:off x="3451300" y="3394566"/>
-            <a:ext cx="914400" cy="914400"/>
-          </a:xfrm>
-          <a:prstGeom prst="rect">
-            <a:avLst/>
-          </a:prstGeom>
-          <a:noFill/>
-        </p:spPr>
-        <p:txBody>
-          <a:bodyPr wrap="none" lIns="0" tIns="0" rIns="0" bIns="0" rtlCol="0">
-            <a:noAutofit/>
-          </a:bodyPr>
-          <a:lstStyle/>
-          <a:p>
-            <a:pPr algn="l">
-              <a:buClr>
-                <a:schemeClr val="bg2"/>
-              </a:buClr>
-            </a:pPr>
-            <a:r>
-              <a:rPr lang="de-DE" sz="1200" b="1" dirty="0">
-                <a:solidFill>
-                  <a:srgbClr val="FF0000"/>
-                </a:solidFill>
-              </a:rPr>
-              <a:t>+5V</a:t>
-            </a:r>
-          </a:p>
-        </p:txBody>
-      </p:sp>
-      <p:sp>
-        <p:nvSpPr>
-          <p:cNvPr id="116" name="Textfeld 115">
-            <a:extLst>
-              <a:ext uri="{FF2B5EF4-FFF2-40B4-BE49-F238E27FC236}">
-                <a16:creationId xmlns:a16="http://schemas.microsoft.com/office/drawing/2014/main" id="{75D9F089-84B8-46B8-B422-35DEE5AA5F9C}"/>
-              </a:ext>
-            </a:extLst>
-          </p:cNvPr>
-          <p:cNvSpPr txBox="1"/>
-          <p:nvPr/>
-        </p:nvSpPr>
-        <p:spPr bwMode="gray">
-          <a:xfrm>
-            <a:off x="3421827" y="1561172"/>
-            <a:ext cx="914400" cy="914400"/>
-          </a:xfrm>
-          <a:prstGeom prst="rect">
-            <a:avLst/>
-          </a:prstGeom>
-          <a:noFill/>
-        </p:spPr>
-        <p:txBody>
-          <a:bodyPr wrap="none" lIns="0" tIns="0" rIns="0" bIns="0" rtlCol="0">
-            <a:noAutofit/>
-          </a:bodyPr>
-          <a:lstStyle/>
-          <a:p>
-            <a:pPr algn="l">
-              <a:buClr>
-                <a:schemeClr val="bg2"/>
-              </a:buClr>
-            </a:pPr>
-            <a:r>
-              <a:rPr lang="de-DE" sz="1200" b="1" dirty="0">
-                <a:solidFill>
-                  <a:srgbClr val="FF0000"/>
-                </a:solidFill>
-              </a:rPr>
-              <a:t>+5V</a:t>
-            </a:r>
-          </a:p>
-        </p:txBody>
-      </p:sp>
-      <p:sp>
-        <p:nvSpPr>
-          <p:cNvPr id="117" name="Textfeld 116">
-            <a:extLst>
-              <a:ext uri="{FF2B5EF4-FFF2-40B4-BE49-F238E27FC236}">
-                <a16:creationId xmlns:a16="http://schemas.microsoft.com/office/drawing/2014/main" id="{EAD0BF2A-9674-494D-B6BF-5291D38FA1F4}"/>
-              </a:ext>
-            </a:extLst>
-          </p:cNvPr>
-          <p:cNvSpPr txBox="1"/>
-          <p:nvPr/>
-        </p:nvSpPr>
-        <p:spPr bwMode="gray">
-          <a:xfrm>
-            <a:off x="825375" y="3813180"/>
-            <a:ext cx="914400" cy="914400"/>
-          </a:xfrm>
-          <a:prstGeom prst="rect">
-            <a:avLst/>
-          </a:prstGeom>
-          <a:noFill/>
-        </p:spPr>
-        <p:txBody>
-          <a:bodyPr wrap="none" lIns="0" tIns="0" rIns="0" bIns="0" rtlCol="0">
-            <a:noAutofit/>
-          </a:bodyPr>
-          <a:lstStyle/>
-          <a:p>
-            <a:pPr algn="l">
-              <a:buClr>
-                <a:schemeClr val="bg2"/>
-              </a:buClr>
-            </a:pPr>
-            <a:r>
-              <a:rPr lang="de-DE" sz="1200" b="1" dirty="0">
-                <a:solidFill>
-                  <a:srgbClr val="FF0000"/>
-                </a:solidFill>
-              </a:rPr>
-              <a:t>+3,3V</a:t>
-            </a:r>
-          </a:p>
-        </p:txBody>
-      </p:sp>
-      <p:sp>
-        <p:nvSpPr>
-          <p:cNvPr id="118" name="Textfeld 117">
-            <a:extLst>
-              <a:ext uri="{FF2B5EF4-FFF2-40B4-BE49-F238E27FC236}">
-                <a16:creationId xmlns:a16="http://schemas.microsoft.com/office/drawing/2014/main" id="{B1B546EF-83BB-4E9B-A6F5-CDB5CD896ACF}"/>
-              </a:ext>
-            </a:extLst>
-          </p:cNvPr>
-          <p:cNvSpPr txBox="1"/>
-          <p:nvPr/>
-        </p:nvSpPr>
-        <p:spPr bwMode="gray">
-          <a:xfrm>
-            <a:off x="3093703" y="4369863"/>
-            <a:ext cx="914400" cy="914400"/>
-          </a:xfrm>
-          <a:prstGeom prst="rect">
-            <a:avLst/>
-          </a:prstGeom>
-          <a:noFill/>
-        </p:spPr>
-        <p:txBody>
-          <a:bodyPr wrap="none" lIns="0" tIns="0" rIns="0" bIns="0" rtlCol="0">
-            <a:noAutofit/>
-          </a:bodyPr>
-          <a:lstStyle/>
-          <a:p>
-            <a:pPr algn="l">
-              <a:buClr>
-                <a:schemeClr val="bg2"/>
-              </a:buClr>
-            </a:pPr>
-            <a:r>
-              <a:rPr lang="de-DE" sz="1200" dirty="0"/>
-              <a:t>max. 4A</a:t>
-            </a:r>
-          </a:p>
-        </p:txBody>
-      </p:sp>
-      <p:sp>
-        <p:nvSpPr>
-          <p:cNvPr id="119" name="Textfeld 118">
-            <a:extLst>
-              <a:ext uri="{FF2B5EF4-FFF2-40B4-BE49-F238E27FC236}">
-                <a16:creationId xmlns:a16="http://schemas.microsoft.com/office/drawing/2014/main" id="{43E4FCC7-6F86-4675-A284-88B6EEDDC436}"/>
-              </a:ext>
-            </a:extLst>
-          </p:cNvPr>
-          <p:cNvSpPr txBox="1"/>
-          <p:nvPr/>
-        </p:nvSpPr>
-        <p:spPr bwMode="gray">
-          <a:xfrm>
-            <a:off x="1598327" y="2194318"/>
-            <a:ext cx="914400" cy="914400"/>
-          </a:xfrm>
-          <a:prstGeom prst="rect">
-            <a:avLst/>
-          </a:prstGeom>
-          <a:noFill/>
-        </p:spPr>
-        <p:txBody>
-          <a:bodyPr wrap="none" lIns="0" tIns="0" rIns="0" bIns="0" rtlCol="0">
-            <a:noAutofit/>
-          </a:bodyPr>
-          <a:lstStyle/>
-          <a:p>
-            <a:pPr algn="l">
-              <a:buClr>
-                <a:schemeClr val="bg2"/>
-              </a:buClr>
-            </a:pPr>
-            <a:r>
-              <a:rPr lang="de-DE" sz="1200" b="1" dirty="0"/>
-              <a:t>@3,4A</a:t>
-            </a:r>
-          </a:p>
-        </p:txBody>
-      </p:sp>
-      <p:sp>
-        <p:nvSpPr>
-          <p:cNvPr id="120" name="Textfeld 119">
-            <a:extLst>
-              <a:ext uri="{FF2B5EF4-FFF2-40B4-BE49-F238E27FC236}">
-                <a16:creationId xmlns:a16="http://schemas.microsoft.com/office/drawing/2014/main" id="{4C12CA60-B7BA-43CB-97D0-F533003D53B1}"/>
-              </a:ext>
-            </a:extLst>
-          </p:cNvPr>
-          <p:cNvSpPr txBox="1"/>
-          <p:nvPr/>
-        </p:nvSpPr>
-        <p:spPr bwMode="gray">
-          <a:xfrm>
-            <a:off x="1556050" y="4154967"/>
-            <a:ext cx="914400" cy="914400"/>
-          </a:xfrm>
-          <a:prstGeom prst="rect">
-            <a:avLst/>
-          </a:prstGeom>
-          <a:noFill/>
-        </p:spPr>
-        <p:txBody>
-          <a:bodyPr wrap="none" lIns="0" tIns="0" rIns="0" bIns="0" rtlCol="0">
-            <a:noAutofit/>
-          </a:bodyPr>
-          <a:lstStyle/>
-          <a:p>
-            <a:pPr algn="l">
-              <a:buClr>
-                <a:schemeClr val="bg2"/>
-              </a:buClr>
-            </a:pPr>
-            <a:r>
-              <a:rPr lang="de-DE" sz="1200" b="1" dirty="0"/>
-              <a:t>@3,4A</a:t>
-            </a:r>
-          </a:p>
-        </p:txBody>
-      </p:sp>
-      <p:sp>
-        <p:nvSpPr>
-          <p:cNvPr id="122" name="Textfeld 121">
-            <a:extLst>
-              <a:ext uri="{FF2B5EF4-FFF2-40B4-BE49-F238E27FC236}">
-                <a16:creationId xmlns:a16="http://schemas.microsoft.com/office/drawing/2014/main" id="{801F09FE-C194-4A18-8FE4-68535772C662}"/>
-              </a:ext>
-            </a:extLst>
-          </p:cNvPr>
-          <p:cNvSpPr txBox="1"/>
-          <p:nvPr/>
-        </p:nvSpPr>
-        <p:spPr bwMode="gray">
-          <a:xfrm>
-            <a:off x="3149983" y="2686049"/>
-            <a:ext cx="914400" cy="914400"/>
-          </a:xfrm>
-          <a:prstGeom prst="rect">
-            <a:avLst/>
-          </a:prstGeom>
-          <a:noFill/>
-        </p:spPr>
-        <p:txBody>
-          <a:bodyPr wrap="none" lIns="0" tIns="0" rIns="0" bIns="0" rtlCol="0">
-            <a:noAutofit/>
-          </a:bodyPr>
-          <a:lstStyle/>
-          <a:p>
-            <a:pPr algn="l">
-              <a:buClr>
-                <a:schemeClr val="bg2"/>
-              </a:buClr>
-            </a:pPr>
-            <a:r>
-              <a:rPr lang="de-DE" sz="1200" dirty="0"/>
-              <a:t>max. 4A</a:t>
-            </a:r>
-          </a:p>
-        </p:txBody>
-      </p:sp>
-      <p:sp>
-        <p:nvSpPr>
-          <p:cNvPr id="123" name="Ellipse 122">
-            <a:extLst>
-              <a:ext uri="{FF2B5EF4-FFF2-40B4-BE49-F238E27FC236}">
-                <a16:creationId xmlns:a16="http://schemas.microsoft.com/office/drawing/2014/main" id="{54953857-28F7-4CA0-97B0-900D0B1E8771}"/>
-              </a:ext>
-            </a:extLst>
-          </p:cNvPr>
-          <p:cNvSpPr/>
-          <p:nvPr/>
-        </p:nvSpPr>
-        <p:spPr bwMode="gray">
-          <a:xfrm>
-            <a:off x="9735585" y="3605022"/>
-            <a:ext cx="842396" cy="864866"/>
-          </a:xfrm>
-          <a:prstGeom prst="ellipse">
-            <a:avLst/>
-          </a:prstGeom>
-          <a:noFill/>
           <a:ln w="19050">
             <a:solidFill>
-              <a:schemeClr val="tx1"/>
+              <a:schemeClr val="accent1"/>
             </a:solidFill>
           </a:ln>
         </p:spPr>
         <p:style>
-          <a:lnRef idx="2">
-            <a:schemeClr val="accent1">
-              <a:shade val="50000"/>
-            </a:schemeClr>
+          <a:lnRef idx="1">
+            <a:schemeClr val="accent1"/>
           </a:lnRef>
-          <a:fillRef idx="1">
+          <a:fillRef idx="0">
             <a:schemeClr val="accent1"/>
           </a:fillRef>
           <a:effectRef idx="0">
             <a:schemeClr val="accent1"/>
           </a:effectRef>
           <a:fontRef idx="minor">
-            <a:schemeClr val="lt1"/>
+            <a:schemeClr val="tx1"/>
           </a:fontRef>
         </p:style>
         <p:txBody>
@@ -16647,17 +18856,9 @@
           <a:lstStyle/>
           <a:p>
             <a:pPr algn="ctr"/>
-            <a:r>
-              <a:rPr lang="de-DE" b="1" dirty="0">
-                <a:solidFill>
-                  <a:schemeClr val="tx1"/>
-                </a:solidFill>
-              </a:rPr>
-              <a:t>M</a:t>
-            </a:r>
-            <a:endParaRPr lang="de-DE" sz="1200" b="1" dirty="0">
+            <a:endParaRPr lang="de-DE" sz="1200">
               <a:solidFill>
-                <a:schemeClr val="tx1"/>
+                <a:schemeClr val="bg1"/>
               </a:solidFill>
             </a:endParaRPr>
           </a:p>
@@ -16665,49 +18866,41 @@
       </p:sp>
       <p:cxnSp>
         <p:nvCxnSpPr>
-          <p:cNvPr id="127" name="Verbinder: gewinkelt 126">
-            <a:extLst>
-              <a:ext uri="{FF2B5EF4-FFF2-40B4-BE49-F238E27FC236}">
-                <a16:creationId xmlns:a16="http://schemas.microsoft.com/office/drawing/2014/main" id="{A3AF57BB-8660-4688-A666-AA1ED102585B}"/>
+          <p:cNvPr id="71" name="Gerader Verbinder 70">
+            <a:extLst>
+              <a:ext uri="{FF2B5EF4-FFF2-40B4-BE49-F238E27FC236}">
+                <a16:creationId xmlns:a16="http://schemas.microsoft.com/office/drawing/2014/main" id="{F1FDAB28-F267-425F-9BBA-CD415B372773}"/>
               </a:ext>
             </a:extLst>
           </p:cNvPr>
           <p:cNvCxnSpPr>
             <a:cxnSpLocks/>
-            <a:endCxn id="80" idx="1"/>
           </p:cNvCxnSpPr>
           <p:nvPr/>
         </p:nvCxnSpPr>
         <p:spPr bwMode="gray">
-          <a:xfrm flipV="1">
-            <a:off x="6012284" y="4051295"/>
-            <a:ext cx="655206" cy="7859"/>
-          </a:xfrm>
-          <a:prstGeom prst="bentConnector3">
-            <a:avLst>
-              <a:gd name="adj1" fmla="val 50000"/>
-            </a:avLst>
+          <a:xfrm>
+            <a:off x="3070596" y="2539381"/>
+            <a:ext cx="0" cy="296416"/>
+          </a:xfrm>
+          <a:prstGeom prst="line">
+            <a:avLst/>
           </a:prstGeom>
           <a:ln w="19050">
             <a:solidFill>
-              <a:schemeClr val="accent6">
-                <a:lumMod val="75000"/>
-              </a:schemeClr>
+              <a:schemeClr val="accent1"/>
             </a:solidFill>
-            <a:prstDash val="dashDot"/>
-            <a:headEnd type="none" w="med" len="med"/>
-            <a:tailEnd type="arrow" w="med" len="med"/>
           </a:ln>
         </p:spPr>
         <p:style>
           <a:lnRef idx="1">
-            <a:schemeClr val="accent6"/>
+            <a:schemeClr val="accent1"/>
           </a:lnRef>
           <a:fillRef idx="0">
-            <a:schemeClr val="accent6"/>
+            <a:schemeClr val="accent1"/>
           </a:fillRef>
           <a:effectRef idx="0">
-            <a:schemeClr val="accent6"/>
+            <a:schemeClr val="accent1"/>
           </a:effectRef>
           <a:fontRef idx="minor">
             <a:schemeClr val="tx1"/>
@@ -16716,10 +18909,149 @@
       </p:cxnSp>
       <p:sp>
         <p:nvSpPr>
-          <p:cNvPr id="141" name="Textfeld 140">
-            <a:extLst>
-              <a:ext uri="{FF2B5EF4-FFF2-40B4-BE49-F238E27FC236}">
-                <a16:creationId xmlns:a16="http://schemas.microsoft.com/office/drawing/2014/main" id="{E37F73F3-CDC6-4663-9F64-204E7DED7D3C}"/>
+          <p:cNvPr id="72" name="Rechteck 71">
+            <a:extLst>
+              <a:ext uri="{FF2B5EF4-FFF2-40B4-BE49-F238E27FC236}">
+                <a16:creationId xmlns:a16="http://schemas.microsoft.com/office/drawing/2014/main" id="{B541BDA8-B4DE-4D81-9E30-AEE8CCDACD54}"/>
+              </a:ext>
+            </a:extLst>
+          </p:cNvPr>
+          <p:cNvSpPr/>
+          <p:nvPr/>
+        </p:nvSpPr>
+        <p:spPr bwMode="gray">
+          <a:xfrm>
+            <a:off x="2993747" y="2824323"/>
+            <a:ext cx="144009" cy="216020"/>
+          </a:xfrm>
+          <a:prstGeom prst="rect">
+            <a:avLst/>
+          </a:prstGeom>
+          <a:ln w="19050">
+            <a:solidFill>
+              <a:schemeClr val="accent1"/>
+            </a:solidFill>
+          </a:ln>
+        </p:spPr>
+        <p:style>
+          <a:lnRef idx="1">
+            <a:schemeClr val="accent1"/>
+          </a:lnRef>
+          <a:fillRef idx="0">
+            <a:schemeClr val="accent1"/>
+          </a:fillRef>
+          <a:effectRef idx="0">
+            <a:schemeClr val="accent1"/>
+          </a:effectRef>
+          <a:fontRef idx="minor">
+            <a:schemeClr val="tx1"/>
+          </a:fontRef>
+        </p:style>
+        <p:txBody>
+          <a:bodyPr lIns="72000" tIns="72000" rIns="72000" bIns="72000" rtlCol="0" anchor="ctr"/>
+          <a:lstStyle/>
+          <a:p>
+            <a:pPr algn="ctr"/>
+            <a:endParaRPr lang="de-DE" sz="1200">
+              <a:solidFill>
+                <a:schemeClr val="bg1"/>
+              </a:solidFill>
+            </a:endParaRPr>
+          </a:p>
+        </p:txBody>
+      </p:sp>
+      <p:cxnSp>
+        <p:nvCxnSpPr>
+          <p:cNvPr id="75" name="Gerader Verbinder 74">
+            <a:extLst>
+              <a:ext uri="{FF2B5EF4-FFF2-40B4-BE49-F238E27FC236}">
+                <a16:creationId xmlns:a16="http://schemas.microsoft.com/office/drawing/2014/main" id="{55F131AB-4B9E-41EF-8120-8E650A93713A}"/>
+              </a:ext>
+            </a:extLst>
+          </p:cNvPr>
+          <p:cNvCxnSpPr>
+            <a:cxnSpLocks/>
+          </p:cNvCxnSpPr>
+          <p:nvPr/>
+        </p:nvCxnSpPr>
+        <p:spPr bwMode="gray">
+          <a:xfrm>
+            <a:off x="3062510" y="3040343"/>
+            <a:ext cx="0" cy="100625"/>
+          </a:xfrm>
+          <a:prstGeom prst="line">
+            <a:avLst/>
+          </a:prstGeom>
+          <a:ln w="19050">
+            <a:solidFill>
+              <a:schemeClr val="accent1"/>
+            </a:solidFill>
+          </a:ln>
+        </p:spPr>
+        <p:style>
+          <a:lnRef idx="1">
+            <a:schemeClr val="accent1"/>
+          </a:lnRef>
+          <a:fillRef idx="0">
+            <a:schemeClr val="accent1"/>
+          </a:fillRef>
+          <a:effectRef idx="0">
+            <a:schemeClr val="accent1"/>
+          </a:effectRef>
+          <a:fontRef idx="minor">
+            <a:schemeClr val="tx1"/>
+          </a:fontRef>
+        </p:style>
+      </p:cxnSp>
+      <p:cxnSp>
+        <p:nvCxnSpPr>
+          <p:cNvPr id="76" name="Gerader Verbinder 75">
+            <a:extLst>
+              <a:ext uri="{FF2B5EF4-FFF2-40B4-BE49-F238E27FC236}">
+                <a16:creationId xmlns:a16="http://schemas.microsoft.com/office/drawing/2014/main" id="{7E5449DE-7AF5-4F10-A8DF-4FF83E9D9559}"/>
+              </a:ext>
+            </a:extLst>
+          </p:cNvPr>
+          <p:cNvCxnSpPr>
+            <a:cxnSpLocks/>
+          </p:cNvCxnSpPr>
+          <p:nvPr/>
+        </p:nvCxnSpPr>
+        <p:spPr bwMode="gray">
+          <a:xfrm>
+            <a:off x="2999656" y="3140968"/>
+            <a:ext cx="144016" cy="0"/>
+          </a:xfrm>
+          <a:prstGeom prst="line">
+            <a:avLst/>
+          </a:prstGeom>
+          <a:ln w="19050">
+            <a:solidFill>
+              <a:schemeClr val="accent1"/>
+            </a:solidFill>
+          </a:ln>
+        </p:spPr>
+        <p:style>
+          <a:lnRef idx="1">
+            <a:schemeClr val="accent1"/>
+          </a:lnRef>
+          <a:fillRef idx="0">
+            <a:schemeClr val="accent1"/>
+          </a:fillRef>
+          <a:effectRef idx="0">
+            <a:schemeClr val="accent1"/>
+          </a:effectRef>
+          <a:fontRef idx="minor">
+            <a:schemeClr val="tx1"/>
+          </a:fontRef>
+        </p:style>
+      </p:cxnSp>
+      <p:sp>
+        <p:nvSpPr>
+          <p:cNvPr id="16" name="Textfeld 15">
+            <a:extLst>
+              <a:ext uri="{FF2B5EF4-FFF2-40B4-BE49-F238E27FC236}">
+                <a16:creationId xmlns:a16="http://schemas.microsoft.com/office/drawing/2014/main" id="{CE57FFEA-8A97-4397-8497-BAD48BE465EE}"/>
               </a:ext>
             </a:extLst>
           </p:cNvPr>
@@ -16728,8 +19060,8 @@
         </p:nvSpPr>
         <p:spPr bwMode="gray">
           <a:xfrm>
-            <a:off x="4973961" y="3669814"/>
-            <a:ext cx="914400" cy="914400"/>
+            <a:off x="3194923" y="2393760"/>
+            <a:ext cx="293998" cy="152255"/>
           </a:xfrm>
           <a:prstGeom prst="rect">
             <a:avLst/>
@@ -16748,20 +19080,1465 @@
               </a:buClr>
             </a:pPr>
             <a:r>
-              <a:rPr lang="de-DE" sz="1200" b="1" dirty="0">
-                <a:solidFill>
-                  <a:srgbClr val="00B050"/>
-                </a:solidFill>
-              </a:rPr>
-              <a:t>A0</a:t>
-            </a:r>
-          </a:p>
-        </p:txBody>
-      </p:sp>
+              <a:rPr lang="de-DE" sz="1200" dirty="0"/>
+              <a:t>R1</a:t>
+            </a:r>
+          </a:p>
+        </p:txBody>
+      </p:sp>
+      <p:sp>
+        <p:nvSpPr>
+          <p:cNvPr id="78" name="Textfeld 77">
+            <a:extLst>
+              <a:ext uri="{FF2B5EF4-FFF2-40B4-BE49-F238E27FC236}">
+                <a16:creationId xmlns:a16="http://schemas.microsoft.com/office/drawing/2014/main" id="{53099E32-6701-4DA0-A86A-BA9917D88727}"/>
+              </a:ext>
+            </a:extLst>
+          </p:cNvPr>
+          <p:cNvSpPr txBox="1"/>
+          <p:nvPr/>
+        </p:nvSpPr>
+        <p:spPr bwMode="gray">
+          <a:xfrm>
+            <a:off x="3205102" y="2886440"/>
+            <a:ext cx="293998" cy="152255"/>
+          </a:xfrm>
+          <a:prstGeom prst="rect">
+            <a:avLst/>
+          </a:prstGeom>
+          <a:noFill/>
+        </p:spPr>
+        <p:txBody>
+          <a:bodyPr wrap="none" lIns="0" tIns="0" rIns="0" bIns="0" rtlCol="0">
+            <a:noAutofit/>
+          </a:bodyPr>
+          <a:lstStyle/>
+          <a:p>
+            <a:pPr algn="l">
+              <a:buClr>
+                <a:schemeClr val="bg2"/>
+              </a:buClr>
+            </a:pPr>
+            <a:r>
+              <a:rPr lang="de-DE" sz="1200" dirty="0"/>
+              <a:t>R2</a:t>
+            </a:r>
+          </a:p>
+        </p:txBody>
+      </p:sp>
+      <p:cxnSp>
+        <p:nvCxnSpPr>
+          <p:cNvPr id="82" name="Gerader Verbinder 81">
+            <a:extLst>
+              <a:ext uri="{FF2B5EF4-FFF2-40B4-BE49-F238E27FC236}">
+                <a16:creationId xmlns:a16="http://schemas.microsoft.com/office/drawing/2014/main" id="{984D26E5-686C-4625-8D8F-2371BB1175BD}"/>
+              </a:ext>
+            </a:extLst>
+          </p:cNvPr>
+          <p:cNvCxnSpPr>
+            <a:cxnSpLocks/>
+          </p:cNvCxnSpPr>
+          <p:nvPr/>
+        </p:nvCxnSpPr>
+        <p:spPr bwMode="gray">
+          <a:xfrm flipH="1">
+            <a:off x="2711624" y="2687589"/>
+            <a:ext cx="350887" cy="0"/>
+          </a:xfrm>
+          <a:prstGeom prst="line">
+            <a:avLst/>
+          </a:prstGeom>
+          <a:ln w="19050">
+            <a:solidFill>
+              <a:schemeClr val="accent4"/>
+            </a:solidFill>
+            <a:prstDash val="dashDot"/>
+          </a:ln>
+        </p:spPr>
+        <p:style>
+          <a:lnRef idx="1">
+            <a:schemeClr val="accent1"/>
+          </a:lnRef>
+          <a:fillRef idx="0">
+            <a:schemeClr val="accent1"/>
+          </a:fillRef>
+          <a:effectRef idx="0">
+            <a:schemeClr val="accent1"/>
+          </a:effectRef>
+          <a:fontRef idx="minor">
+            <a:schemeClr val="tx1"/>
+          </a:fontRef>
+        </p:style>
+      </p:cxnSp>
+      <p:cxnSp>
+        <p:nvCxnSpPr>
+          <p:cNvPr id="83" name="Gerader Verbinder 82">
+            <a:extLst>
+              <a:ext uri="{FF2B5EF4-FFF2-40B4-BE49-F238E27FC236}">
+                <a16:creationId xmlns:a16="http://schemas.microsoft.com/office/drawing/2014/main" id="{CA8D113D-CFC8-47EC-87AB-D0B83BFFAB55}"/>
+              </a:ext>
+            </a:extLst>
+          </p:cNvPr>
+          <p:cNvCxnSpPr>
+            <a:cxnSpLocks/>
+          </p:cNvCxnSpPr>
+          <p:nvPr/>
+        </p:nvCxnSpPr>
+        <p:spPr bwMode="gray">
+          <a:xfrm flipH="1">
+            <a:off x="2711624" y="2693276"/>
+            <a:ext cx="3042" cy="896001"/>
+          </a:xfrm>
+          <a:prstGeom prst="line">
+            <a:avLst/>
+          </a:prstGeom>
+          <a:ln w="19050">
+            <a:solidFill>
+              <a:schemeClr val="accent4"/>
+            </a:solidFill>
+            <a:prstDash val="dashDot"/>
+          </a:ln>
+        </p:spPr>
+        <p:style>
+          <a:lnRef idx="1">
+            <a:schemeClr val="accent1"/>
+          </a:lnRef>
+          <a:fillRef idx="0">
+            <a:schemeClr val="accent1"/>
+          </a:fillRef>
+          <a:effectRef idx="0">
+            <a:schemeClr val="accent1"/>
+          </a:effectRef>
+          <a:fontRef idx="minor">
+            <a:schemeClr val="tx1"/>
+          </a:fontRef>
+        </p:style>
+      </p:cxnSp>
+      <p:cxnSp>
+        <p:nvCxnSpPr>
+          <p:cNvPr id="84" name="Gerader Verbinder 83">
+            <a:extLst>
+              <a:ext uri="{FF2B5EF4-FFF2-40B4-BE49-F238E27FC236}">
+                <a16:creationId xmlns:a16="http://schemas.microsoft.com/office/drawing/2014/main" id="{858AABDF-47A1-4EE9-9C1E-09E4439F5FA7}"/>
+              </a:ext>
+            </a:extLst>
+          </p:cNvPr>
+          <p:cNvCxnSpPr>
+            <a:cxnSpLocks/>
+          </p:cNvCxnSpPr>
+          <p:nvPr/>
+        </p:nvCxnSpPr>
+        <p:spPr bwMode="gray">
+          <a:xfrm>
+            <a:off x="3123691" y="4337348"/>
+            <a:ext cx="0" cy="100625"/>
+          </a:xfrm>
+          <a:prstGeom prst="line">
+            <a:avLst/>
+          </a:prstGeom>
+          <a:ln w="19050">
+            <a:solidFill>
+              <a:schemeClr val="accent1"/>
+            </a:solidFill>
+          </a:ln>
+        </p:spPr>
+        <p:style>
+          <a:lnRef idx="1">
+            <a:schemeClr val="accent1"/>
+          </a:lnRef>
+          <a:fillRef idx="0">
+            <a:schemeClr val="accent1"/>
+          </a:fillRef>
+          <a:effectRef idx="0">
+            <a:schemeClr val="accent1"/>
+          </a:effectRef>
+          <a:fontRef idx="minor">
+            <a:schemeClr val="tx1"/>
+          </a:fontRef>
+        </p:style>
+      </p:cxnSp>
+      <p:cxnSp>
+        <p:nvCxnSpPr>
+          <p:cNvPr id="85" name="Gerader Verbinder 84">
+            <a:extLst>
+              <a:ext uri="{FF2B5EF4-FFF2-40B4-BE49-F238E27FC236}">
+                <a16:creationId xmlns:a16="http://schemas.microsoft.com/office/drawing/2014/main" id="{370C616B-BDE0-47A4-A260-12B550EA83EE}"/>
+              </a:ext>
+            </a:extLst>
+          </p:cNvPr>
+          <p:cNvCxnSpPr>
+            <a:cxnSpLocks/>
+          </p:cNvCxnSpPr>
+          <p:nvPr/>
+        </p:nvCxnSpPr>
+        <p:spPr bwMode="gray">
+          <a:xfrm>
+            <a:off x="3060837" y="4437973"/>
+            <a:ext cx="144016" cy="0"/>
+          </a:xfrm>
+          <a:prstGeom prst="line">
+            <a:avLst/>
+          </a:prstGeom>
+          <a:ln w="19050">
+            <a:solidFill>
+              <a:schemeClr val="accent1"/>
+            </a:solidFill>
+          </a:ln>
+        </p:spPr>
+        <p:style>
+          <a:lnRef idx="1">
+            <a:schemeClr val="accent1"/>
+          </a:lnRef>
+          <a:fillRef idx="0">
+            <a:schemeClr val="accent1"/>
+          </a:fillRef>
+          <a:effectRef idx="0">
+            <a:schemeClr val="accent1"/>
+          </a:effectRef>
+          <a:fontRef idx="minor">
+            <a:schemeClr val="tx1"/>
+          </a:fontRef>
+        </p:style>
+      </p:cxnSp>
     </p:spTree>
     <p:extLst>
       <p:ext uri="{BB962C8B-B14F-4D97-AF65-F5344CB8AC3E}">
-        <p14:creationId xmlns:p14="http://schemas.microsoft.com/office/powerpoint/2010/main" val="2878349194"/>
+        <p14:creationId xmlns:p14="http://schemas.microsoft.com/office/powerpoint/2010/main" val="325314312"/>
+      </p:ext>
+    </p:extLst>
+  </p:cSld>
+  <p:clrMapOvr>
+    <a:masterClrMapping/>
+  </p:clrMapOvr>
+  <mc:AlternateContent xmlns:mc="http://schemas.openxmlformats.org/markup-compatibility/2006">
+    <mc:Choice xmlns:p14="http://schemas.microsoft.com/office/powerpoint/2010/main" Requires="p14">
+      <p:transition spd="med" p14:dur="700">
+        <p:fade/>
+      </p:transition>
+    </mc:Choice>
+    <mc:Fallback>
+      <p:transition spd="med">
+        <p:fade/>
+      </p:transition>
+    </mc:Fallback>
+  </mc:AlternateContent>
+</p:sld>
+</file>
+
+<file path=ppt/slides/slide3.xml><?xml version="1.0" encoding="utf-8"?>
+<p:sld xmlns:a="http://schemas.openxmlformats.org/drawingml/2006/main" xmlns:r="http://schemas.openxmlformats.org/officeDocument/2006/relationships" xmlns:p="http://schemas.openxmlformats.org/presentationml/2006/main">
+  <p:cSld>
+    <p:spTree>
+      <p:nvGrpSpPr>
+        <p:cNvPr id="1" name=""/>
+        <p:cNvGrpSpPr/>
+        <p:nvPr/>
+      </p:nvGrpSpPr>
+      <p:grpSpPr>
+        <a:xfrm>
+          <a:off x="0" y="0"/>
+          <a:ext cx="0" cy="0"/>
+          <a:chOff x="0" y="0"/>
+          <a:chExt cx="0" cy="0"/>
+        </a:xfrm>
+      </p:grpSpPr>
+      <p:cxnSp>
+        <p:nvCxnSpPr>
+          <p:cNvPr id="9" name="Gerader Verbinder 8">
+            <a:extLst>
+              <a:ext uri="{FF2B5EF4-FFF2-40B4-BE49-F238E27FC236}">
+                <a16:creationId xmlns:a16="http://schemas.microsoft.com/office/drawing/2014/main" id="{9F6BEFE7-8FB8-4CCE-A80A-97A41D1386DF}"/>
+              </a:ext>
+            </a:extLst>
+          </p:cNvPr>
+          <p:cNvCxnSpPr/>
+          <p:nvPr/>
+        </p:nvCxnSpPr>
+        <p:spPr bwMode="gray">
+          <a:xfrm>
+            <a:off x="407368" y="1556792"/>
+            <a:ext cx="11089232" cy="0"/>
+          </a:xfrm>
+          <a:prstGeom prst="line">
+            <a:avLst/>
+          </a:prstGeom>
+          <a:ln w="19050"/>
+        </p:spPr>
+        <p:style>
+          <a:lnRef idx="1">
+            <a:schemeClr val="dk1"/>
+          </a:lnRef>
+          <a:fillRef idx="0">
+            <a:schemeClr val="dk1"/>
+          </a:fillRef>
+          <a:effectRef idx="0">
+            <a:schemeClr val="dk1"/>
+          </a:effectRef>
+          <a:fontRef idx="minor">
+            <a:schemeClr val="tx1"/>
+          </a:fontRef>
+        </p:style>
+      </p:cxnSp>
+      <p:cxnSp>
+        <p:nvCxnSpPr>
+          <p:cNvPr id="10" name="Gerader Verbinder 9">
+            <a:extLst>
+              <a:ext uri="{FF2B5EF4-FFF2-40B4-BE49-F238E27FC236}">
+                <a16:creationId xmlns:a16="http://schemas.microsoft.com/office/drawing/2014/main" id="{BAD8A59B-4B95-4DB0-8742-908A883A6A36}"/>
+              </a:ext>
+            </a:extLst>
+          </p:cNvPr>
+          <p:cNvCxnSpPr/>
+          <p:nvPr/>
+        </p:nvCxnSpPr>
+        <p:spPr bwMode="gray">
+          <a:xfrm>
+            <a:off x="551384" y="5877272"/>
+            <a:ext cx="11089232" cy="0"/>
+          </a:xfrm>
+          <a:prstGeom prst="line">
+            <a:avLst/>
+          </a:prstGeom>
+          <a:ln w="19050"/>
+        </p:spPr>
+        <p:style>
+          <a:lnRef idx="1">
+            <a:schemeClr val="dk1"/>
+          </a:lnRef>
+          <a:fillRef idx="0">
+            <a:schemeClr val="dk1"/>
+          </a:fillRef>
+          <a:effectRef idx="0">
+            <a:schemeClr val="dk1"/>
+          </a:effectRef>
+          <a:fontRef idx="minor">
+            <a:schemeClr val="tx1"/>
+          </a:fontRef>
+        </p:style>
+      </p:cxnSp>
+      <p:cxnSp>
+        <p:nvCxnSpPr>
+          <p:cNvPr id="11" name="Gerader Verbinder 10">
+            <a:extLst>
+              <a:ext uri="{FF2B5EF4-FFF2-40B4-BE49-F238E27FC236}">
+                <a16:creationId xmlns:a16="http://schemas.microsoft.com/office/drawing/2014/main" id="{7FBB844B-BD4E-4329-8899-76C748661AD2}"/>
+              </a:ext>
+            </a:extLst>
+          </p:cNvPr>
+          <p:cNvCxnSpPr>
+            <a:cxnSpLocks/>
+          </p:cNvCxnSpPr>
+          <p:nvPr/>
+        </p:nvCxnSpPr>
+        <p:spPr bwMode="gray">
+          <a:xfrm>
+            <a:off x="3143672" y="1556792"/>
+            <a:ext cx="0" cy="144016"/>
+          </a:xfrm>
+          <a:prstGeom prst="line">
+            <a:avLst/>
+          </a:prstGeom>
+          <a:ln w="19050"/>
+        </p:spPr>
+        <p:style>
+          <a:lnRef idx="1">
+            <a:schemeClr val="dk1"/>
+          </a:lnRef>
+          <a:fillRef idx="0">
+            <a:schemeClr val="dk1"/>
+          </a:fillRef>
+          <a:effectRef idx="0">
+            <a:schemeClr val="dk1"/>
+          </a:effectRef>
+          <a:fontRef idx="minor">
+            <a:schemeClr val="tx1"/>
+          </a:fontRef>
+        </p:style>
+      </p:cxnSp>
+      <p:cxnSp>
+        <p:nvCxnSpPr>
+          <p:cNvPr id="14" name="Gerader Verbinder 13">
+            <a:extLst>
+              <a:ext uri="{FF2B5EF4-FFF2-40B4-BE49-F238E27FC236}">
+                <a16:creationId xmlns:a16="http://schemas.microsoft.com/office/drawing/2014/main" id="{B2828E7B-AB9E-4F77-8023-EA65DA283A98}"/>
+              </a:ext>
+            </a:extLst>
+          </p:cNvPr>
+          <p:cNvCxnSpPr>
+            <a:cxnSpLocks/>
+          </p:cNvCxnSpPr>
+          <p:nvPr/>
+        </p:nvCxnSpPr>
+        <p:spPr bwMode="gray">
+          <a:xfrm>
+            <a:off x="3143672" y="1700808"/>
+            <a:ext cx="216024" cy="0"/>
+          </a:xfrm>
+          <a:prstGeom prst="line">
+            <a:avLst/>
+          </a:prstGeom>
+          <a:ln w="19050"/>
+        </p:spPr>
+        <p:style>
+          <a:lnRef idx="1">
+            <a:schemeClr val="dk1"/>
+          </a:lnRef>
+          <a:fillRef idx="0">
+            <a:schemeClr val="dk1"/>
+          </a:fillRef>
+          <a:effectRef idx="0">
+            <a:schemeClr val="dk1"/>
+          </a:effectRef>
+          <a:fontRef idx="minor">
+            <a:schemeClr val="tx1"/>
+          </a:fontRef>
+        </p:style>
+      </p:cxnSp>
+      <p:cxnSp>
+        <p:nvCxnSpPr>
+          <p:cNvPr id="17" name="Gerader Verbinder 16">
+            <a:extLst>
+              <a:ext uri="{FF2B5EF4-FFF2-40B4-BE49-F238E27FC236}">
+                <a16:creationId xmlns:a16="http://schemas.microsoft.com/office/drawing/2014/main" id="{685B8691-CD53-4A77-9492-4278BEC4B268}"/>
+              </a:ext>
+            </a:extLst>
+          </p:cNvPr>
+          <p:cNvCxnSpPr>
+            <a:cxnSpLocks/>
+          </p:cNvCxnSpPr>
+          <p:nvPr/>
+        </p:nvCxnSpPr>
+        <p:spPr bwMode="gray">
+          <a:xfrm flipH="1">
+            <a:off x="3143672" y="1700808"/>
+            <a:ext cx="144016" cy="360040"/>
+          </a:xfrm>
+          <a:prstGeom prst="line">
+            <a:avLst/>
+          </a:prstGeom>
+          <a:ln w="19050"/>
+        </p:spPr>
+        <p:style>
+          <a:lnRef idx="1">
+            <a:schemeClr val="dk1"/>
+          </a:lnRef>
+          <a:fillRef idx="0">
+            <a:schemeClr val="dk1"/>
+          </a:fillRef>
+          <a:effectRef idx="0">
+            <a:schemeClr val="dk1"/>
+          </a:effectRef>
+          <a:fontRef idx="minor">
+            <a:schemeClr val="tx1"/>
+          </a:fontRef>
+        </p:style>
+      </p:cxnSp>
+      <p:cxnSp>
+        <p:nvCxnSpPr>
+          <p:cNvPr id="21" name="Gerader Verbinder 20">
+            <a:extLst>
+              <a:ext uri="{FF2B5EF4-FFF2-40B4-BE49-F238E27FC236}">
+                <a16:creationId xmlns:a16="http://schemas.microsoft.com/office/drawing/2014/main" id="{B990C7CA-558F-4E30-8C9E-0F9AB4AB4F9B}"/>
+              </a:ext>
+            </a:extLst>
+          </p:cNvPr>
+          <p:cNvCxnSpPr>
+            <a:cxnSpLocks/>
+            <a:endCxn id="25" idx="0"/>
+          </p:cNvCxnSpPr>
+          <p:nvPr/>
+        </p:nvCxnSpPr>
+        <p:spPr bwMode="gray">
+          <a:xfrm>
+            <a:off x="3143672" y="3108395"/>
+            <a:ext cx="0" cy="896669"/>
+          </a:xfrm>
+          <a:prstGeom prst="line">
+            <a:avLst/>
+          </a:prstGeom>
+          <a:ln w="19050"/>
+        </p:spPr>
+        <p:style>
+          <a:lnRef idx="1">
+            <a:schemeClr val="dk1"/>
+          </a:lnRef>
+          <a:fillRef idx="0">
+            <a:schemeClr val="dk1"/>
+          </a:fillRef>
+          <a:effectRef idx="0">
+            <a:schemeClr val="dk1"/>
+          </a:effectRef>
+          <a:fontRef idx="minor">
+            <a:schemeClr val="tx1"/>
+          </a:fontRef>
+        </p:style>
+      </p:cxnSp>
+      <p:cxnSp>
+        <p:nvCxnSpPr>
+          <p:cNvPr id="24" name="Gerader Verbinder 23">
+            <a:extLst>
+              <a:ext uri="{FF2B5EF4-FFF2-40B4-BE49-F238E27FC236}">
+                <a16:creationId xmlns:a16="http://schemas.microsoft.com/office/drawing/2014/main" id="{F902CD25-AC03-453B-8F41-2D1A3B30CCCE}"/>
+              </a:ext>
+            </a:extLst>
+          </p:cNvPr>
+          <p:cNvCxnSpPr>
+            <a:cxnSpLocks/>
+          </p:cNvCxnSpPr>
+          <p:nvPr/>
+        </p:nvCxnSpPr>
+        <p:spPr bwMode="gray">
+          <a:xfrm>
+            <a:off x="3143672" y="4509120"/>
+            <a:ext cx="0" cy="1368152"/>
+          </a:xfrm>
+          <a:prstGeom prst="line">
+            <a:avLst/>
+          </a:prstGeom>
+          <a:ln w="19050"/>
+        </p:spPr>
+        <p:style>
+          <a:lnRef idx="1">
+            <a:schemeClr val="dk1"/>
+          </a:lnRef>
+          <a:fillRef idx="0">
+            <a:schemeClr val="dk1"/>
+          </a:fillRef>
+          <a:effectRef idx="0">
+            <a:schemeClr val="dk1"/>
+          </a:effectRef>
+          <a:fontRef idx="minor">
+            <a:schemeClr val="tx1"/>
+          </a:fontRef>
+        </p:style>
+      </p:cxnSp>
+      <p:sp>
+        <p:nvSpPr>
+          <p:cNvPr id="25" name="Rechteck 24">
+            <a:extLst>
+              <a:ext uri="{FF2B5EF4-FFF2-40B4-BE49-F238E27FC236}">
+                <a16:creationId xmlns:a16="http://schemas.microsoft.com/office/drawing/2014/main" id="{4B026E57-0105-4F73-AFD1-1D51AC069F8C}"/>
+              </a:ext>
+            </a:extLst>
+          </p:cNvPr>
+          <p:cNvSpPr/>
+          <p:nvPr/>
+        </p:nvSpPr>
+        <p:spPr bwMode="gray">
+          <a:xfrm>
+            <a:off x="2675620" y="4005064"/>
+            <a:ext cx="936104" cy="504055"/>
+          </a:xfrm>
+          <a:prstGeom prst="rect">
+            <a:avLst/>
+          </a:prstGeom>
+          <a:ln w="19050"/>
+        </p:spPr>
+        <p:style>
+          <a:lnRef idx="1">
+            <a:schemeClr val="dk1"/>
+          </a:lnRef>
+          <a:fillRef idx="0">
+            <a:schemeClr val="dk1"/>
+          </a:fillRef>
+          <a:effectRef idx="0">
+            <a:schemeClr val="dk1"/>
+          </a:effectRef>
+          <a:fontRef idx="minor">
+            <a:schemeClr val="tx1"/>
+          </a:fontRef>
+        </p:style>
+        <p:txBody>
+          <a:bodyPr lIns="72000" tIns="72000" rIns="72000" bIns="72000" rtlCol="0" anchor="ctr"/>
+          <a:lstStyle/>
+          <a:p>
+            <a:pPr algn="ctr"/>
+            <a:endParaRPr lang="de-DE" sz="1200">
+              <a:solidFill>
+                <a:schemeClr val="bg1"/>
+              </a:solidFill>
+            </a:endParaRPr>
+          </a:p>
+        </p:txBody>
+      </p:sp>
+      <p:cxnSp>
+        <p:nvCxnSpPr>
+          <p:cNvPr id="27" name="Gerader Verbinder 26">
+            <a:extLst>
+              <a:ext uri="{FF2B5EF4-FFF2-40B4-BE49-F238E27FC236}">
+                <a16:creationId xmlns:a16="http://schemas.microsoft.com/office/drawing/2014/main" id="{9CA3B659-FBF2-44B8-BFF4-7CCE7DB47709}"/>
+              </a:ext>
+            </a:extLst>
+          </p:cNvPr>
+          <p:cNvCxnSpPr>
+            <a:cxnSpLocks/>
+          </p:cNvCxnSpPr>
+          <p:nvPr/>
+        </p:nvCxnSpPr>
+        <p:spPr bwMode="gray">
+          <a:xfrm flipH="1">
+            <a:off x="2675620" y="4005063"/>
+            <a:ext cx="936104" cy="504057"/>
+          </a:xfrm>
+          <a:prstGeom prst="line">
+            <a:avLst/>
+          </a:prstGeom>
+          <a:ln w="19050"/>
+        </p:spPr>
+        <p:style>
+          <a:lnRef idx="1">
+            <a:schemeClr val="dk1"/>
+          </a:lnRef>
+          <a:fillRef idx="0">
+            <a:schemeClr val="dk1"/>
+          </a:fillRef>
+          <a:effectRef idx="0">
+            <a:schemeClr val="dk1"/>
+          </a:effectRef>
+          <a:fontRef idx="minor">
+            <a:schemeClr val="tx1"/>
+          </a:fontRef>
+        </p:style>
+      </p:cxnSp>
+      <p:cxnSp>
+        <p:nvCxnSpPr>
+          <p:cNvPr id="31" name="Gerader Verbinder 30">
+            <a:extLst>
+              <a:ext uri="{FF2B5EF4-FFF2-40B4-BE49-F238E27FC236}">
+                <a16:creationId xmlns:a16="http://schemas.microsoft.com/office/drawing/2014/main" id="{466057B7-82FA-42A9-916A-A380A9E5D7DA}"/>
+              </a:ext>
+            </a:extLst>
+          </p:cNvPr>
+          <p:cNvCxnSpPr>
+            <a:cxnSpLocks/>
+          </p:cNvCxnSpPr>
+          <p:nvPr/>
+        </p:nvCxnSpPr>
+        <p:spPr bwMode="gray">
+          <a:xfrm>
+            <a:off x="1919536" y="3795900"/>
+            <a:ext cx="1224136" cy="0"/>
+          </a:xfrm>
+          <a:prstGeom prst="line">
+            <a:avLst/>
+          </a:prstGeom>
+          <a:ln w="19050"/>
+        </p:spPr>
+        <p:style>
+          <a:lnRef idx="1">
+            <a:schemeClr val="dk1"/>
+          </a:lnRef>
+          <a:fillRef idx="0">
+            <a:schemeClr val="dk1"/>
+          </a:fillRef>
+          <a:effectRef idx="0">
+            <a:schemeClr val="dk1"/>
+          </a:effectRef>
+          <a:fontRef idx="minor">
+            <a:schemeClr val="tx1"/>
+          </a:fontRef>
+        </p:style>
+      </p:cxnSp>
+      <p:cxnSp>
+        <p:nvCxnSpPr>
+          <p:cNvPr id="33" name="Gerader Verbinder 32">
+            <a:extLst>
+              <a:ext uri="{FF2B5EF4-FFF2-40B4-BE49-F238E27FC236}">
+                <a16:creationId xmlns:a16="http://schemas.microsoft.com/office/drawing/2014/main" id="{A3C5973E-72D1-4F2D-A3C7-90FA8CBC18E3}"/>
+              </a:ext>
+            </a:extLst>
+          </p:cNvPr>
+          <p:cNvCxnSpPr>
+            <a:cxnSpLocks/>
+          </p:cNvCxnSpPr>
+          <p:nvPr/>
+        </p:nvCxnSpPr>
+        <p:spPr bwMode="gray">
+          <a:xfrm>
+            <a:off x="1919536" y="3795899"/>
+            <a:ext cx="1224136" cy="0"/>
+          </a:xfrm>
+          <a:prstGeom prst="line">
+            <a:avLst/>
+          </a:prstGeom>
+          <a:ln w="19050"/>
+        </p:spPr>
+        <p:style>
+          <a:lnRef idx="1">
+            <a:schemeClr val="dk1"/>
+          </a:lnRef>
+          <a:fillRef idx="0">
+            <a:schemeClr val="dk1"/>
+          </a:fillRef>
+          <a:effectRef idx="0">
+            <a:schemeClr val="dk1"/>
+          </a:effectRef>
+          <a:fontRef idx="minor">
+            <a:schemeClr val="tx1"/>
+          </a:fontRef>
+        </p:style>
+      </p:cxnSp>
+      <p:cxnSp>
+        <p:nvCxnSpPr>
+          <p:cNvPr id="34" name="Gerader Verbinder 33">
+            <a:extLst>
+              <a:ext uri="{FF2B5EF4-FFF2-40B4-BE49-F238E27FC236}">
+                <a16:creationId xmlns:a16="http://schemas.microsoft.com/office/drawing/2014/main" id="{A9396092-1705-4B3F-AEDF-2101A3400858}"/>
+              </a:ext>
+            </a:extLst>
+          </p:cNvPr>
+          <p:cNvCxnSpPr>
+            <a:cxnSpLocks/>
+          </p:cNvCxnSpPr>
+          <p:nvPr/>
+        </p:nvCxnSpPr>
+        <p:spPr bwMode="gray">
+          <a:xfrm>
+            <a:off x="1919536" y="3795898"/>
+            <a:ext cx="1224136" cy="0"/>
+          </a:xfrm>
+          <a:prstGeom prst="line">
+            <a:avLst/>
+          </a:prstGeom>
+          <a:ln w="19050"/>
+        </p:spPr>
+        <p:style>
+          <a:lnRef idx="1">
+            <a:schemeClr val="dk1"/>
+          </a:lnRef>
+          <a:fillRef idx="0">
+            <a:schemeClr val="dk1"/>
+          </a:fillRef>
+          <a:effectRef idx="0">
+            <a:schemeClr val="dk1"/>
+          </a:effectRef>
+          <a:fontRef idx="minor">
+            <a:schemeClr val="tx1"/>
+          </a:fontRef>
+        </p:style>
+      </p:cxnSp>
+      <p:cxnSp>
+        <p:nvCxnSpPr>
+          <p:cNvPr id="35" name="Gerader Verbinder 34">
+            <a:extLst>
+              <a:ext uri="{FF2B5EF4-FFF2-40B4-BE49-F238E27FC236}">
+                <a16:creationId xmlns:a16="http://schemas.microsoft.com/office/drawing/2014/main" id="{377A44E5-2371-49A1-9D14-5384C2B18253}"/>
+              </a:ext>
+            </a:extLst>
+          </p:cNvPr>
+          <p:cNvCxnSpPr>
+            <a:cxnSpLocks/>
+          </p:cNvCxnSpPr>
+          <p:nvPr/>
+        </p:nvCxnSpPr>
+        <p:spPr bwMode="gray">
+          <a:xfrm>
+            <a:off x="1919536" y="4732004"/>
+            <a:ext cx="1224136" cy="0"/>
+          </a:xfrm>
+          <a:prstGeom prst="line">
+            <a:avLst/>
+          </a:prstGeom>
+          <a:ln w="19050"/>
+        </p:spPr>
+        <p:style>
+          <a:lnRef idx="1">
+            <a:schemeClr val="dk1"/>
+          </a:lnRef>
+          <a:fillRef idx="0">
+            <a:schemeClr val="dk1"/>
+          </a:fillRef>
+          <a:effectRef idx="0">
+            <a:schemeClr val="dk1"/>
+          </a:effectRef>
+          <a:fontRef idx="minor">
+            <a:schemeClr val="tx1"/>
+          </a:fontRef>
+        </p:style>
+      </p:cxnSp>
+      <p:cxnSp>
+        <p:nvCxnSpPr>
+          <p:cNvPr id="36" name="Gerader Verbinder 35">
+            <a:extLst>
+              <a:ext uri="{FF2B5EF4-FFF2-40B4-BE49-F238E27FC236}">
+                <a16:creationId xmlns:a16="http://schemas.microsoft.com/office/drawing/2014/main" id="{6F08BDD8-366B-426E-8061-CA8C9B140203}"/>
+              </a:ext>
+            </a:extLst>
+          </p:cNvPr>
+          <p:cNvCxnSpPr>
+            <a:cxnSpLocks/>
+          </p:cNvCxnSpPr>
+          <p:nvPr/>
+        </p:nvCxnSpPr>
+        <p:spPr bwMode="gray">
+          <a:xfrm>
+            <a:off x="1929545" y="3801430"/>
+            <a:ext cx="0" cy="203633"/>
+          </a:xfrm>
+          <a:prstGeom prst="line">
+            <a:avLst/>
+          </a:prstGeom>
+          <a:ln w="19050"/>
+        </p:spPr>
+        <p:style>
+          <a:lnRef idx="1">
+            <a:schemeClr val="dk1"/>
+          </a:lnRef>
+          <a:fillRef idx="0">
+            <a:schemeClr val="dk1"/>
+          </a:fillRef>
+          <a:effectRef idx="0">
+            <a:schemeClr val="dk1"/>
+          </a:effectRef>
+          <a:fontRef idx="minor">
+            <a:schemeClr val="tx1"/>
+          </a:fontRef>
+        </p:style>
+      </p:cxnSp>
+      <p:cxnSp>
+        <p:nvCxnSpPr>
+          <p:cNvPr id="40" name="Gerader Verbinder 39">
+            <a:extLst>
+              <a:ext uri="{FF2B5EF4-FFF2-40B4-BE49-F238E27FC236}">
+                <a16:creationId xmlns:a16="http://schemas.microsoft.com/office/drawing/2014/main" id="{91CBC8D3-53D3-4D4D-847C-93A82B7FC3D6}"/>
+              </a:ext>
+            </a:extLst>
+          </p:cNvPr>
+          <p:cNvCxnSpPr>
+            <a:cxnSpLocks/>
+          </p:cNvCxnSpPr>
+          <p:nvPr/>
+        </p:nvCxnSpPr>
+        <p:spPr bwMode="gray">
+          <a:xfrm>
+            <a:off x="1929545" y="4365104"/>
+            <a:ext cx="0" cy="366900"/>
+          </a:xfrm>
+          <a:prstGeom prst="line">
+            <a:avLst/>
+          </a:prstGeom>
+          <a:ln w="19050"/>
+        </p:spPr>
+        <p:style>
+          <a:lnRef idx="1">
+            <a:schemeClr val="dk1"/>
+          </a:lnRef>
+          <a:fillRef idx="0">
+            <a:schemeClr val="dk1"/>
+          </a:fillRef>
+          <a:effectRef idx="0">
+            <a:schemeClr val="dk1"/>
+          </a:effectRef>
+          <a:fontRef idx="minor">
+            <a:schemeClr val="tx1"/>
+          </a:fontRef>
+        </p:style>
+      </p:cxnSp>
+      <p:cxnSp>
+        <p:nvCxnSpPr>
+          <p:cNvPr id="42" name="Gerader Verbinder 41">
+            <a:extLst>
+              <a:ext uri="{FF2B5EF4-FFF2-40B4-BE49-F238E27FC236}">
+                <a16:creationId xmlns:a16="http://schemas.microsoft.com/office/drawing/2014/main" id="{7D26DA8D-B04D-4659-B31F-40C4152B3B28}"/>
+              </a:ext>
+            </a:extLst>
+          </p:cNvPr>
+          <p:cNvCxnSpPr>
+            <a:cxnSpLocks/>
+          </p:cNvCxnSpPr>
+          <p:nvPr/>
+        </p:nvCxnSpPr>
+        <p:spPr bwMode="gray">
+          <a:xfrm>
+            <a:off x="1847528" y="4005063"/>
+            <a:ext cx="82017" cy="366900"/>
+          </a:xfrm>
+          <a:prstGeom prst="line">
+            <a:avLst/>
+          </a:prstGeom>
+          <a:ln w="19050"/>
+        </p:spPr>
+        <p:style>
+          <a:lnRef idx="1">
+            <a:schemeClr val="dk1"/>
+          </a:lnRef>
+          <a:fillRef idx="0">
+            <a:schemeClr val="dk1"/>
+          </a:fillRef>
+          <a:effectRef idx="0">
+            <a:schemeClr val="dk1"/>
+          </a:effectRef>
+          <a:fontRef idx="minor">
+            <a:schemeClr val="tx1"/>
+          </a:fontRef>
+        </p:style>
+      </p:cxnSp>
+      <p:cxnSp>
+        <p:nvCxnSpPr>
+          <p:cNvPr id="44" name="Gerader Verbinder 43">
+            <a:extLst>
+              <a:ext uri="{FF2B5EF4-FFF2-40B4-BE49-F238E27FC236}">
+                <a16:creationId xmlns:a16="http://schemas.microsoft.com/office/drawing/2014/main" id="{15241754-051A-4F9C-954B-D7B5B3930CCE}"/>
+              </a:ext>
+            </a:extLst>
+          </p:cNvPr>
+          <p:cNvCxnSpPr>
+            <a:cxnSpLocks/>
+          </p:cNvCxnSpPr>
+          <p:nvPr/>
+        </p:nvCxnSpPr>
+        <p:spPr bwMode="gray">
+          <a:xfrm>
+            <a:off x="1672512" y="4158677"/>
+            <a:ext cx="216024" cy="0"/>
+          </a:xfrm>
+          <a:prstGeom prst="line">
+            <a:avLst/>
+          </a:prstGeom>
+          <a:ln w="19050"/>
+        </p:spPr>
+        <p:style>
+          <a:lnRef idx="1">
+            <a:schemeClr val="dk1"/>
+          </a:lnRef>
+          <a:fillRef idx="0">
+            <a:schemeClr val="dk1"/>
+          </a:fillRef>
+          <a:effectRef idx="0">
+            <a:schemeClr val="dk1"/>
+          </a:effectRef>
+          <a:fontRef idx="minor">
+            <a:schemeClr val="tx1"/>
+          </a:fontRef>
+        </p:style>
+      </p:cxnSp>
+      <p:cxnSp>
+        <p:nvCxnSpPr>
+          <p:cNvPr id="45" name="Gerader Verbinder 44">
+            <a:extLst>
+              <a:ext uri="{FF2B5EF4-FFF2-40B4-BE49-F238E27FC236}">
+                <a16:creationId xmlns:a16="http://schemas.microsoft.com/office/drawing/2014/main" id="{7212739F-3C0A-474B-B812-A40C7BD8BE6D}"/>
+              </a:ext>
+            </a:extLst>
+          </p:cNvPr>
+          <p:cNvCxnSpPr>
+            <a:cxnSpLocks/>
+          </p:cNvCxnSpPr>
+          <p:nvPr/>
+        </p:nvCxnSpPr>
+        <p:spPr bwMode="gray">
+          <a:xfrm>
+            <a:off x="1672512" y="4109470"/>
+            <a:ext cx="0" cy="98414"/>
+          </a:xfrm>
+          <a:prstGeom prst="line">
+            <a:avLst/>
+          </a:prstGeom>
+          <a:ln w="19050"/>
+        </p:spPr>
+        <p:style>
+          <a:lnRef idx="1">
+            <a:schemeClr val="dk1"/>
+          </a:lnRef>
+          <a:fillRef idx="0">
+            <a:schemeClr val="dk1"/>
+          </a:fillRef>
+          <a:effectRef idx="0">
+            <a:schemeClr val="dk1"/>
+          </a:effectRef>
+          <a:fontRef idx="minor">
+            <a:schemeClr val="tx1"/>
+          </a:fontRef>
+        </p:style>
+      </p:cxnSp>
+      <p:cxnSp>
+        <p:nvCxnSpPr>
+          <p:cNvPr id="48" name="Gerader Verbinder 47">
+            <a:extLst>
+              <a:ext uri="{FF2B5EF4-FFF2-40B4-BE49-F238E27FC236}">
+                <a16:creationId xmlns:a16="http://schemas.microsoft.com/office/drawing/2014/main" id="{6DF03FCE-FC17-4670-87AA-8D2AD994BC7B}"/>
+              </a:ext>
+            </a:extLst>
+          </p:cNvPr>
+          <p:cNvCxnSpPr>
+            <a:cxnSpLocks/>
+          </p:cNvCxnSpPr>
+          <p:nvPr/>
+        </p:nvCxnSpPr>
+        <p:spPr bwMode="gray">
+          <a:xfrm>
+            <a:off x="3061655" y="2761885"/>
+            <a:ext cx="82017" cy="366900"/>
+          </a:xfrm>
+          <a:prstGeom prst="line">
+            <a:avLst/>
+          </a:prstGeom>
+          <a:ln w="19050"/>
+        </p:spPr>
+        <p:style>
+          <a:lnRef idx="1">
+            <a:schemeClr val="dk1"/>
+          </a:lnRef>
+          <a:fillRef idx="0">
+            <a:schemeClr val="dk1"/>
+          </a:fillRef>
+          <a:effectRef idx="0">
+            <a:schemeClr val="dk1"/>
+          </a:effectRef>
+          <a:fontRef idx="minor">
+            <a:schemeClr val="tx1"/>
+          </a:fontRef>
+        </p:style>
+      </p:cxnSp>
+      <p:cxnSp>
+        <p:nvCxnSpPr>
+          <p:cNvPr id="50" name="Gerader Verbinder 49">
+            <a:extLst>
+              <a:ext uri="{FF2B5EF4-FFF2-40B4-BE49-F238E27FC236}">
+                <a16:creationId xmlns:a16="http://schemas.microsoft.com/office/drawing/2014/main" id="{8E289FE3-48B4-4EBA-BA43-408BB41525B4}"/>
+              </a:ext>
+            </a:extLst>
+          </p:cNvPr>
+          <p:cNvCxnSpPr>
+            <a:cxnSpLocks/>
+          </p:cNvCxnSpPr>
+          <p:nvPr/>
+        </p:nvCxnSpPr>
+        <p:spPr bwMode="gray">
+          <a:xfrm>
+            <a:off x="3143672" y="2048666"/>
+            <a:ext cx="0" cy="713219"/>
+          </a:xfrm>
+          <a:prstGeom prst="line">
+            <a:avLst/>
+          </a:prstGeom>
+          <a:ln w="19050"/>
+        </p:spPr>
+        <p:style>
+          <a:lnRef idx="1">
+            <a:schemeClr val="dk1"/>
+          </a:lnRef>
+          <a:fillRef idx="0">
+            <a:schemeClr val="dk1"/>
+          </a:fillRef>
+          <a:effectRef idx="0">
+            <a:schemeClr val="dk1"/>
+          </a:effectRef>
+          <a:fontRef idx="minor">
+            <a:schemeClr val="tx1"/>
+          </a:fontRef>
+        </p:style>
+      </p:cxnSp>
+      <p:sp>
+        <p:nvSpPr>
+          <p:cNvPr id="52" name="Textfeld 51">
+            <a:extLst>
+              <a:ext uri="{FF2B5EF4-FFF2-40B4-BE49-F238E27FC236}">
+                <a16:creationId xmlns:a16="http://schemas.microsoft.com/office/drawing/2014/main" id="{F46D6F52-BF8F-469E-8448-D79FFC24A3FC}"/>
+              </a:ext>
+            </a:extLst>
+          </p:cNvPr>
+          <p:cNvSpPr txBox="1"/>
+          <p:nvPr/>
+        </p:nvSpPr>
+        <p:spPr bwMode="gray">
+          <a:xfrm>
+            <a:off x="3431704" y="1880828"/>
+            <a:ext cx="180019" cy="180020"/>
+          </a:xfrm>
+          <a:prstGeom prst="rect">
+            <a:avLst/>
+          </a:prstGeom>
+          <a:noFill/>
+        </p:spPr>
+        <p:txBody>
+          <a:bodyPr wrap="none" lIns="0" tIns="0" rIns="0" bIns="0" rtlCol="0">
+            <a:noAutofit/>
+          </a:bodyPr>
+          <a:lstStyle/>
+          <a:p>
+            <a:pPr algn="l">
+              <a:buClr>
+                <a:schemeClr val="bg2"/>
+              </a:buClr>
+            </a:pPr>
+            <a:r>
+              <a:rPr lang="de-DE" sz="1200" dirty="0"/>
+              <a:t>K2</a:t>
+            </a:r>
+          </a:p>
+        </p:txBody>
+      </p:sp>
+      <p:sp>
+        <p:nvSpPr>
+          <p:cNvPr id="53" name="Textfeld 52">
+            <a:extLst>
+              <a:ext uri="{FF2B5EF4-FFF2-40B4-BE49-F238E27FC236}">
+                <a16:creationId xmlns:a16="http://schemas.microsoft.com/office/drawing/2014/main" id="{C216CAC4-B82C-4454-9CE4-3EBDF1035C52}"/>
+              </a:ext>
+            </a:extLst>
+          </p:cNvPr>
+          <p:cNvSpPr txBox="1"/>
+          <p:nvPr/>
+        </p:nvSpPr>
+        <p:spPr bwMode="gray">
+          <a:xfrm>
+            <a:off x="3359696" y="2762927"/>
+            <a:ext cx="180019" cy="180020"/>
+          </a:xfrm>
+          <a:prstGeom prst="rect">
+            <a:avLst/>
+          </a:prstGeom>
+          <a:noFill/>
+        </p:spPr>
+        <p:txBody>
+          <a:bodyPr wrap="none" lIns="0" tIns="0" rIns="0" bIns="0" rtlCol="0">
+            <a:noAutofit/>
+          </a:bodyPr>
+          <a:lstStyle/>
+          <a:p>
+            <a:pPr algn="l">
+              <a:buClr>
+                <a:schemeClr val="bg2"/>
+              </a:buClr>
+            </a:pPr>
+            <a:r>
+              <a:rPr lang="de-DE" sz="1200" dirty="0"/>
+              <a:t>K1</a:t>
+            </a:r>
+          </a:p>
+        </p:txBody>
+      </p:sp>
+      <p:sp>
+        <p:nvSpPr>
+          <p:cNvPr id="54" name="Textfeld 53">
+            <a:extLst>
+              <a:ext uri="{FF2B5EF4-FFF2-40B4-BE49-F238E27FC236}">
+                <a16:creationId xmlns:a16="http://schemas.microsoft.com/office/drawing/2014/main" id="{29057504-79D9-4DC7-ABB2-60DE9746774F}"/>
+              </a:ext>
+            </a:extLst>
+          </p:cNvPr>
+          <p:cNvSpPr txBox="1"/>
+          <p:nvPr/>
+        </p:nvSpPr>
+        <p:spPr bwMode="gray">
+          <a:xfrm>
+            <a:off x="3719736" y="4213489"/>
+            <a:ext cx="180019" cy="180020"/>
+          </a:xfrm>
+          <a:prstGeom prst="rect">
+            <a:avLst/>
+          </a:prstGeom>
+          <a:noFill/>
+        </p:spPr>
+        <p:txBody>
+          <a:bodyPr wrap="none" lIns="0" tIns="0" rIns="0" bIns="0" rtlCol="0">
+            <a:noAutofit/>
+          </a:bodyPr>
+          <a:lstStyle/>
+          <a:p>
+            <a:pPr algn="l">
+              <a:buClr>
+                <a:schemeClr val="bg2"/>
+              </a:buClr>
+            </a:pPr>
+            <a:r>
+              <a:rPr lang="de-DE" sz="1200" dirty="0"/>
+              <a:t>K1</a:t>
+            </a:r>
+          </a:p>
+        </p:txBody>
+      </p:sp>
+      <p:sp>
+        <p:nvSpPr>
+          <p:cNvPr id="55" name="Textfeld 54">
+            <a:extLst>
+              <a:ext uri="{FF2B5EF4-FFF2-40B4-BE49-F238E27FC236}">
+                <a16:creationId xmlns:a16="http://schemas.microsoft.com/office/drawing/2014/main" id="{0838D18D-6D11-47D8-BF8E-6BA26D751AFB}"/>
+              </a:ext>
+            </a:extLst>
+          </p:cNvPr>
+          <p:cNvSpPr txBox="1"/>
+          <p:nvPr/>
+        </p:nvSpPr>
+        <p:spPr bwMode="gray">
+          <a:xfrm>
+            <a:off x="1580001" y="4357402"/>
+            <a:ext cx="180019" cy="180020"/>
+          </a:xfrm>
+          <a:prstGeom prst="rect">
+            <a:avLst/>
+          </a:prstGeom>
+          <a:noFill/>
+        </p:spPr>
+        <p:txBody>
+          <a:bodyPr wrap="none" lIns="0" tIns="0" rIns="0" bIns="0" rtlCol="0">
+            <a:noAutofit/>
+          </a:bodyPr>
+          <a:lstStyle/>
+          <a:p>
+            <a:pPr algn="l">
+              <a:buClr>
+                <a:schemeClr val="bg2"/>
+              </a:buClr>
+            </a:pPr>
+            <a:r>
+              <a:rPr lang="de-DE" sz="1200" dirty="0"/>
+              <a:t>S1</a:t>
+            </a:r>
+          </a:p>
+        </p:txBody>
+      </p:sp>
+      <p:sp>
+        <p:nvSpPr>
+          <p:cNvPr id="56" name="Rechteck 55">
+            <a:extLst>
+              <a:ext uri="{FF2B5EF4-FFF2-40B4-BE49-F238E27FC236}">
+                <a16:creationId xmlns:a16="http://schemas.microsoft.com/office/drawing/2014/main" id="{D30D8F90-6022-4472-954D-C1D4AC8CF373}"/>
+              </a:ext>
+            </a:extLst>
+          </p:cNvPr>
+          <p:cNvSpPr/>
+          <p:nvPr/>
+        </p:nvSpPr>
+        <p:spPr bwMode="gray">
+          <a:xfrm>
+            <a:off x="5951984" y="4045415"/>
+            <a:ext cx="936104" cy="504055"/>
+          </a:xfrm>
+          <a:prstGeom prst="rect">
+            <a:avLst/>
+          </a:prstGeom>
+          <a:ln w="19050"/>
+        </p:spPr>
+        <p:style>
+          <a:lnRef idx="1">
+            <a:schemeClr val="dk1"/>
+          </a:lnRef>
+          <a:fillRef idx="0">
+            <a:schemeClr val="dk1"/>
+          </a:fillRef>
+          <a:effectRef idx="0">
+            <a:schemeClr val="dk1"/>
+          </a:effectRef>
+          <a:fontRef idx="minor">
+            <a:schemeClr val="tx1"/>
+          </a:fontRef>
+        </p:style>
+        <p:txBody>
+          <a:bodyPr lIns="72000" tIns="72000" rIns="72000" bIns="72000" rtlCol="0" anchor="ctr"/>
+          <a:lstStyle/>
+          <a:p>
+            <a:pPr algn="ctr"/>
+            <a:endParaRPr lang="de-DE" sz="1200">
+              <a:solidFill>
+                <a:schemeClr val="bg1"/>
+              </a:solidFill>
+            </a:endParaRPr>
+          </a:p>
+        </p:txBody>
+      </p:sp>
+      <p:cxnSp>
+        <p:nvCxnSpPr>
+          <p:cNvPr id="57" name="Gerader Verbinder 56">
+            <a:extLst>
+              <a:ext uri="{FF2B5EF4-FFF2-40B4-BE49-F238E27FC236}">
+                <a16:creationId xmlns:a16="http://schemas.microsoft.com/office/drawing/2014/main" id="{D683AEAC-AE82-4E5E-92E4-0F7A45278B5B}"/>
+              </a:ext>
+            </a:extLst>
+          </p:cNvPr>
+          <p:cNvCxnSpPr>
+            <a:cxnSpLocks/>
+          </p:cNvCxnSpPr>
+          <p:nvPr/>
+        </p:nvCxnSpPr>
+        <p:spPr bwMode="gray">
+          <a:xfrm flipH="1">
+            <a:off x="5951984" y="4045414"/>
+            <a:ext cx="936104" cy="504057"/>
+          </a:xfrm>
+          <a:prstGeom prst="line">
+            <a:avLst/>
+          </a:prstGeom>
+          <a:ln w="19050"/>
+        </p:spPr>
+        <p:style>
+          <a:lnRef idx="1">
+            <a:schemeClr val="dk1"/>
+          </a:lnRef>
+          <a:fillRef idx="0">
+            <a:schemeClr val="dk1"/>
+          </a:fillRef>
+          <a:effectRef idx="0">
+            <a:schemeClr val="dk1"/>
+          </a:effectRef>
+          <a:fontRef idx="minor">
+            <a:schemeClr val="tx1"/>
+          </a:fontRef>
+        </p:style>
+      </p:cxnSp>
+      <p:sp>
+        <p:nvSpPr>
+          <p:cNvPr id="58" name="Textfeld 57">
+            <a:extLst>
+              <a:ext uri="{FF2B5EF4-FFF2-40B4-BE49-F238E27FC236}">
+                <a16:creationId xmlns:a16="http://schemas.microsoft.com/office/drawing/2014/main" id="{FFBC3EC9-A94D-4ECC-839C-9E597C37403D}"/>
+              </a:ext>
+            </a:extLst>
+          </p:cNvPr>
+          <p:cNvSpPr txBox="1"/>
+          <p:nvPr/>
+        </p:nvSpPr>
+        <p:spPr bwMode="gray">
+          <a:xfrm>
+            <a:off x="6996100" y="4253840"/>
+            <a:ext cx="180019" cy="180020"/>
+          </a:xfrm>
+          <a:prstGeom prst="rect">
+            <a:avLst/>
+          </a:prstGeom>
+          <a:noFill/>
+        </p:spPr>
+        <p:txBody>
+          <a:bodyPr wrap="none" lIns="0" tIns="0" rIns="0" bIns="0" rtlCol="0">
+            <a:noAutofit/>
+          </a:bodyPr>
+          <a:lstStyle/>
+          <a:p>
+            <a:pPr algn="l">
+              <a:buClr>
+                <a:schemeClr val="bg2"/>
+              </a:buClr>
+            </a:pPr>
+            <a:r>
+              <a:rPr lang="de-DE" sz="1200" dirty="0"/>
+              <a:t>K2</a:t>
+            </a:r>
+          </a:p>
+        </p:txBody>
+      </p:sp>
+      <p:cxnSp>
+        <p:nvCxnSpPr>
+          <p:cNvPr id="59" name="Gerader Verbinder 58">
+            <a:extLst>
+              <a:ext uri="{FF2B5EF4-FFF2-40B4-BE49-F238E27FC236}">
+                <a16:creationId xmlns:a16="http://schemas.microsoft.com/office/drawing/2014/main" id="{2D288CCD-FE64-4701-B294-37D540A90290}"/>
+              </a:ext>
+            </a:extLst>
+          </p:cNvPr>
+          <p:cNvCxnSpPr>
+            <a:cxnSpLocks/>
+          </p:cNvCxnSpPr>
+          <p:nvPr/>
+        </p:nvCxnSpPr>
+        <p:spPr bwMode="gray">
+          <a:xfrm>
+            <a:off x="6456040" y="3332195"/>
+            <a:ext cx="0" cy="713219"/>
+          </a:xfrm>
+          <a:prstGeom prst="line">
+            <a:avLst/>
+          </a:prstGeom>
+          <a:ln w="19050"/>
+        </p:spPr>
+        <p:style>
+          <a:lnRef idx="1">
+            <a:schemeClr val="dk1"/>
+          </a:lnRef>
+          <a:fillRef idx="0">
+            <a:schemeClr val="dk1"/>
+          </a:fillRef>
+          <a:effectRef idx="0">
+            <a:schemeClr val="dk1"/>
+          </a:effectRef>
+          <a:fontRef idx="minor">
+            <a:schemeClr val="tx1"/>
+          </a:fontRef>
+        </p:style>
+      </p:cxnSp>
+      <p:cxnSp>
+        <p:nvCxnSpPr>
+          <p:cNvPr id="60" name="Gerader Verbinder 59">
+            <a:extLst>
+              <a:ext uri="{FF2B5EF4-FFF2-40B4-BE49-F238E27FC236}">
+                <a16:creationId xmlns:a16="http://schemas.microsoft.com/office/drawing/2014/main" id="{6C4D3244-460D-4BBD-83A9-8389CC40DC08}"/>
+              </a:ext>
+            </a:extLst>
+          </p:cNvPr>
+          <p:cNvCxnSpPr>
+            <a:cxnSpLocks/>
+          </p:cNvCxnSpPr>
+          <p:nvPr/>
+        </p:nvCxnSpPr>
+        <p:spPr bwMode="gray">
+          <a:xfrm>
+            <a:off x="6456040" y="4549470"/>
+            <a:ext cx="0" cy="1368152"/>
+          </a:xfrm>
+          <a:prstGeom prst="line">
+            <a:avLst/>
+          </a:prstGeom>
+          <a:ln w="19050"/>
+        </p:spPr>
+        <p:style>
+          <a:lnRef idx="1">
+            <a:schemeClr val="dk1"/>
+          </a:lnRef>
+          <a:fillRef idx="0">
+            <a:schemeClr val="dk1"/>
+          </a:fillRef>
+          <a:effectRef idx="0">
+            <a:schemeClr val="dk1"/>
+          </a:effectRef>
+          <a:fontRef idx="minor">
+            <a:schemeClr val="tx1"/>
+          </a:fontRef>
+        </p:style>
+      </p:cxnSp>
+      <p:sp>
+        <p:nvSpPr>
+          <p:cNvPr id="61" name="Textfeld 60">
+            <a:extLst>
+              <a:ext uri="{FF2B5EF4-FFF2-40B4-BE49-F238E27FC236}">
+                <a16:creationId xmlns:a16="http://schemas.microsoft.com/office/drawing/2014/main" id="{65785B15-12F6-4B1E-AB56-D604A11951A4}"/>
+              </a:ext>
+            </a:extLst>
+          </p:cNvPr>
+          <p:cNvSpPr txBox="1"/>
+          <p:nvPr/>
+        </p:nvSpPr>
+        <p:spPr bwMode="gray">
+          <a:xfrm>
+            <a:off x="6528048" y="3275387"/>
+            <a:ext cx="936104" cy="263226"/>
+          </a:xfrm>
+          <a:prstGeom prst="rect">
+            <a:avLst/>
+          </a:prstGeom>
+          <a:noFill/>
+        </p:spPr>
+        <p:txBody>
+          <a:bodyPr wrap="none" lIns="0" tIns="0" rIns="0" bIns="0" rtlCol="0">
+            <a:noAutofit/>
+          </a:bodyPr>
+          <a:lstStyle/>
+          <a:p>
+            <a:pPr algn="l">
+              <a:buClr>
+                <a:schemeClr val="bg2"/>
+              </a:buClr>
+            </a:pPr>
+            <a:r>
+              <a:rPr lang="de-DE" sz="1200" dirty="0"/>
+              <a:t>Arduino I/O</a:t>
+            </a:r>
+          </a:p>
+        </p:txBody>
+      </p:sp>
+    </p:spTree>
+    <p:extLst>
+      <p:ext uri="{BB962C8B-B14F-4D97-AF65-F5344CB8AC3E}">
+        <p14:creationId xmlns:p14="http://schemas.microsoft.com/office/powerpoint/2010/main" val="1031880352"/>
       </p:ext>
     </p:extLst>
   </p:cSld>
